--- a/C5.Classification_NN/figures/all_figures.pptx
+++ b/C5.Classification_NN/figures/all_figures.pptx
@@ -5,12 +5,13 @@
     <p:sldMasterId id="2147483648" r:id="rId1"/>
   </p:sldMasterIdLst>
   <p:notesMasterIdLst>
-    <p:notesMasterId r:id="rId5"/>
+    <p:notesMasterId r:id="rId6"/>
   </p:notesMasterIdLst>
   <p:sldIdLst>
     <p:sldId id="257" r:id="rId2"/>
     <p:sldId id="259" r:id="rId3"/>
-    <p:sldId id="258" r:id="rId4"/>
+    <p:sldId id="260" r:id="rId4"/>
+    <p:sldId id="258" r:id="rId5"/>
   </p:sldIdLst>
   <p:sldSz cx="12192000" cy="6858000"/>
   <p:notesSz cx="6858000" cy="9144000"/>
@@ -12227,6 +12228,5115 @@
       </p:grpSpPr>
       <p:grpSp>
         <p:nvGrpSpPr>
+          <p:cNvPr id="254" name="Group 253">
+            <a:extLst>
+              <a:ext uri="{FF2B5EF4-FFF2-40B4-BE49-F238E27FC236}">
+                <a16:creationId xmlns:a16="http://schemas.microsoft.com/office/drawing/2014/main" id="{62B5136A-59A6-6B55-37C6-96CF5A0DDDD3}"/>
+              </a:ext>
+            </a:extLst>
+          </p:cNvPr>
+          <p:cNvGrpSpPr/>
+          <p:nvPr/>
+        </p:nvGrpSpPr>
+        <p:grpSpPr>
+          <a:xfrm>
+            <a:off x="661222" y="805790"/>
+            <a:ext cx="5421985" cy="3181493"/>
+            <a:chOff x="661222" y="805790"/>
+            <a:chExt cx="5421985" cy="3181493"/>
+          </a:xfrm>
+        </p:grpSpPr>
+        <p:sp>
+          <p:nvSpPr>
+            <p:cNvPr id="253" name="Rounded Rectangle 252">
+              <a:extLst>
+                <a:ext uri="{FF2B5EF4-FFF2-40B4-BE49-F238E27FC236}">
+                  <a16:creationId xmlns:a16="http://schemas.microsoft.com/office/drawing/2014/main" id="{54FBEF27-388D-AE13-CB33-B178FD93AFB5}"/>
+                </a:ext>
+              </a:extLst>
+            </p:cNvPr>
+            <p:cNvSpPr/>
+            <p:nvPr/>
+          </p:nvSpPr>
+          <p:spPr>
+            <a:xfrm>
+              <a:off x="3381617" y="805790"/>
+              <a:ext cx="1551377" cy="3160476"/>
+            </a:xfrm>
+            <a:prstGeom prst="roundRect">
+              <a:avLst/>
+            </a:prstGeom>
+            <a:solidFill>
+              <a:schemeClr val="accent4">
+                <a:lumMod val="20000"/>
+                <a:lumOff val="80000"/>
+              </a:schemeClr>
+            </a:solidFill>
+          </p:spPr>
+          <p:style>
+            <a:lnRef idx="2">
+              <a:schemeClr val="accent6"/>
+            </a:lnRef>
+            <a:fillRef idx="1">
+              <a:schemeClr val="lt1"/>
+            </a:fillRef>
+            <a:effectRef idx="0">
+              <a:schemeClr val="accent6"/>
+            </a:effectRef>
+            <a:fontRef idx="minor">
+              <a:schemeClr val="dk1"/>
+            </a:fontRef>
+          </p:style>
+          <p:txBody>
+            <a:bodyPr rtlCol="0" anchor="b"/>
+            <a:lstStyle/>
+            <a:p>
+              <a:pPr algn="ctr"/>
+              <a:r>
+                <a:rPr lang="en-ES" sz="1200" dirty="0"/>
+                <a:t>Output Layer</a:t>
+              </a:r>
+            </a:p>
+          </p:txBody>
+        </p:sp>
+        <p:sp>
+          <p:nvSpPr>
+            <p:cNvPr id="212" name="Rounded Rectangle 211">
+              <a:extLst>
+                <a:ext uri="{FF2B5EF4-FFF2-40B4-BE49-F238E27FC236}">
+                  <a16:creationId xmlns:a16="http://schemas.microsoft.com/office/drawing/2014/main" id="{8E551077-5968-4ABF-C7CE-37C00F1159F3}"/>
+                </a:ext>
+              </a:extLst>
+            </p:cNvPr>
+            <p:cNvSpPr/>
+            <p:nvPr/>
+          </p:nvSpPr>
+          <p:spPr>
+            <a:xfrm>
+              <a:off x="1759283" y="826807"/>
+              <a:ext cx="1534427" cy="3160476"/>
+            </a:xfrm>
+            <a:prstGeom prst="roundRect">
+              <a:avLst/>
+            </a:prstGeom>
+            <a:solidFill>
+              <a:schemeClr val="accent4">
+                <a:lumMod val="20000"/>
+                <a:lumOff val="80000"/>
+              </a:schemeClr>
+            </a:solidFill>
+          </p:spPr>
+          <p:style>
+            <a:lnRef idx="2">
+              <a:schemeClr val="accent6"/>
+            </a:lnRef>
+            <a:fillRef idx="1">
+              <a:schemeClr val="lt1"/>
+            </a:fillRef>
+            <a:effectRef idx="0">
+              <a:schemeClr val="accent6"/>
+            </a:effectRef>
+            <a:fontRef idx="minor">
+              <a:schemeClr val="dk1"/>
+            </a:fontRef>
+          </p:style>
+          <p:txBody>
+            <a:bodyPr rtlCol="0" anchor="b"/>
+            <a:lstStyle/>
+            <a:p>
+              <a:pPr algn="ctr"/>
+              <a:r>
+                <a:rPr lang="en-ES" sz="1200" dirty="0"/>
+                <a:t>Hidden Layer</a:t>
+              </a:r>
+            </a:p>
+          </p:txBody>
+        </p:sp>
+        <p:sp>
+          <p:nvSpPr>
+            <p:cNvPr id="211" name="Rounded Rectangle 210">
+              <a:extLst>
+                <a:ext uri="{FF2B5EF4-FFF2-40B4-BE49-F238E27FC236}">
+                  <a16:creationId xmlns:a16="http://schemas.microsoft.com/office/drawing/2014/main" id="{7DD88F89-7176-F5C9-96C0-30F5A9943D81}"/>
+                </a:ext>
+              </a:extLst>
+            </p:cNvPr>
+            <p:cNvSpPr/>
+            <p:nvPr/>
+          </p:nvSpPr>
+          <p:spPr>
+            <a:xfrm>
+              <a:off x="661222" y="839761"/>
+              <a:ext cx="1021459" cy="3147522"/>
+            </a:xfrm>
+            <a:prstGeom prst="roundRect">
+              <a:avLst/>
+            </a:prstGeom>
+            <a:solidFill>
+              <a:schemeClr val="accent4">
+                <a:lumMod val="20000"/>
+                <a:lumOff val="80000"/>
+              </a:schemeClr>
+            </a:solidFill>
+          </p:spPr>
+          <p:style>
+            <a:lnRef idx="2">
+              <a:schemeClr val="accent6"/>
+            </a:lnRef>
+            <a:fillRef idx="1">
+              <a:schemeClr val="lt1"/>
+            </a:fillRef>
+            <a:effectRef idx="0">
+              <a:schemeClr val="accent6"/>
+            </a:effectRef>
+            <a:fontRef idx="minor">
+              <a:schemeClr val="dk1"/>
+            </a:fontRef>
+          </p:style>
+          <p:txBody>
+            <a:bodyPr rtlCol="0" anchor="b"/>
+            <a:lstStyle/>
+            <a:p>
+              <a:pPr algn="ctr"/>
+              <a:r>
+                <a:rPr lang="en-ES" sz="1200" dirty="0"/>
+                <a:t>Input Layer</a:t>
+              </a:r>
+            </a:p>
+          </p:txBody>
+        </p:sp>
+        <p:sp>
+          <p:nvSpPr>
+            <p:cNvPr id="4" name="Oval 3">
+              <a:extLst>
+                <a:ext uri="{FF2B5EF4-FFF2-40B4-BE49-F238E27FC236}">
+                  <a16:creationId xmlns:a16="http://schemas.microsoft.com/office/drawing/2014/main" id="{1D28B896-FC35-4185-5023-D2C12D492E6A}"/>
+                </a:ext>
+              </a:extLst>
+            </p:cNvPr>
+            <p:cNvSpPr/>
+            <p:nvPr/>
+          </p:nvSpPr>
+          <p:spPr>
+            <a:xfrm>
+              <a:off x="1505940" y="1075020"/>
+              <a:ext cx="109694" cy="109694"/>
+            </a:xfrm>
+            <a:prstGeom prst="ellipse">
+              <a:avLst/>
+            </a:prstGeom>
+          </p:spPr>
+          <p:style>
+            <a:lnRef idx="2">
+              <a:schemeClr val="accent1">
+                <a:shade val="50000"/>
+              </a:schemeClr>
+            </a:lnRef>
+            <a:fillRef idx="1">
+              <a:schemeClr val="accent1"/>
+            </a:fillRef>
+            <a:effectRef idx="0">
+              <a:schemeClr val="accent1"/>
+            </a:effectRef>
+            <a:fontRef idx="minor">
+              <a:schemeClr val="lt1"/>
+            </a:fontRef>
+          </p:style>
+          <p:txBody>
+            <a:bodyPr rtlCol="0" anchor="ctr"/>
+            <a:lstStyle/>
+            <a:p>
+              <a:pPr algn="ctr"/>
+              <a:endParaRPr lang="en-ES"/>
+            </a:p>
+          </p:txBody>
+        </p:sp>
+        <p:sp>
+          <p:nvSpPr>
+            <p:cNvPr id="5" name="TextBox 4">
+              <a:extLst>
+                <a:ext uri="{FF2B5EF4-FFF2-40B4-BE49-F238E27FC236}">
+                  <a16:creationId xmlns:a16="http://schemas.microsoft.com/office/drawing/2014/main" id="{9865FBB8-C835-4086-0298-E646A5C77246}"/>
+                </a:ext>
+              </a:extLst>
+            </p:cNvPr>
+            <p:cNvSpPr txBox="1"/>
+            <p:nvPr/>
+          </p:nvSpPr>
+          <p:spPr>
+            <a:xfrm>
+              <a:off x="788278" y="945200"/>
+              <a:ext cx="362600" cy="369332"/>
+            </a:xfrm>
+            <a:prstGeom prst="rect">
+              <a:avLst/>
+            </a:prstGeom>
+            <a:noFill/>
+          </p:spPr>
+          <p:txBody>
+            <a:bodyPr wrap="none" rtlCol="0">
+              <a:spAutoFit/>
+            </a:bodyPr>
+            <a:lstStyle/>
+            <a:p>
+              <a:r>
+                <a:rPr lang="en-ES" i="1" dirty="0">
+                  <a:latin typeface="Times New Roman" panose="02020603050405020304" pitchFamily="18" charset="0"/>
+                  <a:cs typeface="Times New Roman" panose="02020603050405020304" pitchFamily="18" charset="0"/>
+                </a:rPr>
+                <a:t>x</a:t>
+              </a:r>
+              <a:r>
+                <a:rPr lang="en-ES" baseline="-25000" dirty="0">
+                  <a:latin typeface="Times New Roman" panose="02020603050405020304" pitchFamily="18" charset="0"/>
+                  <a:cs typeface="Times New Roman" panose="02020603050405020304" pitchFamily="18" charset="0"/>
+                </a:rPr>
+                <a:t>0</a:t>
+              </a:r>
+            </a:p>
+          </p:txBody>
+        </p:sp>
+        <p:cxnSp>
+          <p:nvCxnSpPr>
+            <p:cNvPr id="6" name="Straight Connector 5">
+              <a:extLst>
+                <a:ext uri="{FF2B5EF4-FFF2-40B4-BE49-F238E27FC236}">
+                  <a16:creationId xmlns:a16="http://schemas.microsoft.com/office/drawing/2014/main" id="{F64241F7-56D1-F6BB-6250-EEB45A73CC43}"/>
+                </a:ext>
+              </a:extLst>
+            </p:cNvPr>
+            <p:cNvCxnSpPr>
+              <a:cxnSpLocks/>
+              <a:stCxn id="5" idx="3"/>
+              <a:endCxn id="4" idx="2"/>
+            </p:cNvCxnSpPr>
+            <p:nvPr/>
+          </p:nvCxnSpPr>
+          <p:spPr>
+            <a:xfrm>
+              <a:off x="1150878" y="1129866"/>
+              <a:ext cx="355062" cy="1"/>
+            </a:xfrm>
+            <a:prstGeom prst="line">
+              <a:avLst/>
+            </a:prstGeom>
+            <a:ln w="12700"/>
+          </p:spPr>
+          <p:style>
+            <a:lnRef idx="1">
+              <a:schemeClr val="accent1"/>
+            </a:lnRef>
+            <a:fillRef idx="0">
+              <a:schemeClr val="accent1"/>
+            </a:fillRef>
+            <a:effectRef idx="0">
+              <a:schemeClr val="accent1"/>
+            </a:effectRef>
+            <a:fontRef idx="minor">
+              <a:schemeClr val="tx1"/>
+            </a:fontRef>
+          </p:style>
+        </p:cxnSp>
+        <p:sp>
+          <p:nvSpPr>
+            <p:cNvPr id="7" name="Oval 6">
+              <a:extLst>
+                <a:ext uri="{FF2B5EF4-FFF2-40B4-BE49-F238E27FC236}">
+                  <a16:creationId xmlns:a16="http://schemas.microsoft.com/office/drawing/2014/main" id="{5974566D-9467-AC8E-04C4-20635792BCA6}"/>
+                </a:ext>
+              </a:extLst>
+            </p:cNvPr>
+            <p:cNvSpPr/>
+            <p:nvPr/>
+          </p:nvSpPr>
+          <p:spPr>
+            <a:xfrm>
+              <a:off x="1509759" y="1375033"/>
+              <a:ext cx="109694" cy="109694"/>
+            </a:xfrm>
+            <a:prstGeom prst="ellipse">
+              <a:avLst/>
+            </a:prstGeom>
+          </p:spPr>
+          <p:style>
+            <a:lnRef idx="2">
+              <a:schemeClr val="accent1">
+                <a:shade val="50000"/>
+              </a:schemeClr>
+            </a:lnRef>
+            <a:fillRef idx="1">
+              <a:schemeClr val="accent1"/>
+            </a:fillRef>
+            <a:effectRef idx="0">
+              <a:schemeClr val="accent1"/>
+            </a:effectRef>
+            <a:fontRef idx="minor">
+              <a:schemeClr val="lt1"/>
+            </a:fontRef>
+          </p:style>
+          <p:txBody>
+            <a:bodyPr rtlCol="0" anchor="ctr"/>
+            <a:lstStyle/>
+            <a:p>
+              <a:pPr algn="ctr"/>
+              <a:endParaRPr lang="en-ES"/>
+            </a:p>
+          </p:txBody>
+        </p:sp>
+        <p:sp>
+          <p:nvSpPr>
+            <p:cNvPr id="8" name="TextBox 7">
+              <a:extLst>
+                <a:ext uri="{FF2B5EF4-FFF2-40B4-BE49-F238E27FC236}">
+                  <a16:creationId xmlns:a16="http://schemas.microsoft.com/office/drawing/2014/main" id="{F5C0E0F6-E7AB-AEEE-E144-FF45094C02D2}"/>
+                </a:ext>
+              </a:extLst>
+            </p:cNvPr>
+            <p:cNvSpPr txBox="1"/>
+            <p:nvPr/>
+          </p:nvSpPr>
+          <p:spPr>
+            <a:xfrm>
+              <a:off x="792097" y="1245213"/>
+              <a:ext cx="364202" cy="369332"/>
+            </a:xfrm>
+            <a:prstGeom prst="rect">
+              <a:avLst/>
+            </a:prstGeom>
+            <a:noFill/>
+          </p:spPr>
+          <p:txBody>
+            <a:bodyPr wrap="none" rtlCol="0">
+              <a:spAutoFit/>
+            </a:bodyPr>
+            <a:lstStyle/>
+            <a:p>
+              <a:r>
+                <a:rPr lang="en-ES" i="1" dirty="0">
+                  <a:latin typeface="Times New Roman" panose="02020603050405020304" pitchFamily="18" charset="0"/>
+                  <a:cs typeface="Times New Roman" panose="02020603050405020304" pitchFamily="18" charset="0"/>
+                </a:rPr>
+                <a:t>x</a:t>
+              </a:r>
+              <a:r>
+                <a:rPr lang="en-ES" baseline="-25000" dirty="0">
+                  <a:latin typeface="Times New Roman" panose="02020603050405020304" pitchFamily="18" charset="0"/>
+                  <a:cs typeface="Times New Roman" panose="02020603050405020304" pitchFamily="18" charset="0"/>
+                </a:rPr>
+                <a:t>1</a:t>
+              </a:r>
+            </a:p>
+          </p:txBody>
+        </p:sp>
+        <p:cxnSp>
+          <p:nvCxnSpPr>
+            <p:cNvPr id="9" name="Straight Connector 8">
+              <a:extLst>
+                <a:ext uri="{FF2B5EF4-FFF2-40B4-BE49-F238E27FC236}">
+                  <a16:creationId xmlns:a16="http://schemas.microsoft.com/office/drawing/2014/main" id="{DFD60756-8616-3C40-17F8-47A94FFB19BD}"/>
+                </a:ext>
+              </a:extLst>
+            </p:cNvPr>
+            <p:cNvCxnSpPr>
+              <a:cxnSpLocks/>
+              <a:stCxn id="8" idx="3"/>
+              <a:endCxn id="7" idx="2"/>
+            </p:cNvCxnSpPr>
+            <p:nvPr/>
+          </p:nvCxnSpPr>
+          <p:spPr>
+            <a:xfrm>
+              <a:off x="1156299" y="1429879"/>
+              <a:ext cx="353460" cy="1"/>
+            </a:xfrm>
+            <a:prstGeom prst="line">
+              <a:avLst/>
+            </a:prstGeom>
+            <a:ln w="12700"/>
+          </p:spPr>
+          <p:style>
+            <a:lnRef idx="1">
+              <a:schemeClr val="accent1"/>
+            </a:lnRef>
+            <a:fillRef idx="0">
+              <a:schemeClr val="accent1"/>
+            </a:fillRef>
+            <a:effectRef idx="0">
+              <a:schemeClr val="accent1"/>
+            </a:effectRef>
+            <a:fontRef idx="minor">
+              <a:schemeClr val="tx1"/>
+            </a:fontRef>
+          </p:style>
+        </p:cxnSp>
+        <p:sp>
+          <p:nvSpPr>
+            <p:cNvPr id="10" name="Oval 9">
+              <a:extLst>
+                <a:ext uri="{FF2B5EF4-FFF2-40B4-BE49-F238E27FC236}">
+                  <a16:creationId xmlns:a16="http://schemas.microsoft.com/office/drawing/2014/main" id="{CA437E59-48C3-AAF4-F6E0-EAA37BC2018F}"/>
+                </a:ext>
+              </a:extLst>
+            </p:cNvPr>
+            <p:cNvSpPr/>
+            <p:nvPr/>
+          </p:nvSpPr>
+          <p:spPr>
+            <a:xfrm>
+              <a:off x="1511196" y="1668843"/>
+              <a:ext cx="109694" cy="109694"/>
+            </a:xfrm>
+            <a:prstGeom prst="ellipse">
+              <a:avLst/>
+            </a:prstGeom>
+          </p:spPr>
+          <p:style>
+            <a:lnRef idx="2">
+              <a:schemeClr val="accent1">
+                <a:shade val="50000"/>
+              </a:schemeClr>
+            </a:lnRef>
+            <a:fillRef idx="1">
+              <a:schemeClr val="accent1"/>
+            </a:fillRef>
+            <a:effectRef idx="0">
+              <a:schemeClr val="accent1"/>
+            </a:effectRef>
+            <a:fontRef idx="minor">
+              <a:schemeClr val="lt1"/>
+            </a:fontRef>
+          </p:style>
+          <p:txBody>
+            <a:bodyPr rtlCol="0" anchor="ctr"/>
+            <a:lstStyle/>
+            <a:p>
+              <a:pPr algn="ctr"/>
+              <a:endParaRPr lang="en-ES"/>
+            </a:p>
+          </p:txBody>
+        </p:sp>
+        <p:sp>
+          <p:nvSpPr>
+            <p:cNvPr id="11" name="TextBox 10">
+              <a:extLst>
+                <a:ext uri="{FF2B5EF4-FFF2-40B4-BE49-F238E27FC236}">
+                  <a16:creationId xmlns:a16="http://schemas.microsoft.com/office/drawing/2014/main" id="{4AD99062-6972-3B7C-AC3F-1D2FBDA5B104}"/>
+                </a:ext>
+              </a:extLst>
+            </p:cNvPr>
+            <p:cNvSpPr txBox="1"/>
+            <p:nvPr/>
+          </p:nvSpPr>
+          <p:spPr>
+            <a:xfrm>
+              <a:off x="793534" y="1539023"/>
+              <a:ext cx="364202" cy="369332"/>
+            </a:xfrm>
+            <a:prstGeom prst="rect">
+              <a:avLst/>
+            </a:prstGeom>
+            <a:noFill/>
+          </p:spPr>
+          <p:txBody>
+            <a:bodyPr wrap="none" rtlCol="0">
+              <a:spAutoFit/>
+            </a:bodyPr>
+            <a:lstStyle/>
+            <a:p>
+              <a:r>
+                <a:rPr lang="en-ES" i="1" dirty="0">
+                  <a:latin typeface="Times New Roman" panose="02020603050405020304" pitchFamily="18" charset="0"/>
+                  <a:cs typeface="Times New Roman" panose="02020603050405020304" pitchFamily="18" charset="0"/>
+                </a:rPr>
+                <a:t>x</a:t>
+              </a:r>
+              <a:r>
+                <a:rPr lang="en-ES" baseline="-25000" dirty="0">
+                  <a:latin typeface="Times New Roman" panose="02020603050405020304" pitchFamily="18" charset="0"/>
+                  <a:cs typeface="Times New Roman" panose="02020603050405020304" pitchFamily="18" charset="0"/>
+                </a:rPr>
+                <a:t>2</a:t>
+              </a:r>
+            </a:p>
+          </p:txBody>
+        </p:sp>
+        <p:cxnSp>
+          <p:nvCxnSpPr>
+            <p:cNvPr id="12" name="Straight Connector 11">
+              <a:extLst>
+                <a:ext uri="{FF2B5EF4-FFF2-40B4-BE49-F238E27FC236}">
+                  <a16:creationId xmlns:a16="http://schemas.microsoft.com/office/drawing/2014/main" id="{2EF64C82-E7AE-D869-EFCE-1AF454EC3A84}"/>
+                </a:ext>
+              </a:extLst>
+            </p:cNvPr>
+            <p:cNvCxnSpPr>
+              <a:cxnSpLocks/>
+              <a:stCxn id="11" idx="3"/>
+              <a:endCxn id="10" idx="2"/>
+            </p:cNvCxnSpPr>
+            <p:nvPr/>
+          </p:nvCxnSpPr>
+          <p:spPr>
+            <a:xfrm>
+              <a:off x="1157736" y="1723689"/>
+              <a:ext cx="353460" cy="1"/>
+            </a:xfrm>
+            <a:prstGeom prst="line">
+              <a:avLst/>
+            </a:prstGeom>
+            <a:ln w="12700"/>
+          </p:spPr>
+          <p:style>
+            <a:lnRef idx="1">
+              <a:schemeClr val="accent1"/>
+            </a:lnRef>
+            <a:fillRef idx="0">
+              <a:schemeClr val="accent1"/>
+            </a:fillRef>
+            <a:effectRef idx="0">
+              <a:schemeClr val="accent1"/>
+            </a:effectRef>
+            <a:fontRef idx="minor">
+              <a:schemeClr val="tx1"/>
+            </a:fontRef>
+          </p:style>
+        </p:cxnSp>
+        <p:sp>
+          <p:nvSpPr>
+            <p:cNvPr id="13" name="Oval 12">
+              <a:extLst>
+                <a:ext uri="{FF2B5EF4-FFF2-40B4-BE49-F238E27FC236}">
+                  <a16:creationId xmlns:a16="http://schemas.microsoft.com/office/drawing/2014/main" id="{BE3A2AD9-DD65-8D2E-71A7-76893E009192}"/>
+                </a:ext>
+              </a:extLst>
+            </p:cNvPr>
+            <p:cNvSpPr/>
+            <p:nvPr/>
+          </p:nvSpPr>
+          <p:spPr>
+            <a:xfrm>
+              <a:off x="1515015" y="1968856"/>
+              <a:ext cx="109694" cy="109694"/>
+            </a:xfrm>
+            <a:prstGeom prst="ellipse">
+              <a:avLst/>
+            </a:prstGeom>
+          </p:spPr>
+          <p:style>
+            <a:lnRef idx="2">
+              <a:schemeClr val="accent1">
+                <a:shade val="50000"/>
+              </a:schemeClr>
+            </a:lnRef>
+            <a:fillRef idx="1">
+              <a:schemeClr val="accent1"/>
+            </a:fillRef>
+            <a:effectRef idx="0">
+              <a:schemeClr val="accent1"/>
+            </a:effectRef>
+            <a:fontRef idx="minor">
+              <a:schemeClr val="lt1"/>
+            </a:fontRef>
+          </p:style>
+          <p:txBody>
+            <a:bodyPr rtlCol="0" anchor="ctr"/>
+            <a:lstStyle/>
+            <a:p>
+              <a:pPr algn="ctr"/>
+              <a:endParaRPr lang="en-ES"/>
+            </a:p>
+          </p:txBody>
+        </p:sp>
+        <p:sp>
+          <p:nvSpPr>
+            <p:cNvPr id="14" name="TextBox 13">
+              <a:extLst>
+                <a:ext uri="{FF2B5EF4-FFF2-40B4-BE49-F238E27FC236}">
+                  <a16:creationId xmlns:a16="http://schemas.microsoft.com/office/drawing/2014/main" id="{CB46DBD7-37EF-D54E-F8F7-C6D57002E0D8}"/>
+                </a:ext>
+              </a:extLst>
+            </p:cNvPr>
+            <p:cNvSpPr txBox="1"/>
+            <p:nvPr/>
+          </p:nvSpPr>
+          <p:spPr>
+            <a:xfrm>
+              <a:off x="797353" y="1839036"/>
+              <a:ext cx="364202" cy="369332"/>
+            </a:xfrm>
+            <a:prstGeom prst="rect">
+              <a:avLst/>
+            </a:prstGeom>
+            <a:noFill/>
+          </p:spPr>
+          <p:txBody>
+            <a:bodyPr wrap="none" rtlCol="0">
+              <a:spAutoFit/>
+            </a:bodyPr>
+            <a:lstStyle/>
+            <a:p>
+              <a:r>
+                <a:rPr lang="en-ES" i="1" dirty="0">
+                  <a:latin typeface="Times New Roman" panose="02020603050405020304" pitchFamily="18" charset="0"/>
+                  <a:cs typeface="Times New Roman" panose="02020603050405020304" pitchFamily="18" charset="0"/>
+                </a:rPr>
+                <a:t>x</a:t>
+              </a:r>
+              <a:r>
+                <a:rPr lang="en-ES" baseline="-25000" dirty="0">
+                  <a:latin typeface="Times New Roman" panose="02020603050405020304" pitchFamily="18" charset="0"/>
+                  <a:cs typeface="Times New Roman" panose="02020603050405020304" pitchFamily="18" charset="0"/>
+                </a:rPr>
+                <a:t>3</a:t>
+              </a:r>
+            </a:p>
+          </p:txBody>
+        </p:sp>
+        <p:cxnSp>
+          <p:nvCxnSpPr>
+            <p:cNvPr id="15" name="Straight Connector 14">
+              <a:extLst>
+                <a:ext uri="{FF2B5EF4-FFF2-40B4-BE49-F238E27FC236}">
+                  <a16:creationId xmlns:a16="http://schemas.microsoft.com/office/drawing/2014/main" id="{3B98AC51-1396-1DC3-F912-DE9FC60A4075}"/>
+                </a:ext>
+              </a:extLst>
+            </p:cNvPr>
+            <p:cNvCxnSpPr>
+              <a:cxnSpLocks/>
+              <a:stCxn id="14" idx="3"/>
+              <a:endCxn id="13" idx="2"/>
+            </p:cNvCxnSpPr>
+            <p:nvPr/>
+          </p:nvCxnSpPr>
+          <p:spPr>
+            <a:xfrm>
+              <a:off x="1161555" y="2023702"/>
+              <a:ext cx="353460" cy="1"/>
+            </a:xfrm>
+            <a:prstGeom prst="line">
+              <a:avLst/>
+            </a:prstGeom>
+            <a:ln w="12700"/>
+          </p:spPr>
+          <p:style>
+            <a:lnRef idx="1">
+              <a:schemeClr val="accent1"/>
+            </a:lnRef>
+            <a:fillRef idx="0">
+              <a:schemeClr val="accent1"/>
+            </a:fillRef>
+            <a:effectRef idx="0">
+              <a:schemeClr val="accent1"/>
+            </a:effectRef>
+            <a:fontRef idx="minor">
+              <a:schemeClr val="tx1"/>
+            </a:fontRef>
+          </p:style>
+        </p:cxnSp>
+        <p:sp>
+          <p:nvSpPr>
+            <p:cNvPr id="16" name="Oval 15">
+              <a:extLst>
+                <a:ext uri="{FF2B5EF4-FFF2-40B4-BE49-F238E27FC236}">
+                  <a16:creationId xmlns:a16="http://schemas.microsoft.com/office/drawing/2014/main" id="{DADE8701-FF7D-6129-95B0-83108F40B502}"/>
+                </a:ext>
+              </a:extLst>
+            </p:cNvPr>
+            <p:cNvSpPr/>
+            <p:nvPr/>
+          </p:nvSpPr>
+          <p:spPr>
+            <a:xfrm>
+              <a:off x="1521706" y="2515848"/>
+              <a:ext cx="109694" cy="109694"/>
+            </a:xfrm>
+            <a:prstGeom prst="ellipse">
+              <a:avLst/>
+            </a:prstGeom>
+          </p:spPr>
+          <p:style>
+            <a:lnRef idx="2">
+              <a:schemeClr val="accent1">
+                <a:shade val="50000"/>
+              </a:schemeClr>
+            </a:lnRef>
+            <a:fillRef idx="1">
+              <a:schemeClr val="accent1"/>
+            </a:fillRef>
+            <a:effectRef idx="0">
+              <a:schemeClr val="accent1"/>
+            </a:effectRef>
+            <a:fontRef idx="minor">
+              <a:schemeClr val="lt1"/>
+            </a:fontRef>
+          </p:style>
+          <p:txBody>
+            <a:bodyPr rtlCol="0" anchor="ctr"/>
+            <a:lstStyle/>
+            <a:p>
+              <a:pPr algn="ctr"/>
+              <a:endParaRPr lang="en-ES"/>
+            </a:p>
+          </p:txBody>
+        </p:sp>
+        <p:sp>
+          <p:nvSpPr>
+            <p:cNvPr id="17" name="TextBox 16">
+              <a:extLst>
+                <a:ext uri="{FF2B5EF4-FFF2-40B4-BE49-F238E27FC236}">
+                  <a16:creationId xmlns:a16="http://schemas.microsoft.com/office/drawing/2014/main" id="{71497D6F-9B94-D012-28C8-F3EE20A7A4BA}"/>
+                </a:ext>
+              </a:extLst>
+            </p:cNvPr>
+            <p:cNvSpPr txBox="1"/>
+            <p:nvPr/>
+          </p:nvSpPr>
+          <p:spPr>
+            <a:xfrm>
+              <a:off x="804044" y="2386028"/>
+              <a:ext cx="595035" cy="369332"/>
+            </a:xfrm>
+            <a:prstGeom prst="rect">
+              <a:avLst/>
+            </a:prstGeom>
+            <a:noFill/>
+          </p:spPr>
+          <p:txBody>
+            <a:bodyPr wrap="none" rtlCol="0">
+              <a:spAutoFit/>
+            </a:bodyPr>
+            <a:lstStyle/>
+            <a:p>
+              <a:r>
+                <a:rPr lang="en-ES" i="1" dirty="0">
+                  <a:latin typeface="Times New Roman" panose="02020603050405020304" pitchFamily="18" charset="0"/>
+                  <a:cs typeface="Times New Roman" panose="02020603050405020304" pitchFamily="18" charset="0"/>
+                </a:rPr>
+                <a:t>x</a:t>
+              </a:r>
+              <a:r>
+                <a:rPr lang="en-ES" baseline="-25000" dirty="0">
+                  <a:latin typeface="Times New Roman" panose="02020603050405020304" pitchFamily="18" charset="0"/>
+                  <a:cs typeface="Times New Roman" panose="02020603050405020304" pitchFamily="18" charset="0"/>
+                </a:rPr>
+                <a:t>4093</a:t>
+              </a:r>
+            </a:p>
+          </p:txBody>
+        </p:sp>
+        <p:cxnSp>
+          <p:nvCxnSpPr>
+            <p:cNvPr id="18" name="Straight Connector 17">
+              <a:extLst>
+                <a:ext uri="{FF2B5EF4-FFF2-40B4-BE49-F238E27FC236}">
+                  <a16:creationId xmlns:a16="http://schemas.microsoft.com/office/drawing/2014/main" id="{0B81CEBE-8628-78EC-28C9-D7D8135A229C}"/>
+                </a:ext>
+              </a:extLst>
+            </p:cNvPr>
+            <p:cNvCxnSpPr>
+              <a:cxnSpLocks/>
+              <a:stCxn id="17" idx="3"/>
+              <a:endCxn id="16" idx="2"/>
+            </p:cNvCxnSpPr>
+            <p:nvPr/>
+          </p:nvCxnSpPr>
+          <p:spPr>
+            <a:xfrm>
+              <a:off x="1399079" y="2570694"/>
+              <a:ext cx="122627" cy="1"/>
+            </a:xfrm>
+            <a:prstGeom prst="line">
+              <a:avLst/>
+            </a:prstGeom>
+            <a:ln w="12700"/>
+          </p:spPr>
+          <p:style>
+            <a:lnRef idx="1">
+              <a:schemeClr val="accent1"/>
+            </a:lnRef>
+            <a:fillRef idx="0">
+              <a:schemeClr val="accent1"/>
+            </a:fillRef>
+            <a:effectRef idx="0">
+              <a:schemeClr val="accent1"/>
+            </a:effectRef>
+            <a:fontRef idx="minor">
+              <a:schemeClr val="tx1"/>
+            </a:fontRef>
+          </p:style>
+        </p:cxnSp>
+        <p:sp>
+          <p:nvSpPr>
+            <p:cNvPr id="19" name="Oval 18">
+              <a:extLst>
+                <a:ext uri="{FF2B5EF4-FFF2-40B4-BE49-F238E27FC236}">
+                  <a16:creationId xmlns:a16="http://schemas.microsoft.com/office/drawing/2014/main" id="{5BA32764-D66C-085D-3BCA-63EC14F89A97}"/>
+                </a:ext>
+              </a:extLst>
+            </p:cNvPr>
+            <p:cNvSpPr/>
+            <p:nvPr/>
+          </p:nvSpPr>
+          <p:spPr>
+            <a:xfrm>
+              <a:off x="1525525" y="2815861"/>
+              <a:ext cx="109694" cy="109694"/>
+            </a:xfrm>
+            <a:prstGeom prst="ellipse">
+              <a:avLst/>
+            </a:prstGeom>
+          </p:spPr>
+          <p:style>
+            <a:lnRef idx="2">
+              <a:schemeClr val="accent1">
+                <a:shade val="50000"/>
+              </a:schemeClr>
+            </a:lnRef>
+            <a:fillRef idx="1">
+              <a:schemeClr val="accent1"/>
+            </a:fillRef>
+            <a:effectRef idx="0">
+              <a:schemeClr val="accent1"/>
+            </a:effectRef>
+            <a:fontRef idx="minor">
+              <a:schemeClr val="lt1"/>
+            </a:fontRef>
+          </p:style>
+          <p:txBody>
+            <a:bodyPr rtlCol="0" anchor="ctr"/>
+            <a:lstStyle/>
+            <a:p>
+              <a:pPr algn="ctr"/>
+              <a:endParaRPr lang="en-ES"/>
+            </a:p>
+          </p:txBody>
+        </p:sp>
+        <p:sp>
+          <p:nvSpPr>
+            <p:cNvPr id="20" name="TextBox 19">
+              <a:extLst>
+                <a:ext uri="{FF2B5EF4-FFF2-40B4-BE49-F238E27FC236}">
+                  <a16:creationId xmlns:a16="http://schemas.microsoft.com/office/drawing/2014/main" id="{9A3F6BCC-AF2B-F57E-EEFB-1A680C254309}"/>
+                </a:ext>
+              </a:extLst>
+            </p:cNvPr>
+            <p:cNvSpPr txBox="1"/>
+            <p:nvPr/>
+          </p:nvSpPr>
+          <p:spPr>
+            <a:xfrm>
+              <a:off x="807863" y="2686041"/>
+              <a:ext cx="595035" cy="369332"/>
+            </a:xfrm>
+            <a:prstGeom prst="rect">
+              <a:avLst/>
+            </a:prstGeom>
+            <a:noFill/>
+          </p:spPr>
+          <p:txBody>
+            <a:bodyPr wrap="none" rtlCol="0">
+              <a:spAutoFit/>
+            </a:bodyPr>
+            <a:lstStyle/>
+            <a:p>
+              <a:r>
+                <a:rPr lang="en-ES" i="1" dirty="0">
+                  <a:latin typeface="Times New Roman" panose="02020603050405020304" pitchFamily="18" charset="0"/>
+                  <a:cs typeface="Times New Roman" panose="02020603050405020304" pitchFamily="18" charset="0"/>
+                </a:rPr>
+                <a:t>x</a:t>
+              </a:r>
+              <a:r>
+                <a:rPr lang="en-ES" baseline="-25000" dirty="0">
+                  <a:latin typeface="Times New Roman" panose="02020603050405020304" pitchFamily="18" charset="0"/>
+                  <a:cs typeface="Times New Roman" panose="02020603050405020304" pitchFamily="18" charset="0"/>
+                </a:rPr>
+                <a:t>4094</a:t>
+              </a:r>
+            </a:p>
+          </p:txBody>
+        </p:sp>
+        <p:cxnSp>
+          <p:nvCxnSpPr>
+            <p:cNvPr id="21" name="Straight Connector 20">
+              <a:extLst>
+                <a:ext uri="{FF2B5EF4-FFF2-40B4-BE49-F238E27FC236}">
+                  <a16:creationId xmlns:a16="http://schemas.microsoft.com/office/drawing/2014/main" id="{53577647-E0D9-9574-042C-32293AE2F78B}"/>
+                </a:ext>
+              </a:extLst>
+            </p:cNvPr>
+            <p:cNvCxnSpPr>
+              <a:stCxn id="20" idx="3"/>
+              <a:endCxn id="19" idx="2"/>
+            </p:cNvCxnSpPr>
+            <p:nvPr/>
+          </p:nvCxnSpPr>
+          <p:spPr>
+            <a:xfrm>
+              <a:off x="1402898" y="2870707"/>
+              <a:ext cx="122627" cy="1"/>
+            </a:xfrm>
+            <a:prstGeom prst="line">
+              <a:avLst/>
+            </a:prstGeom>
+            <a:ln w="12700"/>
+          </p:spPr>
+          <p:style>
+            <a:lnRef idx="1">
+              <a:schemeClr val="accent1"/>
+            </a:lnRef>
+            <a:fillRef idx="0">
+              <a:schemeClr val="accent1"/>
+            </a:fillRef>
+            <a:effectRef idx="0">
+              <a:schemeClr val="accent1"/>
+            </a:effectRef>
+            <a:fontRef idx="minor">
+              <a:schemeClr val="tx1"/>
+            </a:fontRef>
+          </p:style>
+        </p:cxnSp>
+        <p:sp>
+          <p:nvSpPr>
+            <p:cNvPr id="22" name="Oval 21">
+              <a:extLst>
+                <a:ext uri="{FF2B5EF4-FFF2-40B4-BE49-F238E27FC236}">
+                  <a16:creationId xmlns:a16="http://schemas.microsoft.com/office/drawing/2014/main" id="{C8F60780-F8D4-5199-E3FA-B6A3F9F76F41}"/>
+                </a:ext>
+              </a:extLst>
+            </p:cNvPr>
+            <p:cNvSpPr/>
+            <p:nvPr/>
+          </p:nvSpPr>
+          <p:spPr>
+            <a:xfrm>
+              <a:off x="1526962" y="3109671"/>
+              <a:ext cx="109694" cy="109694"/>
+            </a:xfrm>
+            <a:prstGeom prst="ellipse">
+              <a:avLst/>
+            </a:prstGeom>
+          </p:spPr>
+          <p:style>
+            <a:lnRef idx="2">
+              <a:schemeClr val="accent1">
+                <a:shade val="50000"/>
+              </a:schemeClr>
+            </a:lnRef>
+            <a:fillRef idx="1">
+              <a:schemeClr val="accent1"/>
+            </a:fillRef>
+            <a:effectRef idx="0">
+              <a:schemeClr val="accent1"/>
+            </a:effectRef>
+            <a:fontRef idx="minor">
+              <a:schemeClr val="lt1"/>
+            </a:fontRef>
+          </p:style>
+          <p:txBody>
+            <a:bodyPr rtlCol="0" anchor="ctr"/>
+            <a:lstStyle/>
+            <a:p>
+              <a:pPr algn="ctr"/>
+              <a:endParaRPr lang="en-ES"/>
+            </a:p>
+          </p:txBody>
+        </p:sp>
+        <p:sp>
+          <p:nvSpPr>
+            <p:cNvPr id="23" name="TextBox 22">
+              <a:extLst>
+                <a:ext uri="{FF2B5EF4-FFF2-40B4-BE49-F238E27FC236}">
+                  <a16:creationId xmlns:a16="http://schemas.microsoft.com/office/drawing/2014/main" id="{AD0EDDED-6550-5520-40E2-FD77E45538ED}"/>
+                </a:ext>
+              </a:extLst>
+            </p:cNvPr>
+            <p:cNvSpPr txBox="1"/>
+            <p:nvPr/>
+          </p:nvSpPr>
+          <p:spPr>
+            <a:xfrm>
+              <a:off x="809300" y="2979851"/>
+              <a:ext cx="595035" cy="369332"/>
+            </a:xfrm>
+            <a:prstGeom prst="rect">
+              <a:avLst/>
+            </a:prstGeom>
+            <a:noFill/>
+          </p:spPr>
+          <p:txBody>
+            <a:bodyPr wrap="none" rtlCol="0">
+              <a:spAutoFit/>
+            </a:bodyPr>
+            <a:lstStyle/>
+            <a:p>
+              <a:r>
+                <a:rPr lang="en-ES" i="1" dirty="0">
+                  <a:latin typeface="Times New Roman" panose="02020603050405020304" pitchFamily="18" charset="0"/>
+                  <a:cs typeface="Times New Roman" panose="02020603050405020304" pitchFamily="18" charset="0"/>
+                </a:rPr>
+                <a:t>x</a:t>
+              </a:r>
+              <a:r>
+                <a:rPr lang="en-ES" baseline="-25000" dirty="0">
+                  <a:latin typeface="Times New Roman" panose="02020603050405020304" pitchFamily="18" charset="0"/>
+                  <a:cs typeface="Times New Roman" panose="02020603050405020304" pitchFamily="18" charset="0"/>
+                </a:rPr>
+                <a:t>4095</a:t>
+              </a:r>
+            </a:p>
+          </p:txBody>
+        </p:sp>
+        <p:cxnSp>
+          <p:nvCxnSpPr>
+            <p:cNvPr id="24" name="Straight Connector 23">
+              <a:extLst>
+                <a:ext uri="{FF2B5EF4-FFF2-40B4-BE49-F238E27FC236}">
+                  <a16:creationId xmlns:a16="http://schemas.microsoft.com/office/drawing/2014/main" id="{0EF815C9-C8D2-DAE9-C3CE-4FB5FB88BA0D}"/>
+                </a:ext>
+              </a:extLst>
+            </p:cNvPr>
+            <p:cNvCxnSpPr>
+              <a:stCxn id="23" idx="3"/>
+              <a:endCxn id="22" idx="2"/>
+            </p:cNvCxnSpPr>
+            <p:nvPr/>
+          </p:nvCxnSpPr>
+          <p:spPr>
+            <a:xfrm>
+              <a:off x="1404335" y="3164517"/>
+              <a:ext cx="122627" cy="1"/>
+            </a:xfrm>
+            <a:prstGeom prst="line">
+              <a:avLst/>
+            </a:prstGeom>
+            <a:ln w="12700"/>
+          </p:spPr>
+          <p:style>
+            <a:lnRef idx="1">
+              <a:schemeClr val="accent1"/>
+            </a:lnRef>
+            <a:fillRef idx="0">
+              <a:schemeClr val="accent1"/>
+            </a:fillRef>
+            <a:effectRef idx="0">
+              <a:schemeClr val="accent1"/>
+            </a:effectRef>
+            <a:fontRef idx="minor">
+              <a:schemeClr val="tx1"/>
+            </a:fontRef>
+          </p:style>
+        </p:cxnSp>
+        <p:sp>
+          <p:nvSpPr>
+            <p:cNvPr id="25" name="Oval 24">
+              <a:extLst>
+                <a:ext uri="{FF2B5EF4-FFF2-40B4-BE49-F238E27FC236}">
+                  <a16:creationId xmlns:a16="http://schemas.microsoft.com/office/drawing/2014/main" id="{236E390F-3501-90C1-BC85-836B9BF7D9BB}"/>
+                </a:ext>
+              </a:extLst>
+            </p:cNvPr>
+            <p:cNvSpPr/>
+            <p:nvPr/>
+          </p:nvSpPr>
+          <p:spPr>
+            <a:xfrm>
+              <a:off x="1530781" y="3409684"/>
+              <a:ext cx="109694" cy="109694"/>
+            </a:xfrm>
+            <a:prstGeom prst="ellipse">
+              <a:avLst/>
+            </a:prstGeom>
+          </p:spPr>
+          <p:style>
+            <a:lnRef idx="2">
+              <a:schemeClr val="accent1">
+                <a:shade val="50000"/>
+              </a:schemeClr>
+            </a:lnRef>
+            <a:fillRef idx="1">
+              <a:schemeClr val="accent1"/>
+            </a:fillRef>
+            <a:effectRef idx="0">
+              <a:schemeClr val="accent1"/>
+            </a:effectRef>
+            <a:fontRef idx="minor">
+              <a:schemeClr val="lt1"/>
+            </a:fontRef>
+          </p:style>
+          <p:txBody>
+            <a:bodyPr rtlCol="0" anchor="ctr"/>
+            <a:lstStyle/>
+            <a:p>
+              <a:pPr algn="ctr"/>
+              <a:endParaRPr lang="en-ES"/>
+            </a:p>
+          </p:txBody>
+        </p:sp>
+        <p:sp>
+          <p:nvSpPr>
+            <p:cNvPr id="26" name="TextBox 25">
+              <a:extLst>
+                <a:ext uri="{FF2B5EF4-FFF2-40B4-BE49-F238E27FC236}">
+                  <a16:creationId xmlns:a16="http://schemas.microsoft.com/office/drawing/2014/main" id="{AB26E8C0-23DF-9ABD-1A64-A709C0CE3D05}"/>
+                </a:ext>
+              </a:extLst>
+            </p:cNvPr>
+            <p:cNvSpPr txBox="1"/>
+            <p:nvPr/>
+          </p:nvSpPr>
+          <p:spPr>
+            <a:xfrm>
+              <a:off x="813119" y="3279864"/>
+              <a:ext cx="300082" cy="369332"/>
+            </a:xfrm>
+            <a:prstGeom prst="rect">
+              <a:avLst/>
+            </a:prstGeom>
+            <a:noFill/>
+          </p:spPr>
+          <p:txBody>
+            <a:bodyPr wrap="none" rtlCol="0">
+              <a:spAutoFit/>
+            </a:bodyPr>
+            <a:lstStyle/>
+            <a:p>
+              <a:r>
+                <a:rPr lang="en-ES" dirty="0">
+                  <a:latin typeface="Times New Roman" panose="02020603050405020304" pitchFamily="18" charset="0"/>
+                  <a:cs typeface="Times New Roman" panose="02020603050405020304" pitchFamily="18" charset="0"/>
+                </a:rPr>
+                <a:t>1</a:t>
+              </a:r>
+              <a:endParaRPr lang="en-ES" baseline="-25000" dirty="0">
+                <a:latin typeface="Times New Roman" panose="02020603050405020304" pitchFamily="18" charset="0"/>
+                <a:cs typeface="Times New Roman" panose="02020603050405020304" pitchFamily="18" charset="0"/>
+              </a:endParaRPr>
+            </a:p>
+          </p:txBody>
+        </p:sp>
+        <p:cxnSp>
+          <p:nvCxnSpPr>
+            <p:cNvPr id="27" name="Straight Connector 26">
+              <a:extLst>
+                <a:ext uri="{FF2B5EF4-FFF2-40B4-BE49-F238E27FC236}">
+                  <a16:creationId xmlns:a16="http://schemas.microsoft.com/office/drawing/2014/main" id="{AED53C2B-832E-1A27-229A-27A08FE4A71C}"/>
+                </a:ext>
+              </a:extLst>
+            </p:cNvPr>
+            <p:cNvCxnSpPr>
+              <a:cxnSpLocks/>
+              <a:endCxn id="25" idx="2"/>
+            </p:cNvCxnSpPr>
+            <p:nvPr/>
+          </p:nvCxnSpPr>
+          <p:spPr>
+            <a:xfrm>
+              <a:off x="1113201" y="3464530"/>
+              <a:ext cx="417580" cy="1"/>
+            </a:xfrm>
+            <a:prstGeom prst="line">
+              <a:avLst/>
+            </a:prstGeom>
+            <a:ln w="12700"/>
+          </p:spPr>
+          <p:style>
+            <a:lnRef idx="1">
+              <a:schemeClr val="accent1"/>
+            </a:lnRef>
+            <a:fillRef idx="0">
+              <a:schemeClr val="accent1"/>
+            </a:fillRef>
+            <a:effectRef idx="0">
+              <a:schemeClr val="accent1"/>
+            </a:effectRef>
+            <a:fontRef idx="minor">
+              <a:schemeClr val="tx1"/>
+            </a:fontRef>
+          </p:style>
+        </p:cxnSp>
+        <p:cxnSp>
+          <p:nvCxnSpPr>
+            <p:cNvPr id="28" name="Straight Arrow Connector 27">
+              <a:extLst>
+                <a:ext uri="{FF2B5EF4-FFF2-40B4-BE49-F238E27FC236}">
+                  <a16:creationId xmlns:a16="http://schemas.microsoft.com/office/drawing/2014/main" id="{05A3593C-8021-20AC-C3A0-510A87C49263}"/>
+                </a:ext>
+              </a:extLst>
+            </p:cNvPr>
+            <p:cNvCxnSpPr>
+              <a:cxnSpLocks/>
+              <a:stCxn id="4" idx="6"/>
+              <a:endCxn id="30" idx="6"/>
+            </p:cNvCxnSpPr>
+            <p:nvPr/>
+          </p:nvCxnSpPr>
+          <p:spPr>
+            <a:xfrm>
+              <a:off x="1615634" y="1129867"/>
+              <a:ext cx="900815" cy="405646"/>
+            </a:xfrm>
+            <a:prstGeom prst="straightConnector1">
+              <a:avLst/>
+            </a:prstGeom>
+            <a:ln w="15875">
+              <a:tailEnd type="triangle"/>
+            </a:ln>
+          </p:spPr>
+          <p:style>
+            <a:lnRef idx="1">
+              <a:schemeClr val="accent1"/>
+            </a:lnRef>
+            <a:fillRef idx="0">
+              <a:schemeClr val="accent1"/>
+            </a:fillRef>
+            <a:effectRef idx="0">
+              <a:schemeClr val="accent1"/>
+            </a:effectRef>
+            <a:fontRef idx="minor">
+              <a:schemeClr val="tx1"/>
+            </a:fontRef>
+          </p:style>
+        </p:cxnSp>
+        <p:cxnSp>
+          <p:nvCxnSpPr>
+            <p:cNvPr id="29" name="Straight Arrow Connector 28">
+              <a:extLst>
+                <a:ext uri="{FF2B5EF4-FFF2-40B4-BE49-F238E27FC236}">
+                  <a16:creationId xmlns:a16="http://schemas.microsoft.com/office/drawing/2014/main" id="{433C11AE-BDF8-E227-38C1-7AA286188EE4}"/>
+                </a:ext>
+              </a:extLst>
+            </p:cNvPr>
+            <p:cNvCxnSpPr>
+              <a:cxnSpLocks/>
+              <a:stCxn id="7" idx="6"/>
+              <a:endCxn id="30" idx="6"/>
+            </p:cNvCxnSpPr>
+            <p:nvPr/>
+          </p:nvCxnSpPr>
+          <p:spPr>
+            <a:xfrm>
+              <a:off x="1619453" y="1429880"/>
+              <a:ext cx="896996" cy="105633"/>
+            </a:xfrm>
+            <a:prstGeom prst="straightConnector1">
+              <a:avLst/>
+            </a:prstGeom>
+            <a:ln w="15875">
+              <a:tailEnd type="triangle"/>
+            </a:ln>
+          </p:spPr>
+          <p:style>
+            <a:lnRef idx="1">
+              <a:schemeClr val="accent1"/>
+            </a:lnRef>
+            <a:fillRef idx="0">
+              <a:schemeClr val="accent1"/>
+            </a:fillRef>
+            <a:effectRef idx="0">
+              <a:schemeClr val="accent1"/>
+            </a:effectRef>
+            <a:fontRef idx="minor">
+              <a:schemeClr val="tx1"/>
+            </a:fontRef>
+          </p:style>
+        </p:cxnSp>
+        <p:sp>
+          <p:nvSpPr>
+            <p:cNvPr id="30" name="Oval 29">
+              <a:extLst>
+                <a:ext uri="{FF2B5EF4-FFF2-40B4-BE49-F238E27FC236}">
+                  <a16:creationId xmlns:a16="http://schemas.microsoft.com/office/drawing/2014/main" id="{83D521A7-270B-00A7-110D-EFF4C1E69A8D}"/>
+                </a:ext>
+              </a:extLst>
+            </p:cNvPr>
+            <p:cNvSpPr/>
+            <p:nvPr/>
+          </p:nvSpPr>
+          <p:spPr>
+            <a:xfrm flipV="1">
+              <a:off x="2429023" y="1470762"/>
+              <a:ext cx="87426" cy="129502"/>
+            </a:xfrm>
+            <a:prstGeom prst="ellipse">
+              <a:avLst/>
+            </a:prstGeom>
+          </p:spPr>
+          <p:style>
+            <a:lnRef idx="2">
+              <a:schemeClr val="accent1">
+                <a:shade val="50000"/>
+              </a:schemeClr>
+            </a:lnRef>
+            <a:fillRef idx="1">
+              <a:schemeClr val="accent1"/>
+            </a:fillRef>
+            <a:effectRef idx="0">
+              <a:schemeClr val="accent1"/>
+            </a:effectRef>
+            <a:fontRef idx="minor">
+              <a:schemeClr val="lt1"/>
+            </a:fontRef>
+          </p:style>
+          <p:txBody>
+            <a:bodyPr rtlCol="0" anchor="ctr"/>
+            <a:lstStyle/>
+            <a:p>
+              <a:pPr algn="ctr"/>
+              <a:endParaRPr lang="en-ES"/>
+            </a:p>
+          </p:txBody>
+        </p:sp>
+        <p:cxnSp>
+          <p:nvCxnSpPr>
+            <p:cNvPr id="31" name="Straight Arrow Connector 30">
+              <a:extLst>
+                <a:ext uri="{FF2B5EF4-FFF2-40B4-BE49-F238E27FC236}">
+                  <a16:creationId xmlns:a16="http://schemas.microsoft.com/office/drawing/2014/main" id="{D9343955-D705-59C8-CC1F-50E45B266DCA}"/>
+                </a:ext>
+              </a:extLst>
+            </p:cNvPr>
+            <p:cNvCxnSpPr>
+              <a:cxnSpLocks/>
+              <a:stCxn id="10" idx="6"/>
+              <a:endCxn id="30" idx="6"/>
+            </p:cNvCxnSpPr>
+            <p:nvPr/>
+          </p:nvCxnSpPr>
+          <p:spPr>
+            <a:xfrm flipV="1">
+              <a:off x="1620890" y="1535513"/>
+              <a:ext cx="895559" cy="188177"/>
+            </a:xfrm>
+            <a:prstGeom prst="straightConnector1">
+              <a:avLst/>
+            </a:prstGeom>
+            <a:ln w="15875">
+              <a:tailEnd type="triangle"/>
+            </a:ln>
+          </p:spPr>
+          <p:style>
+            <a:lnRef idx="1">
+              <a:schemeClr val="accent1"/>
+            </a:lnRef>
+            <a:fillRef idx="0">
+              <a:schemeClr val="accent1"/>
+            </a:fillRef>
+            <a:effectRef idx="0">
+              <a:schemeClr val="accent1"/>
+            </a:effectRef>
+            <a:fontRef idx="minor">
+              <a:schemeClr val="tx1"/>
+            </a:fontRef>
+          </p:style>
+        </p:cxnSp>
+        <p:cxnSp>
+          <p:nvCxnSpPr>
+            <p:cNvPr id="32" name="Straight Arrow Connector 31">
+              <a:extLst>
+                <a:ext uri="{FF2B5EF4-FFF2-40B4-BE49-F238E27FC236}">
+                  <a16:creationId xmlns:a16="http://schemas.microsoft.com/office/drawing/2014/main" id="{1A269562-BBA4-ACBC-3830-2435ECA1791F}"/>
+                </a:ext>
+              </a:extLst>
+            </p:cNvPr>
+            <p:cNvCxnSpPr>
+              <a:cxnSpLocks/>
+              <a:stCxn id="25" idx="6"/>
+              <a:endCxn id="30" idx="6"/>
+            </p:cNvCxnSpPr>
+            <p:nvPr/>
+          </p:nvCxnSpPr>
+          <p:spPr>
+            <a:xfrm flipV="1">
+              <a:off x="1640475" y="1535513"/>
+              <a:ext cx="875974" cy="1929018"/>
+            </a:xfrm>
+            <a:prstGeom prst="straightConnector1">
+              <a:avLst/>
+            </a:prstGeom>
+            <a:ln w="15875">
+              <a:tailEnd type="triangle"/>
+            </a:ln>
+          </p:spPr>
+          <p:style>
+            <a:lnRef idx="1">
+              <a:schemeClr val="accent1"/>
+            </a:lnRef>
+            <a:fillRef idx="0">
+              <a:schemeClr val="accent1"/>
+            </a:fillRef>
+            <a:effectRef idx="0">
+              <a:schemeClr val="accent1"/>
+            </a:effectRef>
+            <a:fontRef idx="minor">
+              <a:schemeClr val="tx1"/>
+            </a:fontRef>
+          </p:style>
+        </p:cxnSp>
+        <p:cxnSp>
+          <p:nvCxnSpPr>
+            <p:cNvPr id="33" name="Straight Arrow Connector 32">
+              <a:extLst>
+                <a:ext uri="{FF2B5EF4-FFF2-40B4-BE49-F238E27FC236}">
+                  <a16:creationId xmlns:a16="http://schemas.microsoft.com/office/drawing/2014/main" id="{49F1C345-EA1D-C3C3-438D-5A418EDBDB4F}"/>
+                </a:ext>
+              </a:extLst>
+            </p:cNvPr>
+            <p:cNvCxnSpPr>
+              <a:cxnSpLocks/>
+              <a:stCxn id="22" idx="6"/>
+              <a:endCxn id="30" idx="6"/>
+            </p:cNvCxnSpPr>
+            <p:nvPr/>
+          </p:nvCxnSpPr>
+          <p:spPr>
+            <a:xfrm flipV="1">
+              <a:off x="1636656" y="1535513"/>
+              <a:ext cx="879793" cy="1629005"/>
+            </a:xfrm>
+            <a:prstGeom prst="straightConnector1">
+              <a:avLst/>
+            </a:prstGeom>
+            <a:ln w="15875">
+              <a:tailEnd type="triangle"/>
+            </a:ln>
+          </p:spPr>
+          <p:style>
+            <a:lnRef idx="1">
+              <a:schemeClr val="accent1"/>
+            </a:lnRef>
+            <a:fillRef idx="0">
+              <a:schemeClr val="accent1"/>
+            </a:fillRef>
+            <a:effectRef idx="0">
+              <a:schemeClr val="accent1"/>
+            </a:effectRef>
+            <a:fontRef idx="minor">
+              <a:schemeClr val="tx1"/>
+            </a:fontRef>
+          </p:style>
+        </p:cxnSp>
+        <p:cxnSp>
+          <p:nvCxnSpPr>
+            <p:cNvPr id="34" name="Straight Arrow Connector 33">
+              <a:extLst>
+                <a:ext uri="{FF2B5EF4-FFF2-40B4-BE49-F238E27FC236}">
+                  <a16:creationId xmlns:a16="http://schemas.microsoft.com/office/drawing/2014/main" id="{575467B1-84B0-09B3-7CAA-AF66DB5048AC}"/>
+                </a:ext>
+              </a:extLst>
+            </p:cNvPr>
+            <p:cNvCxnSpPr>
+              <a:cxnSpLocks/>
+              <a:stCxn id="19" idx="6"/>
+              <a:endCxn id="30" idx="6"/>
+            </p:cNvCxnSpPr>
+            <p:nvPr/>
+          </p:nvCxnSpPr>
+          <p:spPr>
+            <a:xfrm flipV="1">
+              <a:off x="1635219" y="1535513"/>
+              <a:ext cx="881230" cy="1335195"/>
+            </a:xfrm>
+            <a:prstGeom prst="straightConnector1">
+              <a:avLst/>
+            </a:prstGeom>
+            <a:ln w="15875">
+              <a:tailEnd type="triangle"/>
+            </a:ln>
+          </p:spPr>
+          <p:style>
+            <a:lnRef idx="1">
+              <a:schemeClr val="accent1"/>
+            </a:lnRef>
+            <a:fillRef idx="0">
+              <a:schemeClr val="accent1"/>
+            </a:fillRef>
+            <a:effectRef idx="0">
+              <a:schemeClr val="accent1"/>
+            </a:effectRef>
+            <a:fontRef idx="minor">
+              <a:schemeClr val="tx1"/>
+            </a:fontRef>
+          </p:style>
+        </p:cxnSp>
+        <p:cxnSp>
+          <p:nvCxnSpPr>
+            <p:cNvPr id="35" name="Straight Arrow Connector 34">
+              <a:extLst>
+                <a:ext uri="{FF2B5EF4-FFF2-40B4-BE49-F238E27FC236}">
+                  <a16:creationId xmlns:a16="http://schemas.microsoft.com/office/drawing/2014/main" id="{D0514D81-9951-DA5A-BEE8-81B36C1385F5}"/>
+                </a:ext>
+              </a:extLst>
+            </p:cNvPr>
+            <p:cNvCxnSpPr>
+              <a:cxnSpLocks/>
+              <a:stCxn id="16" idx="6"/>
+              <a:endCxn id="30" idx="6"/>
+            </p:cNvCxnSpPr>
+            <p:nvPr/>
+          </p:nvCxnSpPr>
+          <p:spPr>
+            <a:xfrm flipV="1">
+              <a:off x="1631400" y="1535513"/>
+              <a:ext cx="885049" cy="1035182"/>
+            </a:xfrm>
+            <a:prstGeom prst="straightConnector1">
+              <a:avLst/>
+            </a:prstGeom>
+            <a:ln w="15875">
+              <a:tailEnd type="triangle"/>
+            </a:ln>
+          </p:spPr>
+          <p:style>
+            <a:lnRef idx="1">
+              <a:schemeClr val="accent1"/>
+            </a:lnRef>
+            <a:fillRef idx="0">
+              <a:schemeClr val="accent1"/>
+            </a:fillRef>
+            <a:effectRef idx="0">
+              <a:schemeClr val="accent1"/>
+            </a:effectRef>
+            <a:fontRef idx="minor">
+              <a:schemeClr val="tx1"/>
+            </a:fontRef>
+          </p:style>
+        </p:cxnSp>
+        <p:cxnSp>
+          <p:nvCxnSpPr>
+            <p:cNvPr id="36" name="Straight Arrow Connector 35">
+              <a:extLst>
+                <a:ext uri="{FF2B5EF4-FFF2-40B4-BE49-F238E27FC236}">
+                  <a16:creationId xmlns:a16="http://schemas.microsoft.com/office/drawing/2014/main" id="{06C9C30A-1F71-FDAD-B931-76E366D27469}"/>
+                </a:ext>
+              </a:extLst>
+            </p:cNvPr>
+            <p:cNvCxnSpPr>
+              <a:cxnSpLocks/>
+              <a:stCxn id="13" idx="6"/>
+              <a:endCxn id="30" idx="6"/>
+            </p:cNvCxnSpPr>
+            <p:nvPr/>
+          </p:nvCxnSpPr>
+          <p:spPr>
+            <a:xfrm flipV="1">
+              <a:off x="1624709" y="1535513"/>
+              <a:ext cx="891740" cy="488190"/>
+            </a:xfrm>
+            <a:prstGeom prst="straightConnector1">
+              <a:avLst/>
+            </a:prstGeom>
+            <a:ln w="15875">
+              <a:tailEnd type="triangle"/>
+            </a:ln>
+          </p:spPr>
+          <p:style>
+            <a:lnRef idx="1">
+              <a:schemeClr val="accent1"/>
+            </a:lnRef>
+            <a:fillRef idx="0">
+              <a:schemeClr val="accent1"/>
+            </a:fillRef>
+            <a:effectRef idx="0">
+              <a:schemeClr val="accent1"/>
+            </a:effectRef>
+            <a:fontRef idx="minor">
+              <a:schemeClr val="tx1"/>
+            </a:fontRef>
+          </p:style>
+        </p:cxnSp>
+        <p:sp>
+          <p:nvSpPr>
+            <p:cNvPr id="37" name="Oval 36">
+              <a:extLst>
+                <a:ext uri="{FF2B5EF4-FFF2-40B4-BE49-F238E27FC236}">
+                  <a16:creationId xmlns:a16="http://schemas.microsoft.com/office/drawing/2014/main" id="{770F10BB-F4EF-31D3-0702-5472D91127AA}"/>
+                </a:ext>
+              </a:extLst>
+            </p:cNvPr>
+            <p:cNvSpPr/>
+            <p:nvPr/>
+          </p:nvSpPr>
+          <p:spPr>
+            <a:xfrm>
+              <a:off x="2382144" y="1406527"/>
+              <a:ext cx="257976" cy="257976"/>
+            </a:xfrm>
+            <a:prstGeom prst="ellipse">
+              <a:avLst/>
+            </a:prstGeom>
+            <a:solidFill>
+              <a:schemeClr val="accent2">
+                <a:lumMod val="75000"/>
+              </a:schemeClr>
+            </a:solidFill>
+          </p:spPr>
+          <p:style>
+            <a:lnRef idx="2">
+              <a:schemeClr val="accent1">
+                <a:shade val="50000"/>
+              </a:schemeClr>
+            </a:lnRef>
+            <a:fillRef idx="1">
+              <a:schemeClr val="accent1"/>
+            </a:fillRef>
+            <a:effectRef idx="0">
+              <a:schemeClr val="accent1"/>
+            </a:effectRef>
+            <a:fontRef idx="minor">
+              <a:schemeClr val="lt1"/>
+            </a:fontRef>
+          </p:style>
+          <p:txBody>
+            <a:bodyPr rtlCol="0" anchor="ctr"/>
+            <a:lstStyle/>
+            <a:p>
+              <a:pPr algn="ctr"/>
+              <a:r>
+                <a:rPr lang="en-ES" sz="2400" dirty="0"/>
+                <a:t>+</a:t>
+              </a:r>
+            </a:p>
+          </p:txBody>
+        </p:sp>
+        <p:sp>
+          <p:nvSpPr>
+            <p:cNvPr id="38" name="TextBox 37">
+              <a:extLst>
+                <a:ext uri="{FF2B5EF4-FFF2-40B4-BE49-F238E27FC236}">
+                  <a16:creationId xmlns:a16="http://schemas.microsoft.com/office/drawing/2014/main" id="{05E00FE9-479B-0A51-CEBD-786C63E3947B}"/>
+                </a:ext>
+              </a:extLst>
+            </p:cNvPr>
+            <p:cNvSpPr txBox="1"/>
+            <p:nvPr/>
+          </p:nvSpPr>
+          <p:spPr>
+            <a:xfrm rot="5400000">
+              <a:off x="1451467" y="2100993"/>
+              <a:ext cx="343364" cy="369332"/>
+            </a:xfrm>
+            <a:prstGeom prst="rect">
+              <a:avLst/>
+            </a:prstGeom>
+            <a:noFill/>
+          </p:spPr>
+          <p:txBody>
+            <a:bodyPr wrap="none" rtlCol="0">
+              <a:spAutoFit/>
+            </a:bodyPr>
+            <a:lstStyle/>
+            <a:p>
+              <a:r>
+                <a:rPr lang="en-ES" dirty="0"/>
+                <a:t>…</a:t>
+              </a:r>
+            </a:p>
+          </p:txBody>
+        </p:sp>
+        <p:cxnSp>
+          <p:nvCxnSpPr>
+            <p:cNvPr id="40" name="Straight Arrow Connector 39">
+              <a:extLst>
+                <a:ext uri="{FF2B5EF4-FFF2-40B4-BE49-F238E27FC236}">
+                  <a16:creationId xmlns:a16="http://schemas.microsoft.com/office/drawing/2014/main" id="{18B9DAF4-00F6-0809-20BE-AD5BFCB9E6CF}"/>
+                </a:ext>
+              </a:extLst>
+            </p:cNvPr>
+            <p:cNvCxnSpPr>
+              <a:cxnSpLocks/>
+              <a:stCxn id="37" idx="6"/>
+              <a:endCxn id="157" idx="1"/>
+            </p:cNvCxnSpPr>
+            <p:nvPr/>
+          </p:nvCxnSpPr>
+          <p:spPr>
+            <a:xfrm flipV="1">
+              <a:off x="2640120" y="1523436"/>
+              <a:ext cx="232450" cy="12079"/>
+            </a:xfrm>
+            <a:prstGeom prst="straightConnector1">
+              <a:avLst/>
+            </a:prstGeom>
+            <a:ln w="15875">
+              <a:tailEnd type="triangle"/>
+            </a:ln>
+          </p:spPr>
+          <p:style>
+            <a:lnRef idx="1">
+              <a:schemeClr val="accent1"/>
+            </a:lnRef>
+            <a:fillRef idx="0">
+              <a:schemeClr val="accent1"/>
+            </a:fillRef>
+            <a:effectRef idx="0">
+              <a:schemeClr val="accent1"/>
+            </a:effectRef>
+            <a:fontRef idx="minor">
+              <a:schemeClr val="tx1"/>
+            </a:fontRef>
+          </p:style>
+        </p:cxnSp>
+        <p:cxnSp>
+          <p:nvCxnSpPr>
+            <p:cNvPr id="47" name="Straight Arrow Connector 46">
+              <a:extLst>
+                <a:ext uri="{FF2B5EF4-FFF2-40B4-BE49-F238E27FC236}">
+                  <a16:creationId xmlns:a16="http://schemas.microsoft.com/office/drawing/2014/main" id="{830099C4-5C88-B5C7-4FE9-FD07013FF8AB}"/>
+                </a:ext>
+              </a:extLst>
+            </p:cNvPr>
+            <p:cNvCxnSpPr>
+              <a:cxnSpLocks/>
+              <a:stCxn id="4" idx="6"/>
+              <a:endCxn id="49" idx="6"/>
+            </p:cNvCxnSpPr>
+            <p:nvPr/>
+          </p:nvCxnSpPr>
+          <p:spPr>
+            <a:xfrm>
+              <a:off x="1615634" y="1129867"/>
+              <a:ext cx="898472" cy="797201"/>
+            </a:xfrm>
+            <a:prstGeom prst="straightConnector1">
+              <a:avLst/>
+            </a:prstGeom>
+            <a:ln w="15875">
+              <a:tailEnd type="triangle"/>
+            </a:ln>
+          </p:spPr>
+          <p:style>
+            <a:lnRef idx="1">
+              <a:schemeClr val="accent1"/>
+            </a:lnRef>
+            <a:fillRef idx="0">
+              <a:schemeClr val="accent1"/>
+            </a:fillRef>
+            <a:effectRef idx="0">
+              <a:schemeClr val="accent1"/>
+            </a:effectRef>
+            <a:fontRef idx="minor">
+              <a:schemeClr val="tx1"/>
+            </a:fontRef>
+          </p:style>
+        </p:cxnSp>
+        <p:cxnSp>
+          <p:nvCxnSpPr>
+            <p:cNvPr id="48" name="Straight Arrow Connector 47">
+              <a:extLst>
+                <a:ext uri="{FF2B5EF4-FFF2-40B4-BE49-F238E27FC236}">
+                  <a16:creationId xmlns:a16="http://schemas.microsoft.com/office/drawing/2014/main" id="{6DC65896-3457-327F-42D2-6B7466DB190C}"/>
+                </a:ext>
+              </a:extLst>
+            </p:cNvPr>
+            <p:cNvCxnSpPr>
+              <a:cxnSpLocks/>
+              <a:stCxn id="7" idx="6"/>
+              <a:endCxn id="49" idx="6"/>
+            </p:cNvCxnSpPr>
+            <p:nvPr/>
+          </p:nvCxnSpPr>
+          <p:spPr>
+            <a:xfrm>
+              <a:off x="1619453" y="1429880"/>
+              <a:ext cx="894653" cy="497188"/>
+            </a:xfrm>
+            <a:prstGeom prst="straightConnector1">
+              <a:avLst/>
+            </a:prstGeom>
+            <a:ln w="15875">
+              <a:tailEnd type="triangle"/>
+            </a:ln>
+          </p:spPr>
+          <p:style>
+            <a:lnRef idx="1">
+              <a:schemeClr val="accent1"/>
+            </a:lnRef>
+            <a:fillRef idx="0">
+              <a:schemeClr val="accent1"/>
+            </a:fillRef>
+            <a:effectRef idx="0">
+              <a:schemeClr val="accent1"/>
+            </a:effectRef>
+            <a:fontRef idx="minor">
+              <a:schemeClr val="tx1"/>
+            </a:fontRef>
+          </p:style>
+        </p:cxnSp>
+        <p:sp>
+          <p:nvSpPr>
+            <p:cNvPr id="49" name="Oval 48">
+              <a:extLst>
+                <a:ext uri="{FF2B5EF4-FFF2-40B4-BE49-F238E27FC236}">
+                  <a16:creationId xmlns:a16="http://schemas.microsoft.com/office/drawing/2014/main" id="{7422566E-9D86-CE8A-ACD4-D909554F36FB}"/>
+                </a:ext>
+              </a:extLst>
+            </p:cNvPr>
+            <p:cNvSpPr/>
+            <p:nvPr/>
+          </p:nvSpPr>
+          <p:spPr>
+            <a:xfrm flipV="1">
+              <a:off x="2426680" y="1862317"/>
+              <a:ext cx="87426" cy="129502"/>
+            </a:xfrm>
+            <a:prstGeom prst="ellipse">
+              <a:avLst/>
+            </a:prstGeom>
+          </p:spPr>
+          <p:style>
+            <a:lnRef idx="2">
+              <a:schemeClr val="accent1">
+                <a:shade val="50000"/>
+              </a:schemeClr>
+            </a:lnRef>
+            <a:fillRef idx="1">
+              <a:schemeClr val="accent1"/>
+            </a:fillRef>
+            <a:effectRef idx="0">
+              <a:schemeClr val="accent1"/>
+            </a:effectRef>
+            <a:fontRef idx="minor">
+              <a:schemeClr val="lt1"/>
+            </a:fontRef>
+          </p:style>
+          <p:txBody>
+            <a:bodyPr rtlCol="0" anchor="ctr"/>
+            <a:lstStyle/>
+            <a:p>
+              <a:pPr algn="ctr"/>
+              <a:endParaRPr lang="en-ES"/>
+            </a:p>
+          </p:txBody>
+        </p:sp>
+        <p:cxnSp>
+          <p:nvCxnSpPr>
+            <p:cNvPr id="50" name="Straight Arrow Connector 49">
+              <a:extLst>
+                <a:ext uri="{FF2B5EF4-FFF2-40B4-BE49-F238E27FC236}">
+                  <a16:creationId xmlns:a16="http://schemas.microsoft.com/office/drawing/2014/main" id="{2F337E11-0EAF-B64B-874F-162D0ECE5055}"/>
+                </a:ext>
+              </a:extLst>
+            </p:cNvPr>
+            <p:cNvCxnSpPr>
+              <a:cxnSpLocks/>
+              <a:stCxn id="10" idx="6"/>
+              <a:endCxn id="49" idx="6"/>
+            </p:cNvCxnSpPr>
+            <p:nvPr/>
+          </p:nvCxnSpPr>
+          <p:spPr>
+            <a:xfrm>
+              <a:off x="1620890" y="1723690"/>
+              <a:ext cx="893216" cy="203378"/>
+            </a:xfrm>
+            <a:prstGeom prst="straightConnector1">
+              <a:avLst/>
+            </a:prstGeom>
+            <a:ln w="15875">
+              <a:tailEnd type="triangle"/>
+            </a:ln>
+          </p:spPr>
+          <p:style>
+            <a:lnRef idx="1">
+              <a:schemeClr val="accent1"/>
+            </a:lnRef>
+            <a:fillRef idx="0">
+              <a:schemeClr val="accent1"/>
+            </a:fillRef>
+            <a:effectRef idx="0">
+              <a:schemeClr val="accent1"/>
+            </a:effectRef>
+            <a:fontRef idx="minor">
+              <a:schemeClr val="tx1"/>
+            </a:fontRef>
+          </p:style>
+        </p:cxnSp>
+        <p:cxnSp>
+          <p:nvCxnSpPr>
+            <p:cNvPr id="51" name="Straight Arrow Connector 50">
+              <a:extLst>
+                <a:ext uri="{FF2B5EF4-FFF2-40B4-BE49-F238E27FC236}">
+                  <a16:creationId xmlns:a16="http://schemas.microsoft.com/office/drawing/2014/main" id="{5AA10FFA-78A3-A4ED-FFC4-0EA6EE914A15}"/>
+                </a:ext>
+              </a:extLst>
+            </p:cNvPr>
+            <p:cNvCxnSpPr>
+              <a:cxnSpLocks/>
+              <a:stCxn id="25" idx="6"/>
+              <a:endCxn id="49" idx="6"/>
+            </p:cNvCxnSpPr>
+            <p:nvPr/>
+          </p:nvCxnSpPr>
+          <p:spPr>
+            <a:xfrm flipV="1">
+              <a:off x="1640475" y="1927068"/>
+              <a:ext cx="873631" cy="1537463"/>
+            </a:xfrm>
+            <a:prstGeom prst="straightConnector1">
+              <a:avLst/>
+            </a:prstGeom>
+            <a:ln w="15875">
+              <a:tailEnd type="triangle"/>
+            </a:ln>
+          </p:spPr>
+          <p:style>
+            <a:lnRef idx="1">
+              <a:schemeClr val="accent1"/>
+            </a:lnRef>
+            <a:fillRef idx="0">
+              <a:schemeClr val="accent1"/>
+            </a:fillRef>
+            <a:effectRef idx="0">
+              <a:schemeClr val="accent1"/>
+            </a:effectRef>
+            <a:fontRef idx="minor">
+              <a:schemeClr val="tx1"/>
+            </a:fontRef>
+          </p:style>
+        </p:cxnSp>
+        <p:cxnSp>
+          <p:nvCxnSpPr>
+            <p:cNvPr id="52" name="Straight Arrow Connector 51">
+              <a:extLst>
+                <a:ext uri="{FF2B5EF4-FFF2-40B4-BE49-F238E27FC236}">
+                  <a16:creationId xmlns:a16="http://schemas.microsoft.com/office/drawing/2014/main" id="{7657C6CC-90D5-6806-A8A7-DA6C318C903F}"/>
+                </a:ext>
+              </a:extLst>
+            </p:cNvPr>
+            <p:cNvCxnSpPr>
+              <a:cxnSpLocks/>
+              <a:stCxn id="22" idx="6"/>
+              <a:endCxn id="49" idx="6"/>
+            </p:cNvCxnSpPr>
+            <p:nvPr/>
+          </p:nvCxnSpPr>
+          <p:spPr>
+            <a:xfrm flipV="1">
+              <a:off x="1636656" y="1927068"/>
+              <a:ext cx="877450" cy="1237450"/>
+            </a:xfrm>
+            <a:prstGeom prst="straightConnector1">
+              <a:avLst/>
+            </a:prstGeom>
+            <a:ln w="15875">
+              <a:tailEnd type="triangle"/>
+            </a:ln>
+          </p:spPr>
+          <p:style>
+            <a:lnRef idx="1">
+              <a:schemeClr val="accent1"/>
+            </a:lnRef>
+            <a:fillRef idx="0">
+              <a:schemeClr val="accent1"/>
+            </a:fillRef>
+            <a:effectRef idx="0">
+              <a:schemeClr val="accent1"/>
+            </a:effectRef>
+            <a:fontRef idx="minor">
+              <a:schemeClr val="tx1"/>
+            </a:fontRef>
+          </p:style>
+        </p:cxnSp>
+        <p:cxnSp>
+          <p:nvCxnSpPr>
+            <p:cNvPr id="53" name="Straight Arrow Connector 52">
+              <a:extLst>
+                <a:ext uri="{FF2B5EF4-FFF2-40B4-BE49-F238E27FC236}">
+                  <a16:creationId xmlns:a16="http://schemas.microsoft.com/office/drawing/2014/main" id="{142A648C-336B-B329-DC6F-F32552D954C0}"/>
+                </a:ext>
+              </a:extLst>
+            </p:cNvPr>
+            <p:cNvCxnSpPr>
+              <a:cxnSpLocks/>
+              <a:stCxn id="19" idx="6"/>
+              <a:endCxn id="49" idx="6"/>
+            </p:cNvCxnSpPr>
+            <p:nvPr/>
+          </p:nvCxnSpPr>
+          <p:spPr>
+            <a:xfrm flipV="1">
+              <a:off x="1635219" y="1927068"/>
+              <a:ext cx="878887" cy="943640"/>
+            </a:xfrm>
+            <a:prstGeom prst="straightConnector1">
+              <a:avLst/>
+            </a:prstGeom>
+            <a:ln w="15875">
+              <a:tailEnd type="triangle"/>
+            </a:ln>
+          </p:spPr>
+          <p:style>
+            <a:lnRef idx="1">
+              <a:schemeClr val="accent1"/>
+            </a:lnRef>
+            <a:fillRef idx="0">
+              <a:schemeClr val="accent1"/>
+            </a:fillRef>
+            <a:effectRef idx="0">
+              <a:schemeClr val="accent1"/>
+            </a:effectRef>
+            <a:fontRef idx="minor">
+              <a:schemeClr val="tx1"/>
+            </a:fontRef>
+          </p:style>
+        </p:cxnSp>
+        <p:cxnSp>
+          <p:nvCxnSpPr>
+            <p:cNvPr id="54" name="Straight Arrow Connector 53">
+              <a:extLst>
+                <a:ext uri="{FF2B5EF4-FFF2-40B4-BE49-F238E27FC236}">
+                  <a16:creationId xmlns:a16="http://schemas.microsoft.com/office/drawing/2014/main" id="{45A75FDD-4B1C-1BDE-A936-80D0939E4B70}"/>
+                </a:ext>
+              </a:extLst>
+            </p:cNvPr>
+            <p:cNvCxnSpPr>
+              <a:cxnSpLocks/>
+              <a:stCxn id="16" idx="6"/>
+              <a:endCxn id="49" idx="6"/>
+            </p:cNvCxnSpPr>
+            <p:nvPr/>
+          </p:nvCxnSpPr>
+          <p:spPr>
+            <a:xfrm flipV="1">
+              <a:off x="1631400" y="1927068"/>
+              <a:ext cx="882706" cy="643627"/>
+            </a:xfrm>
+            <a:prstGeom prst="straightConnector1">
+              <a:avLst/>
+            </a:prstGeom>
+            <a:ln w="15875">
+              <a:tailEnd type="triangle"/>
+            </a:ln>
+          </p:spPr>
+          <p:style>
+            <a:lnRef idx="1">
+              <a:schemeClr val="accent1"/>
+            </a:lnRef>
+            <a:fillRef idx="0">
+              <a:schemeClr val="accent1"/>
+            </a:fillRef>
+            <a:effectRef idx="0">
+              <a:schemeClr val="accent1"/>
+            </a:effectRef>
+            <a:fontRef idx="minor">
+              <a:schemeClr val="tx1"/>
+            </a:fontRef>
+          </p:style>
+        </p:cxnSp>
+        <p:cxnSp>
+          <p:nvCxnSpPr>
+            <p:cNvPr id="55" name="Straight Arrow Connector 54">
+              <a:extLst>
+                <a:ext uri="{FF2B5EF4-FFF2-40B4-BE49-F238E27FC236}">
+                  <a16:creationId xmlns:a16="http://schemas.microsoft.com/office/drawing/2014/main" id="{528033EF-8BC6-016C-2D77-D27951FE6010}"/>
+                </a:ext>
+              </a:extLst>
+            </p:cNvPr>
+            <p:cNvCxnSpPr>
+              <a:cxnSpLocks/>
+              <a:stCxn id="13" idx="6"/>
+              <a:endCxn id="49" idx="6"/>
+            </p:cNvCxnSpPr>
+            <p:nvPr/>
+          </p:nvCxnSpPr>
+          <p:spPr>
+            <a:xfrm flipV="1">
+              <a:off x="1624709" y="1927068"/>
+              <a:ext cx="889397" cy="96635"/>
+            </a:xfrm>
+            <a:prstGeom prst="straightConnector1">
+              <a:avLst/>
+            </a:prstGeom>
+            <a:ln w="15875">
+              <a:tailEnd type="triangle"/>
+            </a:ln>
+          </p:spPr>
+          <p:style>
+            <a:lnRef idx="1">
+              <a:schemeClr val="accent1"/>
+            </a:lnRef>
+            <a:fillRef idx="0">
+              <a:schemeClr val="accent1"/>
+            </a:fillRef>
+            <a:effectRef idx="0">
+              <a:schemeClr val="accent1"/>
+            </a:effectRef>
+            <a:fontRef idx="minor">
+              <a:schemeClr val="tx1"/>
+            </a:fontRef>
+          </p:style>
+        </p:cxnSp>
+        <p:sp>
+          <p:nvSpPr>
+            <p:cNvPr id="56" name="Oval 55">
+              <a:extLst>
+                <a:ext uri="{FF2B5EF4-FFF2-40B4-BE49-F238E27FC236}">
+                  <a16:creationId xmlns:a16="http://schemas.microsoft.com/office/drawing/2014/main" id="{436F64A3-63DB-7CAD-BF14-9913E2F353E3}"/>
+                </a:ext>
+              </a:extLst>
+            </p:cNvPr>
+            <p:cNvSpPr/>
+            <p:nvPr/>
+          </p:nvSpPr>
+          <p:spPr>
+            <a:xfrm>
+              <a:off x="2379801" y="1798082"/>
+              <a:ext cx="257976" cy="257976"/>
+            </a:xfrm>
+            <a:prstGeom prst="ellipse">
+              <a:avLst/>
+            </a:prstGeom>
+            <a:solidFill>
+              <a:schemeClr val="accent2">
+                <a:lumMod val="75000"/>
+              </a:schemeClr>
+            </a:solidFill>
+          </p:spPr>
+          <p:style>
+            <a:lnRef idx="2">
+              <a:schemeClr val="accent1">
+                <a:shade val="50000"/>
+              </a:schemeClr>
+            </a:lnRef>
+            <a:fillRef idx="1">
+              <a:schemeClr val="accent1"/>
+            </a:fillRef>
+            <a:effectRef idx="0">
+              <a:schemeClr val="accent1"/>
+            </a:effectRef>
+            <a:fontRef idx="minor">
+              <a:schemeClr val="lt1"/>
+            </a:fontRef>
+          </p:style>
+          <p:txBody>
+            <a:bodyPr rtlCol="0" anchor="ctr"/>
+            <a:lstStyle/>
+            <a:p>
+              <a:pPr algn="ctr"/>
+              <a:r>
+                <a:rPr lang="en-ES" sz="2400" dirty="0"/>
+                <a:t>+</a:t>
+              </a:r>
+            </a:p>
+          </p:txBody>
+        </p:sp>
+        <p:cxnSp>
+          <p:nvCxnSpPr>
+            <p:cNvPr id="58" name="Straight Arrow Connector 57">
+              <a:extLst>
+                <a:ext uri="{FF2B5EF4-FFF2-40B4-BE49-F238E27FC236}">
+                  <a16:creationId xmlns:a16="http://schemas.microsoft.com/office/drawing/2014/main" id="{BCDA2EF7-A2AA-1CD1-DD01-6EA52637BA57}"/>
+                </a:ext>
+              </a:extLst>
+            </p:cNvPr>
+            <p:cNvCxnSpPr>
+              <a:cxnSpLocks/>
+              <a:stCxn id="56" idx="6"/>
+              <a:endCxn id="161" idx="1"/>
+            </p:cNvCxnSpPr>
+            <p:nvPr/>
+          </p:nvCxnSpPr>
+          <p:spPr>
+            <a:xfrm>
+              <a:off x="2637777" y="1927070"/>
+              <a:ext cx="218575" cy="5695"/>
+            </a:xfrm>
+            <a:prstGeom prst="straightConnector1">
+              <a:avLst/>
+            </a:prstGeom>
+            <a:ln w="15875">
+              <a:tailEnd type="triangle"/>
+            </a:ln>
+          </p:spPr>
+          <p:style>
+            <a:lnRef idx="1">
+              <a:schemeClr val="accent1"/>
+            </a:lnRef>
+            <a:fillRef idx="0">
+              <a:schemeClr val="accent1"/>
+            </a:fillRef>
+            <a:effectRef idx="0">
+              <a:schemeClr val="accent1"/>
+            </a:effectRef>
+            <a:fontRef idx="minor">
+              <a:schemeClr val="tx1"/>
+            </a:fontRef>
+          </p:style>
+        </p:cxnSp>
+        <p:cxnSp>
+          <p:nvCxnSpPr>
+            <p:cNvPr id="65" name="Straight Arrow Connector 64">
+              <a:extLst>
+                <a:ext uri="{FF2B5EF4-FFF2-40B4-BE49-F238E27FC236}">
+                  <a16:creationId xmlns:a16="http://schemas.microsoft.com/office/drawing/2014/main" id="{86B99539-6733-23BC-4AD5-9CCED6D60EB8}"/>
+                </a:ext>
+              </a:extLst>
+            </p:cNvPr>
+            <p:cNvCxnSpPr>
+              <a:cxnSpLocks/>
+              <a:stCxn id="4" idx="6"/>
+              <a:endCxn id="67" idx="6"/>
+            </p:cNvCxnSpPr>
+            <p:nvPr/>
+          </p:nvCxnSpPr>
+          <p:spPr>
+            <a:xfrm>
+              <a:off x="1615634" y="1129867"/>
+              <a:ext cx="898472" cy="1202007"/>
+            </a:xfrm>
+            <a:prstGeom prst="straightConnector1">
+              <a:avLst/>
+            </a:prstGeom>
+            <a:ln w="15875">
+              <a:tailEnd type="triangle"/>
+            </a:ln>
+          </p:spPr>
+          <p:style>
+            <a:lnRef idx="1">
+              <a:schemeClr val="accent1"/>
+            </a:lnRef>
+            <a:fillRef idx="0">
+              <a:schemeClr val="accent1"/>
+            </a:fillRef>
+            <a:effectRef idx="0">
+              <a:schemeClr val="accent1"/>
+            </a:effectRef>
+            <a:fontRef idx="minor">
+              <a:schemeClr val="tx1"/>
+            </a:fontRef>
+          </p:style>
+        </p:cxnSp>
+        <p:cxnSp>
+          <p:nvCxnSpPr>
+            <p:cNvPr id="66" name="Straight Arrow Connector 65">
+              <a:extLst>
+                <a:ext uri="{FF2B5EF4-FFF2-40B4-BE49-F238E27FC236}">
+                  <a16:creationId xmlns:a16="http://schemas.microsoft.com/office/drawing/2014/main" id="{1D5BFEA2-18F8-F741-F4DD-7CA81A426A34}"/>
+                </a:ext>
+              </a:extLst>
+            </p:cNvPr>
+            <p:cNvCxnSpPr>
+              <a:cxnSpLocks/>
+              <a:stCxn id="7" idx="6"/>
+              <a:endCxn id="67" idx="6"/>
+            </p:cNvCxnSpPr>
+            <p:nvPr/>
+          </p:nvCxnSpPr>
+          <p:spPr>
+            <a:xfrm>
+              <a:off x="1619453" y="1429880"/>
+              <a:ext cx="894653" cy="901994"/>
+            </a:xfrm>
+            <a:prstGeom prst="straightConnector1">
+              <a:avLst/>
+            </a:prstGeom>
+            <a:ln w="15875">
+              <a:tailEnd type="triangle"/>
+            </a:ln>
+          </p:spPr>
+          <p:style>
+            <a:lnRef idx="1">
+              <a:schemeClr val="accent1"/>
+            </a:lnRef>
+            <a:fillRef idx="0">
+              <a:schemeClr val="accent1"/>
+            </a:fillRef>
+            <a:effectRef idx="0">
+              <a:schemeClr val="accent1"/>
+            </a:effectRef>
+            <a:fontRef idx="minor">
+              <a:schemeClr val="tx1"/>
+            </a:fontRef>
+          </p:style>
+        </p:cxnSp>
+        <p:sp>
+          <p:nvSpPr>
+            <p:cNvPr id="67" name="Oval 66">
+              <a:extLst>
+                <a:ext uri="{FF2B5EF4-FFF2-40B4-BE49-F238E27FC236}">
+                  <a16:creationId xmlns:a16="http://schemas.microsoft.com/office/drawing/2014/main" id="{D5554657-6E0E-66C3-1261-9A1CA34437D4}"/>
+                </a:ext>
+              </a:extLst>
+            </p:cNvPr>
+            <p:cNvSpPr/>
+            <p:nvPr/>
+          </p:nvSpPr>
+          <p:spPr>
+            <a:xfrm flipV="1">
+              <a:off x="2426680" y="2267123"/>
+              <a:ext cx="87426" cy="129502"/>
+            </a:xfrm>
+            <a:prstGeom prst="ellipse">
+              <a:avLst/>
+            </a:prstGeom>
+          </p:spPr>
+          <p:style>
+            <a:lnRef idx="2">
+              <a:schemeClr val="accent1">
+                <a:shade val="50000"/>
+              </a:schemeClr>
+            </a:lnRef>
+            <a:fillRef idx="1">
+              <a:schemeClr val="accent1"/>
+            </a:fillRef>
+            <a:effectRef idx="0">
+              <a:schemeClr val="accent1"/>
+            </a:effectRef>
+            <a:fontRef idx="minor">
+              <a:schemeClr val="lt1"/>
+            </a:fontRef>
+          </p:style>
+          <p:txBody>
+            <a:bodyPr rtlCol="0" anchor="ctr"/>
+            <a:lstStyle/>
+            <a:p>
+              <a:pPr algn="ctr"/>
+              <a:endParaRPr lang="en-ES"/>
+            </a:p>
+          </p:txBody>
+        </p:sp>
+        <p:cxnSp>
+          <p:nvCxnSpPr>
+            <p:cNvPr id="68" name="Straight Arrow Connector 67">
+              <a:extLst>
+                <a:ext uri="{FF2B5EF4-FFF2-40B4-BE49-F238E27FC236}">
+                  <a16:creationId xmlns:a16="http://schemas.microsoft.com/office/drawing/2014/main" id="{D4EEBAF7-BFDE-34B2-5A36-FE760184274C}"/>
+                </a:ext>
+              </a:extLst>
+            </p:cNvPr>
+            <p:cNvCxnSpPr>
+              <a:cxnSpLocks/>
+              <a:stCxn id="13" idx="6"/>
+              <a:endCxn id="67" idx="6"/>
+            </p:cNvCxnSpPr>
+            <p:nvPr/>
+          </p:nvCxnSpPr>
+          <p:spPr>
+            <a:xfrm>
+              <a:off x="1624709" y="2023703"/>
+              <a:ext cx="889397" cy="308171"/>
+            </a:xfrm>
+            <a:prstGeom prst="straightConnector1">
+              <a:avLst/>
+            </a:prstGeom>
+            <a:ln w="15875">
+              <a:tailEnd type="triangle"/>
+            </a:ln>
+          </p:spPr>
+          <p:style>
+            <a:lnRef idx="1">
+              <a:schemeClr val="accent1"/>
+            </a:lnRef>
+            <a:fillRef idx="0">
+              <a:schemeClr val="accent1"/>
+            </a:fillRef>
+            <a:effectRef idx="0">
+              <a:schemeClr val="accent1"/>
+            </a:effectRef>
+            <a:fontRef idx="minor">
+              <a:schemeClr val="tx1"/>
+            </a:fontRef>
+          </p:style>
+        </p:cxnSp>
+        <p:cxnSp>
+          <p:nvCxnSpPr>
+            <p:cNvPr id="69" name="Straight Arrow Connector 68">
+              <a:extLst>
+                <a:ext uri="{FF2B5EF4-FFF2-40B4-BE49-F238E27FC236}">
+                  <a16:creationId xmlns:a16="http://schemas.microsoft.com/office/drawing/2014/main" id="{3A616703-09C8-CAF6-55DE-23B006429D01}"/>
+                </a:ext>
+              </a:extLst>
+            </p:cNvPr>
+            <p:cNvCxnSpPr>
+              <a:cxnSpLocks/>
+              <a:stCxn id="25" idx="6"/>
+              <a:endCxn id="67" idx="6"/>
+            </p:cNvCxnSpPr>
+            <p:nvPr/>
+          </p:nvCxnSpPr>
+          <p:spPr>
+            <a:xfrm flipV="1">
+              <a:off x="1640475" y="2331874"/>
+              <a:ext cx="873631" cy="1132657"/>
+            </a:xfrm>
+            <a:prstGeom prst="straightConnector1">
+              <a:avLst/>
+            </a:prstGeom>
+            <a:ln w="15875">
+              <a:tailEnd type="triangle"/>
+            </a:ln>
+          </p:spPr>
+          <p:style>
+            <a:lnRef idx="1">
+              <a:schemeClr val="accent1"/>
+            </a:lnRef>
+            <a:fillRef idx="0">
+              <a:schemeClr val="accent1"/>
+            </a:fillRef>
+            <a:effectRef idx="0">
+              <a:schemeClr val="accent1"/>
+            </a:effectRef>
+            <a:fontRef idx="minor">
+              <a:schemeClr val="tx1"/>
+            </a:fontRef>
+          </p:style>
+        </p:cxnSp>
+        <p:cxnSp>
+          <p:nvCxnSpPr>
+            <p:cNvPr id="70" name="Straight Arrow Connector 69">
+              <a:extLst>
+                <a:ext uri="{FF2B5EF4-FFF2-40B4-BE49-F238E27FC236}">
+                  <a16:creationId xmlns:a16="http://schemas.microsoft.com/office/drawing/2014/main" id="{F930D301-221B-AF91-1486-F6DC8751313E}"/>
+                </a:ext>
+              </a:extLst>
+            </p:cNvPr>
+            <p:cNvCxnSpPr>
+              <a:cxnSpLocks/>
+              <a:stCxn id="22" idx="6"/>
+              <a:endCxn id="67" idx="6"/>
+            </p:cNvCxnSpPr>
+            <p:nvPr/>
+          </p:nvCxnSpPr>
+          <p:spPr>
+            <a:xfrm flipV="1">
+              <a:off x="1636656" y="2331874"/>
+              <a:ext cx="877450" cy="832644"/>
+            </a:xfrm>
+            <a:prstGeom prst="straightConnector1">
+              <a:avLst/>
+            </a:prstGeom>
+            <a:ln w="15875">
+              <a:tailEnd type="triangle"/>
+            </a:ln>
+          </p:spPr>
+          <p:style>
+            <a:lnRef idx="1">
+              <a:schemeClr val="accent1"/>
+            </a:lnRef>
+            <a:fillRef idx="0">
+              <a:schemeClr val="accent1"/>
+            </a:fillRef>
+            <a:effectRef idx="0">
+              <a:schemeClr val="accent1"/>
+            </a:effectRef>
+            <a:fontRef idx="minor">
+              <a:schemeClr val="tx1"/>
+            </a:fontRef>
+          </p:style>
+        </p:cxnSp>
+        <p:cxnSp>
+          <p:nvCxnSpPr>
+            <p:cNvPr id="71" name="Straight Arrow Connector 70">
+              <a:extLst>
+                <a:ext uri="{FF2B5EF4-FFF2-40B4-BE49-F238E27FC236}">
+                  <a16:creationId xmlns:a16="http://schemas.microsoft.com/office/drawing/2014/main" id="{E0A5C712-D373-459C-5CA9-21576B911E06}"/>
+                </a:ext>
+              </a:extLst>
+            </p:cNvPr>
+            <p:cNvCxnSpPr>
+              <a:cxnSpLocks/>
+              <a:stCxn id="19" idx="6"/>
+              <a:endCxn id="67" idx="6"/>
+            </p:cNvCxnSpPr>
+            <p:nvPr/>
+          </p:nvCxnSpPr>
+          <p:spPr>
+            <a:xfrm flipV="1">
+              <a:off x="1635219" y="2331874"/>
+              <a:ext cx="878887" cy="538834"/>
+            </a:xfrm>
+            <a:prstGeom prst="straightConnector1">
+              <a:avLst/>
+            </a:prstGeom>
+            <a:ln w="15875">
+              <a:tailEnd type="triangle"/>
+            </a:ln>
+          </p:spPr>
+          <p:style>
+            <a:lnRef idx="1">
+              <a:schemeClr val="accent1"/>
+            </a:lnRef>
+            <a:fillRef idx="0">
+              <a:schemeClr val="accent1"/>
+            </a:fillRef>
+            <a:effectRef idx="0">
+              <a:schemeClr val="accent1"/>
+            </a:effectRef>
+            <a:fontRef idx="minor">
+              <a:schemeClr val="tx1"/>
+            </a:fontRef>
+          </p:style>
+        </p:cxnSp>
+        <p:cxnSp>
+          <p:nvCxnSpPr>
+            <p:cNvPr id="72" name="Straight Arrow Connector 71">
+              <a:extLst>
+                <a:ext uri="{FF2B5EF4-FFF2-40B4-BE49-F238E27FC236}">
+                  <a16:creationId xmlns:a16="http://schemas.microsoft.com/office/drawing/2014/main" id="{43A80336-5226-A3B1-7966-7B2D36C65CE1}"/>
+                </a:ext>
+              </a:extLst>
+            </p:cNvPr>
+            <p:cNvCxnSpPr>
+              <a:cxnSpLocks/>
+              <a:stCxn id="10" idx="6"/>
+              <a:endCxn id="67" idx="6"/>
+            </p:cNvCxnSpPr>
+            <p:nvPr/>
+          </p:nvCxnSpPr>
+          <p:spPr>
+            <a:xfrm>
+              <a:off x="1620890" y="1723690"/>
+              <a:ext cx="893216" cy="608184"/>
+            </a:xfrm>
+            <a:prstGeom prst="straightConnector1">
+              <a:avLst/>
+            </a:prstGeom>
+            <a:ln w="15875">
+              <a:tailEnd type="triangle"/>
+            </a:ln>
+          </p:spPr>
+          <p:style>
+            <a:lnRef idx="1">
+              <a:schemeClr val="accent1"/>
+            </a:lnRef>
+            <a:fillRef idx="0">
+              <a:schemeClr val="accent1"/>
+            </a:fillRef>
+            <a:effectRef idx="0">
+              <a:schemeClr val="accent1"/>
+            </a:effectRef>
+            <a:fontRef idx="minor">
+              <a:schemeClr val="tx1"/>
+            </a:fontRef>
+          </p:style>
+        </p:cxnSp>
+        <p:cxnSp>
+          <p:nvCxnSpPr>
+            <p:cNvPr id="73" name="Straight Arrow Connector 72">
+              <a:extLst>
+                <a:ext uri="{FF2B5EF4-FFF2-40B4-BE49-F238E27FC236}">
+                  <a16:creationId xmlns:a16="http://schemas.microsoft.com/office/drawing/2014/main" id="{09E1BBA8-229A-633E-3C35-2F944750E3D0}"/>
+                </a:ext>
+              </a:extLst>
+            </p:cNvPr>
+            <p:cNvCxnSpPr>
+              <a:cxnSpLocks/>
+              <a:stCxn id="16" idx="6"/>
+              <a:endCxn id="67" idx="6"/>
+            </p:cNvCxnSpPr>
+            <p:nvPr/>
+          </p:nvCxnSpPr>
+          <p:spPr>
+            <a:xfrm flipV="1">
+              <a:off x="1631400" y="2331874"/>
+              <a:ext cx="882706" cy="238821"/>
+            </a:xfrm>
+            <a:prstGeom prst="straightConnector1">
+              <a:avLst/>
+            </a:prstGeom>
+            <a:ln w="15875">
+              <a:tailEnd type="triangle"/>
+            </a:ln>
+          </p:spPr>
+          <p:style>
+            <a:lnRef idx="1">
+              <a:schemeClr val="accent1"/>
+            </a:lnRef>
+            <a:fillRef idx="0">
+              <a:schemeClr val="accent1"/>
+            </a:fillRef>
+            <a:effectRef idx="0">
+              <a:schemeClr val="accent1"/>
+            </a:effectRef>
+            <a:fontRef idx="minor">
+              <a:schemeClr val="tx1"/>
+            </a:fontRef>
+          </p:style>
+        </p:cxnSp>
+        <p:sp>
+          <p:nvSpPr>
+            <p:cNvPr id="74" name="Oval 73">
+              <a:extLst>
+                <a:ext uri="{FF2B5EF4-FFF2-40B4-BE49-F238E27FC236}">
+                  <a16:creationId xmlns:a16="http://schemas.microsoft.com/office/drawing/2014/main" id="{21A741EA-D137-44CA-9A81-4114FC05BA80}"/>
+                </a:ext>
+              </a:extLst>
+            </p:cNvPr>
+            <p:cNvSpPr/>
+            <p:nvPr/>
+          </p:nvSpPr>
+          <p:spPr>
+            <a:xfrm>
+              <a:off x="2379801" y="2202888"/>
+              <a:ext cx="257976" cy="257976"/>
+            </a:xfrm>
+            <a:prstGeom prst="ellipse">
+              <a:avLst/>
+            </a:prstGeom>
+            <a:solidFill>
+              <a:schemeClr val="accent2">
+                <a:lumMod val="75000"/>
+              </a:schemeClr>
+            </a:solidFill>
+          </p:spPr>
+          <p:style>
+            <a:lnRef idx="2">
+              <a:schemeClr val="accent1">
+                <a:shade val="50000"/>
+              </a:schemeClr>
+            </a:lnRef>
+            <a:fillRef idx="1">
+              <a:schemeClr val="accent1"/>
+            </a:fillRef>
+            <a:effectRef idx="0">
+              <a:schemeClr val="accent1"/>
+            </a:effectRef>
+            <a:fontRef idx="minor">
+              <a:schemeClr val="lt1"/>
+            </a:fontRef>
+          </p:style>
+          <p:txBody>
+            <a:bodyPr rtlCol="0" anchor="ctr"/>
+            <a:lstStyle/>
+            <a:p>
+              <a:pPr algn="ctr"/>
+              <a:r>
+                <a:rPr lang="en-ES" sz="2400" dirty="0"/>
+                <a:t>+</a:t>
+              </a:r>
+            </a:p>
+          </p:txBody>
+        </p:sp>
+        <p:cxnSp>
+          <p:nvCxnSpPr>
+            <p:cNvPr id="76" name="Straight Arrow Connector 75">
+              <a:extLst>
+                <a:ext uri="{FF2B5EF4-FFF2-40B4-BE49-F238E27FC236}">
+                  <a16:creationId xmlns:a16="http://schemas.microsoft.com/office/drawing/2014/main" id="{E3F17D1F-89A2-4C4F-AAD7-B83A122344AE}"/>
+                </a:ext>
+              </a:extLst>
+            </p:cNvPr>
+            <p:cNvCxnSpPr>
+              <a:cxnSpLocks/>
+              <a:stCxn id="74" idx="6"/>
+              <a:endCxn id="164" idx="1"/>
+            </p:cNvCxnSpPr>
+            <p:nvPr/>
+          </p:nvCxnSpPr>
+          <p:spPr>
+            <a:xfrm>
+              <a:off x="2637777" y="2331876"/>
+              <a:ext cx="206437" cy="15460"/>
+            </a:xfrm>
+            <a:prstGeom prst="straightConnector1">
+              <a:avLst/>
+            </a:prstGeom>
+            <a:ln w="15875">
+              <a:tailEnd type="triangle"/>
+            </a:ln>
+          </p:spPr>
+          <p:style>
+            <a:lnRef idx="1">
+              <a:schemeClr val="accent1"/>
+            </a:lnRef>
+            <a:fillRef idx="0">
+              <a:schemeClr val="accent1"/>
+            </a:fillRef>
+            <a:effectRef idx="0">
+              <a:schemeClr val="accent1"/>
+            </a:effectRef>
+            <a:fontRef idx="minor">
+              <a:schemeClr val="tx1"/>
+            </a:fontRef>
+          </p:style>
+        </p:cxnSp>
+        <p:cxnSp>
+          <p:nvCxnSpPr>
+            <p:cNvPr id="83" name="Straight Arrow Connector 82">
+              <a:extLst>
+                <a:ext uri="{FF2B5EF4-FFF2-40B4-BE49-F238E27FC236}">
+                  <a16:creationId xmlns:a16="http://schemas.microsoft.com/office/drawing/2014/main" id="{0D1150B3-7E33-6B2B-6700-EFCD043CE08B}"/>
+                </a:ext>
+              </a:extLst>
+            </p:cNvPr>
+            <p:cNvCxnSpPr>
+              <a:cxnSpLocks/>
+              <a:stCxn id="4" idx="6"/>
+              <a:endCxn id="85" idx="6"/>
+            </p:cNvCxnSpPr>
+            <p:nvPr/>
+          </p:nvCxnSpPr>
+          <p:spPr>
+            <a:xfrm>
+              <a:off x="1615634" y="1129867"/>
+              <a:ext cx="898068" cy="1924691"/>
+            </a:xfrm>
+            <a:prstGeom prst="straightConnector1">
+              <a:avLst/>
+            </a:prstGeom>
+            <a:ln w="15875">
+              <a:tailEnd type="triangle"/>
+            </a:ln>
+          </p:spPr>
+          <p:style>
+            <a:lnRef idx="1">
+              <a:schemeClr val="accent1"/>
+            </a:lnRef>
+            <a:fillRef idx="0">
+              <a:schemeClr val="accent1"/>
+            </a:fillRef>
+            <a:effectRef idx="0">
+              <a:schemeClr val="accent1"/>
+            </a:effectRef>
+            <a:fontRef idx="minor">
+              <a:schemeClr val="tx1"/>
+            </a:fontRef>
+          </p:style>
+        </p:cxnSp>
+        <p:cxnSp>
+          <p:nvCxnSpPr>
+            <p:cNvPr id="84" name="Straight Arrow Connector 83">
+              <a:extLst>
+                <a:ext uri="{FF2B5EF4-FFF2-40B4-BE49-F238E27FC236}">
+                  <a16:creationId xmlns:a16="http://schemas.microsoft.com/office/drawing/2014/main" id="{BF7E3017-7432-253D-ED6F-50A64D6EF679}"/>
+                </a:ext>
+              </a:extLst>
+            </p:cNvPr>
+            <p:cNvCxnSpPr>
+              <a:cxnSpLocks/>
+              <a:stCxn id="7" idx="6"/>
+              <a:endCxn id="85" idx="6"/>
+            </p:cNvCxnSpPr>
+            <p:nvPr/>
+          </p:nvCxnSpPr>
+          <p:spPr>
+            <a:xfrm>
+              <a:off x="1619453" y="1429880"/>
+              <a:ext cx="894249" cy="1624678"/>
+            </a:xfrm>
+            <a:prstGeom prst="straightConnector1">
+              <a:avLst/>
+            </a:prstGeom>
+            <a:ln w="15875">
+              <a:tailEnd type="triangle"/>
+            </a:ln>
+          </p:spPr>
+          <p:style>
+            <a:lnRef idx="1">
+              <a:schemeClr val="accent1"/>
+            </a:lnRef>
+            <a:fillRef idx="0">
+              <a:schemeClr val="accent1"/>
+            </a:fillRef>
+            <a:effectRef idx="0">
+              <a:schemeClr val="accent1"/>
+            </a:effectRef>
+            <a:fontRef idx="minor">
+              <a:schemeClr val="tx1"/>
+            </a:fontRef>
+          </p:style>
+        </p:cxnSp>
+        <p:sp>
+          <p:nvSpPr>
+            <p:cNvPr id="85" name="Oval 84">
+              <a:extLst>
+                <a:ext uri="{FF2B5EF4-FFF2-40B4-BE49-F238E27FC236}">
+                  <a16:creationId xmlns:a16="http://schemas.microsoft.com/office/drawing/2014/main" id="{29E1994A-0493-E25D-F8DD-2BBDF4B8DFE4}"/>
+                </a:ext>
+              </a:extLst>
+            </p:cNvPr>
+            <p:cNvSpPr/>
+            <p:nvPr/>
+          </p:nvSpPr>
+          <p:spPr>
+            <a:xfrm flipV="1">
+              <a:off x="2426276" y="2989807"/>
+              <a:ext cx="87426" cy="129502"/>
+            </a:xfrm>
+            <a:prstGeom prst="ellipse">
+              <a:avLst/>
+            </a:prstGeom>
+          </p:spPr>
+          <p:style>
+            <a:lnRef idx="2">
+              <a:schemeClr val="accent1">
+                <a:shade val="50000"/>
+              </a:schemeClr>
+            </a:lnRef>
+            <a:fillRef idx="1">
+              <a:schemeClr val="accent1"/>
+            </a:fillRef>
+            <a:effectRef idx="0">
+              <a:schemeClr val="accent1"/>
+            </a:effectRef>
+            <a:fontRef idx="minor">
+              <a:schemeClr val="lt1"/>
+            </a:fontRef>
+          </p:style>
+          <p:txBody>
+            <a:bodyPr rtlCol="0" anchor="ctr"/>
+            <a:lstStyle/>
+            <a:p>
+              <a:pPr algn="ctr"/>
+              <a:endParaRPr lang="en-ES"/>
+            </a:p>
+          </p:txBody>
+        </p:sp>
+        <p:cxnSp>
+          <p:nvCxnSpPr>
+            <p:cNvPr id="86" name="Straight Arrow Connector 85">
+              <a:extLst>
+                <a:ext uri="{FF2B5EF4-FFF2-40B4-BE49-F238E27FC236}">
+                  <a16:creationId xmlns:a16="http://schemas.microsoft.com/office/drawing/2014/main" id="{AD486BFA-EBC8-05D0-09CE-9049F7258ADC}"/>
+                </a:ext>
+              </a:extLst>
+            </p:cNvPr>
+            <p:cNvCxnSpPr>
+              <a:cxnSpLocks/>
+              <a:stCxn id="16" idx="6"/>
+              <a:endCxn id="85" idx="6"/>
+            </p:cNvCxnSpPr>
+            <p:nvPr/>
+          </p:nvCxnSpPr>
+          <p:spPr>
+            <a:xfrm>
+              <a:off x="1631400" y="2570695"/>
+              <a:ext cx="882302" cy="483863"/>
+            </a:xfrm>
+            <a:prstGeom prst="straightConnector1">
+              <a:avLst/>
+            </a:prstGeom>
+            <a:ln w="15875">
+              <a:tailEnd type="triangle"/>
+            </a:ln>
+          </p:spPr>
+          <p:style>
+            <a:lnRef idx="1">
+              <a:schemeClr val="accent1"/>
+            </a:lnRef>
+            <a:fillRef idx="0">
+              <a:schemeClr val="accent1"/>
+            </a:fillRef>
+            <a:effectRef idx="0">
+              <a:schemeClr val="accent1"/>
+            </a:effectRef>
+            <a:fontRef idx="minor">
+              <a:schemeClr val="tx1"/>
+            </a:fontRef>
+          </p:style>
+        </p:cxnSp>
+        <p:cxnSp>
+          <p:nvCxnSpPr>
+            <p:cNvPr id="87" name="Straight Arrow Connector 86">
+              <a:extLst>
+                <a:ext uri="{FF2B5EF4-FFF2-40B4-BE49-F238E27FC236}">
+                  <a16:creationId xmlns:a16="http://schemas.microsoft.com/office/drawing/2014/main" id="{14F24850-1FA6-6BAA-0A96-7591AED914F4}"/>
+                </a:ext>
+              </a:extLst>
+            </p:cNvPr>
+            <p:cNvCxnSpPr>
+              <a:cxnSpLocks/>
+              <a:stCxn id="10" idx="6"/>
+              <a:endCxn id="85" idx="6"/>
+            </p:cNvCxnSpPr>
+            <p:nvPr/>
+          </p:nvCxnSpPr>
+          <p:spPr>
+            <a:xfrm>
+              <a:off x="1620890" y="1723690"/>
+              <a:ext cx="892812" cy="1330868"/>
+            </a:xfrm>
+            <a:prstGeom prst="straightConnector1">
+              <a:avLst/>
+            </a:prstGeom>
+            <a:ln w="15875">
+              <a:tailEnd type="triangle"/>
+            </a:ln>
+          </p:spPr>
+          <p:style>
+            <a:lnRef idx="1">
+              <a:schemeClr val="accent1"/>
+            </a:lnRef>
+            <a:fillRef idx="0">
+              <a:schemeClr val="accent1"/>
+            </a:fillRef>
+            <a:effectRef idx="0">
+              <a:schemeClr val="accent1"/>
+            </a:effectRef>
+            <a:fontRef idx="minor">
+              <a:schemeClr val="tx1"/>
+            </a:fontRef>
+          </p:style>
+        </p:cxnSp>
+        <p:cxnSp>
+          <p:nvCxnSpPr>
+            <p:cNvPr id="88" name="Straight Arrow Connector 87">
+              <a:extLst>
+                <a:ext uri="{FF2B5EF4-FFF2-40B4-BE49-F238E27FC236}">
+                  <a16:creationId xmlns:a16="http://schemas.microsoft.com/office/drawing/2014/main" id="{D6CE6CCB-18AF-5DC3-051F-3A3D091D14B4}"/>
+                </a:ext>
+              </a:extLst>
+            </p:cNvPr>
+            <p:cNvCxnSpPr>
+              <a:cxnSpLocks/>
+              <a:stCxn id="25" idx="6"/>
+              <a:endCxn id="85" idx="6"/>
+            </p:cNvCxnSpPr>
+            <p:nvPr/>
+          </p:nvCxnSpPr>
+          <p:spPr>
+            <a:xfrm flipV="1">
+              <a:off x="1640475" y="3054558"/>
+              <a:ext cx="873227" cy="409973"/>
+            </a:xfrm>
+            <a:prstGeom prst="straightConnector1">
+              <a:avLst/>
+            </a:prstGeom>
+            <a:ln w="15875">
+              <a:tailEnd type="triangle"/>
+            </a:ln>
+          </p:spPr>
+          <p:style>
+            <a:lnRef idx="1">
+              <a:schemeClr val="accent1"/>
+            </a:lnRef>
+            <a:fillRef idx="0">
+              <a:schemeClr val="accent1"/>
+            </a:fillRef>
+            <a:effectRef idx="0">
+              <a:schemeClr val="accent1"/>
+            </a:effectRef>
+            <a:fontRef idx="minor">
+              <a:schemeClr val="tx1"/>
+            </a:fontRef>
+          </p:style>
+        </p:cxnSp>
+        <p:cxnSp>
+          <p:nvCxnSpPr>
+            <p:cNvPr id="89" name="Straight Arrow Connector 88">
+              <a:extLst>
+                <a:ext uri="{FF2B5EF4-FFF2-40B4-BE49-F238E27FC236}">
+                  <a16:creationId xmlns:a16="http://schemas.microsoft.com/office/drawing/2014/main" id="{19B8D04A-4C58-9397-0C1F-43F1DF6FAB88}"/>
+                </a:ext>
+              </a:extLst>
+            </p:cNvPr>
+            <p:cNvCxnSpPr>
+              <a:cxnSpLocks/>
+              <a:stCxn id="22" idx="6"/>
+              <a:endCxn id="85" idx="6"/>
+            </p:cNvCxnSpPr>
+            <p:nvPr/>
+          </p:nvCxnSpPr>
+          <p:spPr>
+            <a:xfrm flipV="1">
+              <a:off x="1636656" y="3054558"/>
+              <a:ext cx="877046" cy="109960"/>
+            </a:xfrm>
+            <a:prstGeom prst="straightConnector1">
+              <a:avLst/>
+            </a:prstGeom>
+            <a:ln w="15875">
+              <a:tailEnd type="triangle"/>
+            </a:ln>
+          </p:spPr>
+          <p:style>
+            <a:lnRef idx="1">
+              <a:schemeClr val="accent1"/>
+            </a:lnRef>
+            <a:fillRef idx="0">
+              <a:schemeClr val="accent1"/>
+            </a:fillRef>
+            <a:effectRef idx="0">
+              <a:schemeClr val="accent1"/>
+            </a:effectRef>
+            <a:fontRef idx="minor">
+              <a:schemeClr val="tx1"/>
+            </a:fontRef>
+          </p:style>
+        </p:cxnSp>
+        <p:cxnSp>
+          <p:nvCxnSpPr>
+            <p:cNvPr id="90" name="Straight Arrow Connector 89">
+              <a:extLst>
+                <a:ext uri="{FF2B5EF4-FFF2-40B4-BE49-F238E27FC236}">
+                  <a16:creationId xmlns:a16="http://schemas.microsoft.com/office/drawing/2014/main" id="{D568A27E-5F31-8C9C-47E3-954D29770F0C}"/>
+                </a:ext>
+              </a:extLst>
+            </p:cNvPr>
+            <p:cNvCxnSpPr>
+              <a:cxnSpLocks/>
+              <a:stCxn id="19" idx="6"/>
+              <a:endCxn id="85" idx="6"/>
+            </p:cNvCxnSpPr>
+            <p:nvPr/>
+          </p:nvCxnSpPr>
+          <p:spPr>
+            <a:xfrm>
+              <a:off x="1635219" y="2870708"/>
+              <a:ext cx="878483" cy="183850"/>
+            </a:xfrm>
+            <a:prstGeom prst="straightConnector1">
+              <a:avLst/>
+            </a:prstGeom>
+            <a:ln w="15875">
+              <a:tailEnd type="triangle"/>
+            </a:ln>
+          </p:spPr>
+          <p:style>
+            <a:lnRef idx="1">
+              <a:schemeClr val="accent1"/>
+            </a:lnRef>
+            <a:fillRef idx="0">
+              <a:schemeClr val="accent1"/>
+            </a:fillRef>
+            <a:effectRef idx="0">
+              <a:schemeClr val="accent1"/>
+            </a:effectRef>
+            <a:fontRef idx="minor">
+              <a:schemeClr val="tx1"/>
+            </a:fontRef>
+          </p:style>
+        </p:cxnSp>
+        <p:cxnSp>
+          <p:nvCxnSpPr>
+            <p:cNvPr id="91" name="Straight Arrow Connector 90">
+              <a:extLst>
+                <a:ext uri="{FF2B5EF4-FFF2-40B4-BE49-F238E27FC236}">
+                  <a16:creationId xmlns:a16="http://schemas.microsoft.com/office/drawing/2014/main" id="{CFCC8412-D0BA-FEB6-CF03-6B552627D8D8}"/>
+                </a:ext>
+              </a:extLst>
+            </p:cNvPr>
+            <p:cNvCxnSpPr>
+              <a:cxnSpLocks/>
+              <a:stCxn id="13" idx="6"/>
+              <a:endCxn id="85" idx="6"/>
+            </p:cNvCxnSpPr>
+            <p:nvPr/>
+          </p:nvCxnSpPr>
+          <p:spPr>
+            <a:xfrm>
+              <a:off x="1624709" y="2023703"/>
+              <a:ext cx="888993" cy="1030855"/>
+            </a:xfrm>
+            <a:prstGeom prst="straightConnector1">
+              <a:avLst/>
+            </a:prstGeom>
+            <a:ln w="15875">
+              <a:tailEnd type="triangle"/>
+            </a:ln>
+          </p:spPr>
+          <p:style>
+            <a:lnRef idx="1">
+              <a:schemeClr val="accent1"/>
+            </a:lnRef>
+            <a:fillRef idx="0">
+              <a:schemeClr val="accent1"/>
+            </a:fillRef>
+            <a:effectRef idx="0">
+              <a:schemeClr val="accent1"/>
+            </a:effectRef>
+            <a:fontRef idx="minor">
+              <a:schemeClr val="tx1"/>
+            </a:fontRef>
+          </p:style>
+        </p:cxnSp>
+        <p:sp>
+          <p:nvSpPr>
+            <p:cNvPr id="92" name="Oval 91">
+              <a:extLst>
+                <a:ext uri="{FF2B5EF4-FFF2-40B4-BE49-F238E27FC236}">
+                  <a16:creationId xmlns:a16="http://schemas.microsoft.com/office/drawing/2014/main" id="{D6032458-EB7E-00F2-D8E6-43E723E9082F}"/>
+                </a:ext>
+              </a:extLst>
+            </p:cNvPr>
+            <p:cNvSpPr/>
+            <p:nvPr/>
+          </p:nvSpPr>
+          <p:spPr>
+            <a:xfrm>
+              <a:off x="2379397" y="2925572"/>
+              <a:ext cx="257976" cy="257976"/>
+            </a:xfrm>
+            <a:prstGeom prst="ellipse">
+              <a:avLst/>
+            </a:prstGeom>
+            <a:solidFill>
+              <a:schemeClr val="accent2">
+                <a:lumMod val="75000"/>
+              </a:schemeClr>
+            </a:solidFill>
+          </p:spPr>
+          <p:style>
+            <a:lnRef idx="2">
+              <a:schemeClr val="accent1">
+                <a:shade val="50000"/>
+              </a:schemeClr>
+            </a:lnRef>
+            <a:fillRef idx="1">
+              <a:schemeClr val="accent1"/>
+            </a:fillRef>
+            <a:effectRef idx="0">
+              <a:schemeClr val="accent1"/>
+            </a:effectRef>
+            <a:fontRef idx="minor">
+              <a:schemeClr val="lt1"/>
+            </a:fontRef>
+          </p:style>
+          <p:txBody>
+            <a:bodyPr rtlCol="0" anchor="ctr"/>
+            <a:lstStyle/>
+            <a:p>
+              <a:pPr algn="ctr"/>
+              <a:r>
+                <a:rPr lang="en-ES" sz="2400" dirty="0"/>
+                <a:t>+</a:t>
+              </a:r>
+            </a:p>
+          </p:txBody>
+        </p:sp>
+        <p:cxnSp>
+          <p:nvCxnSpPr>
+            <p:cNvPr id="94" name="Straight Arrow Connector 93">
+              <a:extLst>
+                <a:ext uri="{FF2B5EF4-FFF2-40B4-BE49-F238E27FC236}">
+                  <a16:creationId xmlns:a16="http://schemas.microsoft.com/office/drawing/2014/main" id="{82627553-117E-9DED-4E20-E47B8AB765D1}"/>
+                </a:ext>
+              </a:extLst>
+            </p:cNvPr>
+            <p:cNvCxnSpPr>
+              <a:cxnSpLocks/>
+              <a:stCxn id="92" idx="6"/>
+              <a:endCxn id="167" idx="1"/>
+            </p:cNvCxnSpPr>
+            <p:nvPr/>
+          </p:nvCxnSpPr>
+          <p:spPr>
+            <a:xfrm flipV="1">
+              <a:off x="2637373" y="3054239"/>
+              <a:ext cx="206840" cy="321"/>
+            </a:xfrm>
+            <a:prstGeom prst="straightConnector1">
+              <a:avLst/>
+            </a:prstGeom>
+            <a:ln w="15875">
+              <a:tailEnd type="triangle"/>
+            </a:ln>
+          </p:spPr>
+          <p:style>
+            <a:lnRef idx="1">
+              <a:schemeClr val="accent1"/>
+            </a:lnRef>
+            <a:fillRef idx="0">
+              <a:schemeClr val="accent1"/>
+            </a:fillRef>
+            <a:effectRef idx="0">
+              <a:schemeClr val="accent1"/>
+            </a:effectRef>
+            <a:fontRef idx="minor">
+              <a:schemeClr val="tx1"/>
+            </a:fontRef>
+          </p:style>
+        </p:cxnSp>
+        <p:cxnSp>
+          <p:nvCxnSpPr>
+            <p:cNvPr id="128" name="Straight Arrow Connector 127">
+              <a:extLst>
+                <a:ext uri="{FF2B5EF4-FFF2-40B4-BE49-F238E27FC236}">
+                  <a16:creationId xmlns:a16="http://schemas.microsoft.com/office/drawing/2014/main" id="{7B7977E1-1105-E975-003F-F4FE093D836D}"/>
+                </a:ext>
+              </a:extLst>
+            </p:cNvPr>
+            <p:cNvCxnSpPr>
+              <a:cxnSpLocks/>
+              <a:stCxn id="157" idx="3"/>
+              <a:endCxn id="130" idx="6"/>
+            </p:cNvCxnSpPr>
+            <p:nvPr/>
+          </p:nvCxnSpPr>
+          <p:spPr>
+            <a:xfrm>
+              <a:off x="3203537" y="1523436"/>
+              <a:ext cx="639381" cy="620314"/>
+            </a:xfrm>
+            <a:prstGeom prst="straightConnector1">
+              <a:avLst/>
+            </a:prstGeom>
+            <a:ln w="15875">
+              <a:tailEnd type="triangle"/>
+            </a:ln>
+          </p:spPr>
+          <p:style>
+            <a:lnRef idx="1">
+              <a:schemeClr val="accent1"/>
+            </a:lnRef>
+            <a:fillRef idx="0">
+              <a:schemeClr val="accent1"/>
+            </a:fillRef>
+            <a:effectRef idx="0">
+              <a:schemeClr val="accent1"/>
+            </a:effectRef>
+            <a:fontRef idx="minor">
+              <a:schemeClr val="tx1"/>
+            </a:fontRef>
+          </p:style>
+        </p:cxnSp>
+        <p:sp>
+          <p:nvSpPr>
+            <p:cNvPr id="130" name="Oval 129">
+              <a:extLst>
+                <a:ext uri="{FF2B5EF4-FFF2-40B4-BE49-F238E27FC236}">
+                  <a16:creationId xmlns:a16="http://schemas.microsoft.com/office/drawing/2014/main" id="{5C3EE7B4-2459-FD38-B62F-138D75C604EE}"/>
+                </a:ext>
+              </a:extLst>
+            </p:cNvPr>
+            <p:cNvSpPr/>
+            <p:nvPr/>
+          </p:nvSpPr>
+          <p:spPr>
+            <a:xfrm flipH="1" flipV="1">
+              <a:off x="3842918" y="2107631"/>
+              <a:ext cx="97070" cy="72239"/>
+            </a:xfrm>
+            <a:prstGeom prst="ellipse">
+              <a:avLst/>
+            </a:prstGeom>
+          </p:spPr>
+          <p:style>
+            <a:lnRef idx="2">
+              <a:schemeClr val="accent1">
+                <a:shade val="50000"/>
+              </a:schemeClr>
+            </a:lnRef>
+            <a:fillRef idx="1">
+              <a:schemeClr val="accent1"/>
+            </a:fillRef>
+            <a:effectRef idx="0">
+              <a:schemeClr val="accent1"/>
+            </a:effectRef>
+            <a:fontRef idx="minor">
+              <a:schemeClr val="lt1"/>
+            </a:fontRef>
+          </p:style>
+          <p:txBody>
+            <a:bodyPr rtlCol="0" anchor="ctr"/>
+            <a:lstStyle/>
+            <a:p>
+              <a:pPr algn="ctr"/>
+              <a:endParaRPr lang="en-ES"/>
+            </a:p>
+          </p:txBody>
+        </p:sp>
+        <p:cxnSp>
+          <p:nvCxnSpPr>
+            <p:cNvPr id="132" name="Straight Arrow Connector 131">
+              <a:extLst>
+                <a:ext uri="{FF2B5EF4-FFF2-40B4-BE49-F238E27FC236}">
+                  <a16:creationId xmlns:a16="http://schemas.microsoft.com/office/drawing/2014/main" id="{C8335BD9-B476-F75D-7938-DF43A92844BC}"/>
+                </a:ext>
+              </a:extLst>
+            </p:cNvPr>
+            <p:cNvCxnSpPr>
+              <a:cxnSpLocks/>
+              <a:stCxn id="161" idx="3"/>
+              <a:endCxn id="130" idx="6"/>
+            </p:cNvCxnSpPr>
+            <p:nvPr/>
+          </p:nvCxnSpPr>
+          <p:spPr>
+            <a:xfrm>
+              <a:off x="3187319" y="1932765"/>
+              <a:ext cx="655599" cy="210985"/>
+            </a:xfrm>
+            <a:prstGeom prst="straightConnector1">
+              <a:avLst/>
+            </a:prstGeom>
+            <a:ln w="15875">
+              <a:tailEnd type="triangle"/>
+            </a:ln>
+          </p:spPr>
+          <p:style>
+            <a:lnRef idx="1">
+              <a:schemeClr val="accent1"/>
+            </a:lnRef>
+            <a:fillRef idx="0">
+              <a:schemeClr val="accent1"/>
+            </a:fillRef>
+            <a:effectRef idx="0">
+              <a:schemeClr val="accent1"/>
+            </a:effectRef>
+            <a:fontRef idx="minor">
+              <a:schemeClr val="tx1"/>
+            </a:fontRef>
+          </p:style>
+        </p:cxnSp>
+        <p:cxnSp>
+          <p:nvCxnSpPr>
+            <p:cNvPr id="133" name="Straight Arrow Connector 132">
+              <a:extLst>
+                <a:ext uri="{FF2B5EF4-FFF2-40B4-BE49-F238E27FC236}">
+                  <a16:creationId xmlns:a16="http://schemas.microsoft.com/office/drawing/2014/main" id="{4D5E0F61-CCC6-09C2-BAF9-AB396DC561CA}"/>
+                </a:ext>
+              </a:extLst>
+            </p:cNvPr>
+            <p:cNvCxnSpPr>
+              <a:cxnSpLocks/>
+              <a:stCxn id="164" idx="3"/>
+              <a:endCxn id="130" idx="6"/>
+            </p:cNvCxnSpPr>
+            <p:nvPr/>
+          </p:nvCxnSpPr>
+          <p:spPr>
+            <a:xfrm flipV="1">
+              <a:off x="3175181" y="2143750"/>
+              <a:ext cx="667737" cy="203586"/>
+            </a:xfrm>
+            <a:prstGeom prst="straightConnector1">
+              <a:avLst/>
+            </a:prstGeom>
+            <a:ln w="15875">
+              <a:tailEnd type="triangle"/>
+            </a:ln>
+          </p:spPr>
+          <p:style>
+            <a:lnRef idx="1">
+              <a:schemeClr val="accent1"/>
+            </a:lnRef>
+            <a:fillRef idx="0">
+              <a:schemeClr val="accent1"/>
+            </a:fillRef>
+            <a:effectRef idx="0">
+              <a:schemeClr val="accent1"/>
+            </a:effectRef>
+            <a:fontRef idx="minor">
+              <a:schemeClr val="tx1"/>
+            </a:fontRef>
+          </p:style>
+        </p:cxnSp>
+        <p:cxnSp>
+          <p:nvCxnSpPr>
+            <p:cNvPr id="134" name="Straight Arrow Connector 133">
+              <a:extLst>
+                <a:ext uri="{FF2B5EF4-FFF2-40B4-BE49-F238E27FC236}">
+                  <a16:creationId xmlns:a16="http://schemas.microsoft.com/office/drawing/2014/main" id="{E912D3E4-8CF6-6AB9-813D-E3BDC8AF54A7}"/>
+                </a:ext>
+              </a:extLst>
+            </p:cNvPr>
+            <p:cNvCxnSpPr>
+              <a:cxnSpLocks/>
+              <a:stCxn id="167" idx="3"/>
+              <a:endCxn id="130" idx="6"/>
+            </p:cNvCxnSpPr>
+            <p:nvPr/>
+          </p:nvCxnSpPr>
+          <p:spPr>
+            <a:xfrm flipV="1">
+              <a:off x="3175180" y="2143750"/>
+              <a:ext cx="667738" cy="910489"/>
+            </a:xfrm>
+            <a:prstGeom prst="straightConnector1">
+              <a:avLst/>
+            </a:prstGeom>
+            <a:ln w="15875">
+              <a:tailEnd type="triangle"/>
+            </a:ln>
+          </p:spPr>
+          <p:style>
+            <a:lnRef idx="1">
+              <a:schemeClr val="accent1"/>
+            </a:lnRef>
+            <a:fillRef idx="0">
+              <a:schemeClr val="accent1"/>
+            </a:fillRef>
+            <a:effectRef idx="0">
+              <a:schemeClr val="accent1"/>
+            </a:effectRef>
+            <a:fontRef idx="minor">
+              <a:schemeClr val="tx1"/>
+            </a:fontRef>
+          </p:style>
+        </p:cxnSp>
+        <p:cxnSp>
+          <p:nvCxnSpPr>
+            <p:cNvPr id="135" name="Straight Arrow Connector 134">
+              <a:extLst>
+                <a:ext uri="{FF2B5EF4-FFF2-40B4-BE49-F238E27FC236}">
+                  <a16:creationId xmlns:a16="http://schemas.microsoft.com/office/drawing/2014/main" id="{C9AE9073-E31C-973B-0749-90C6A8033C32}"/>
+                </a:ext>
+              </a:extLst>
+            </p:cNvPr>
+            <p:cNvCxnSpPr>
+              <a:cxnSpLocks/>
+              <a:stCxn id="177" idx="6"/>
+              <a:endCxn id="203" idx="1"/>
+            </p:cNvCxnSpPr>
+            <p:nvPr/>
+          </p:nvCxnSpPr>
+          <p:spPr>
+            <a:xfrm flipV="1">
+              <a:off x="3949435" y="2154007"/>
+              <a:ext cx="259517" cy="1742"/>
+            </a:xfrm>
+            <a:prstGeom prst="straightConnector1">
+              <a:avLst/>
+            </a:prstGeom>
+            <a:ln w="15875">
+              <a:tailEnd type="triangle"/>
+            </a:ln>
+          </p:spPr>
+          <p:style>
+            <a:lnRef idx="1">
+              <a:schemeClr val="accent1"/>
+            </a:lnRef>
+            <a:fillRef idx="0">
+              <a:schemeClr val="accent1"/>
+            </a:fillRef>
+            <a:effectRef idx="0">
+              <a:schemeClr val="accent1"/>
+            </a:effectRef>
+            <a:fontRef idx="minor">
+              <a:schemeClr val="tx1"/>
+            </a:fontRef>
+          </p:style>
+        </p:cxnSp>
+        <p:grpSp>
+          <p:nvGrpSpPr>
+            <p:cNvPr id="147" name="Group 146">
+              <a:extLst>
+                <a:ext uri="{FF2B5EF4-FFF2-40B4-BE49-F238E27FC236}">
+                  <a16:creationId xmlns:a16="http://schemas.microsoft.com/office/drawing/2014/main" id="{A1E81555-0359-8F48-8D1A-28C1B19E8FD6}"/>
+                </a:ext>
+              </a:extLst>
+            </p:cNvPr>
+            <p:cNvGrpSpPr/>
+            <p:nvPr/>
+          </p:nvGrpSpPr>
+          <p:grpSpPr>
+            <a:xfrm>
+              <a:off x="2872570" y="1345688"/>
+              <a:ext cx="330967" cy="355496"/>
+              <a:chOff x="2792891" y="3625416"/>
+              <a:chExt cx="658796" cy="598086"/>
+            </a:xfrm>
+          </p:grpSpPr>
+          <p:sp>
+            <p:nvSpPr>
+              <p:cNvPr id="157" name="Rectangle 156">
+                <a:extLst>
+                  <a:ext uri="{FF2B5EF4-FFF2-40B4-BE49-F238E27FC236}">
+                    <a16:creationId xmlns:a16="http://schemas.microsoft.com/office/drawing/2014/main" id="{A0048291-913D-9A2F-000B-1B457684B9AE}"/>
+                  </a:ext>
+                </a:extLst>
+              </p:cNvPr>
+              <p:cNvSpPr/>
+              <p:nvPr/>
+            </p:nvSpPr>
+            <p:spPr>
+              <a:xfrm>
+                <a:off x="2792891" y="3625416"/>
+                <a:ext cx="658796" cy="598086"/>
+              </a:xfrm>
+              <a:prstGeom prst="rect">
+                <a:avLst/>
+              </a:prstGeom>
+              <a:solidFill>
+                <a:schemeClr val="accent6">
+                  <a:lumMod val="75000"/>
+                </a:schemeClr>
+              </a:solidFill>
+            </p:spPr>
+            <p:style>
+              <a:lnRef idx="2">
+                <a:schemeClr val="accent1">
+                  <a:shade val="50000"/>
+                </a:schemeClr>
+              </a:lnRef>
+              <a:fillRef idx="1">
+                <a:schemeClr val="accent1"/>
+              </a:fillRef>
+              <a:effectRef idx="0">
+                <a:schemeClr val="accent1"/>
+              </a:effectRef>
+              <a:fontRef idx="minor">
+                <a:schemeClr val="lt1"/>
+              </a:fontRef>
+            </p:style>
+            <p:txBody>
+              <a:bodyPr rtlCol="0" anchor="ctr"/>
+              <a:lstStyle/>
+              <a:p>
+                <a:pPr algn="ctr"/>
+                <a:endParaRPr lang="en-ES"/>
+              </a:p>
+            </p:txBody>
+          </p:sp>
+          <p:sp>
+            <p:nvSpPr>
+              <p:cNvPr id="158" name="Freeform 157">
+                <a:extLst>
+                  <a:ext uri="{FF2B5EF4-FFF2-40B4-BE49-F238E27FC236}">
+                    <a16:creationId xmlns:a16="http://schemas.microsoft.com/office/drawing/2014/main" id="{80AB1BA4-FAF5-C16D-493D-8564517BBBFF}"/>
+                  </a:ext>
+                </a:extLst>
+              </p:cNvPr>
+              <p:cNvSpPr/>
+              <p:nvPr/>
+            </p:nvSpPr>
+            <p:spPr>
+              <a:xfrm>
+                <a:off x="2872982" y="3680032"/>
+                <a:ext cx="480821" cy="487417"/>
+              </a:xfrm>
+              <a:custGeom>
+                <a:avLst/>
+                <a:gdLst>
+                  <a:gd name="connsiteX0" fmla="*/ 0 w 714703"/>
+                  <a:gd name="connsiteY0" fmla="*/ 420414 h 427514"/>
+                  <a:gd name="connsiteX1" fmla="*/ 304800 w 714703"/>
+                  <a:gd name="connsiteY1" fmla="*/ 378372 h 427514"/>
+                  <a:gd name="connsiteX2" fmla="*/ 493986 w 714703"/>
+                  <a:gd name="connsiteY2" fmla="*/ 52552 h 427514"/>
+                  <a:gd name="connsiteX3" fmla="*/ 714703 w 714703"/>
+                  <a:gd name="connsiteY3" fmla="*/ 0 h 427514"/>
+                  <a:gd name="connsiteX0" fmla="*/ 0 w 731719"/>
+                  <a:gd name="connsiteY0" fmla="*/ 472966 h 474566"/>
+                  <a:gd name="connsiteX1" fmla="*/ 321816 w 731719"/>
+                  <a:gd name="connsiteY1" fmla="*/ 378372 h 474566"/>
+                  <a:gd name="connsiteX2" fmla="*/ 511002 w 731719"/>
+                  <a:gd name="connsiteY2" fmla="*/ 52552 h 474566"/>
+                  <a:gd name="connsiteX3" fmla="*/ 731719 w 731719"/>
+                  <a:gd name="connsiteY3" fmla="*/ 0 h 474566"/>
+                  <a:gd name="connsiteX0" fmla="*/ 0 w 778471"/>
+                  <a:gd name="connsiteY0" fmla="*/ 485800 h 487400"/>
+                  <a:gd name="connsiteX1" fmla="*/ 321816 w 778471"/>
+                  <a:gd name="connsiteY1" fmla="*/ 391206 h 487400"/>
+                  <a:gd name="connsiteX2" fmla="*/ 511002 w 778471"/>
+                  <a:gd name="connsiteY2" fmla="*/ 65386 h 487400"/>
+                  <a:gd name="connsiteX3" fmla="*/ 778471 w 778471"/>
+                  <a:gd name="connsiteY3" fmla="*/ 0 h 487400"/>
+                  <a:gd name="connsiteX0" fmla="*/ 0 w 778471"/>
+                  <a:gd name="connsiteY0" fmla="*/ 485800 h 487239"/>
+                  <a:gd name="connsiteX1" fmla="*/ 321816 w 778471"/>
+                  <a:gd name="connsiteY1" fmla="*/ 391206 h 487239"/>
+                  <a:gd name="connsiteX2" fmla="*/ 459056 w 778471"/>
+                  <a:gd name="connsiteY2" fmla="*/ 97470 h 487239"/>
+                  <a:gd name="connsiteX3" fmla="*/ 778471 w 778471"/>
+                  <a:gd name="connsiteY3" fmla="*/ 0 h 487239"/>
+                  <a:gd name="connsiteX0" fmla="*/ 0 w 778471"/>
+                  <a:gd name="connsiteY0" fmla="*/ 485800 h 487332"/>
+                  <a:gd name="connsiteX1" fmla="*/ 321816 w 778471"/>
+                  <a:gd name="connsiteY1" fmla="*/ 391206 h 487332"/>
+                  <a:gd name="connsiteX2" fmla="*/ 469445 w 778471"/>
+                  <a:gd name="connsiteY2" fmla="*/ 78219 h 487332"/>
+                  <a:gd name="connsiteX3" fmla="*/ 778471 w 778471"/>
+                  <a:gd name="connsiteY3" fmla="*/ 0 h 487332"/>
+                  <a:gd name="connsiteX0" fmla="*/ 0 w 778471"/>
+                  <a:gd name="connsiteY0" fmla="*/ 485800 h 487417"/>
+                  <a:gd name="connsiteX1" fmla="*/ 321816 w 778471"/>
+                  <a:gd name="connsiteY1" fmla="*/ 391206 h 487417"/>
+                  <a:gd name="connsiteX2" fmla="*/ 490223 w 778471"/>
+                  <a:gd name="connsiteY2" fmla="*/ 62177 h 487417"/>
+                  <a:gd name="connsiteX3" fmla="*/ 778471 w 778471"/>
+                  <a:gd name="connsiteY3" fmla="*/ 0 h 487417"/>
+                </a:gdLst>
+                <a:ahLst/>
+                <a:cxnLst>
+                  <a:cxn ang="0">
+                    <a:pos x="connsiteX0" y="connsiteY0"/>
+                  </a:cxn>
+                  <a:cxn ang="0">
+                    <a:pos x="connsiteX1" y="connsiteY1"/>
+                  </a:cxn>
+                  <a:cxn ang="0">
+                    <a:pos x="connsiteX2" y="connsiteY2"/>
+                  </a:cxn>
+                  <a:cxn ang="0">
+                    <a:pos x="connsiteX3" y="connsiteY3"/>
+                  </a:cxn>
+                </a:cxnLst>
+                <a:rect l="l" t="t" r="r" b="b"/>
+                <a:pathLst>
+                  <a:path w="778471" h="487417">
+                    <a:moveTo>
+                      <a:pt x="0" y="485800"/>
+                    </a:moveTo>
+                    <a:cubicBezTo>
+                      <a:pt x="111234" y="495434"/>
+                      <a:pt x="240112" y="461810"/>
+                      <a:pt x="321816" y="391206"/>
+                    </a:cubicBezTo>
+                    <a:cubicBezTo>
+                      <a:pt x="403520" y="320602"/>
+                      <a:pt x="421906" y="125239"/>
+                      <a:pt x="490223" y="62177"/>
+                    </a:cubicBezTo>
+                    <a:cubicBezTo>
+                      <a:pt x="558540" y="-885"/>
+                      <a:pt x="731175" y="10510"/>
+                      <a:pt x="778471" y="0"/>
+                    </a:cubicBezTo>
+                  </a:path>
+                </a:pathLst>
+              </a:custGeom>
+              <a:noFill/>
+              <a:ln w="19050">
+                <a:solidFill>
+                  <a:schemeClr val="bg1"/>
+                </a:solidFill>
+              </a:ln>
+            </p:spPr>
+            <p:style>
+              <a:lnRef idx="2">
+                <a:schemeClr val="accent1">
+                  <a:shade val="50000"/>
+                </a:schemeClr>
+              </a:lnRef>
+              <a:fillRef idx="1">
+                <a:schemeClr val="accent1"/>
+              </a:fillRef>
+              <a:effectRef idx="0">
+                <a:schemeClr val="accent1"/>
+              </a:effectRef>
+              <a:fontRef idx="minor">
+                <a:schemeClr val="lt1"/>
+              </a:fontRef>
+            </p:style>
+            <p:txBody>
+              <a:bodyPr rtlCol="0" anchor="ctr"/>
+              <a:lstStyle/>
+              <a:p>
+                <a:pPr algn="ctr"/>
+                <a:endParaRPr lang="en-ES" dirty="0"/>
+              </a:p>
+            </p:txBody>
+          </p:sp>
+        </p:grpSp>
+        <p:grpSp>
+          <p:nvGrpSpPr>
+            <p:cNvPr id="149" name="Group 148">
+              <a:extLst>
+                <a:ext uri="{FF2B5EF4-FFF2-40B4-BE49-F238E27FC236}">
+                  <a16:creationId xmlns:a16="http://schemas.microsoft.com/office/drawing/2014/main" id="{DE79B129-055E-EE86-CD05-6987C06432A1}"/>
+                </a:ext>
+              </a:extLst>
+            </p:cNvPr>
+            <p:cNvGrpSpPr/>
+            <p:nvPr/>
+          </p:nvGrpSpPr>
+          <p:grpSpPr>
+            <a:xfrm>
+              <a:off x="5062320" y="1881386"/>
+              <a:ext cx="522292" cy="561000"/>
+              <a:chOff x="3871140" y="2710751"/>
+              <a:chExt cx="522292" cy="561000"/>
+            </a:xfrm>
+          </p:grpSpPr>
+          <p:sp>
+            <p:nvSpPr>
+              <p:cNvPr id="155" name="Rectangle 154">
+                <a:extLst>
+                  <a:ext uri="{FF2B5EF4-FFF2-40B4-BE49-F238E27FC236}">
+                    <a16:creationId xmlns:a16="http://schemas.microsoft.com/office/drawing/2014/main" id="{2CABBA3B-0727-BEE4-7B38-FC5E3BC0791C}"/>
+                  </a:ext>
+                </a:extLst>
+              </p:cNvPr>
+              <p:cNvSpPr/>
+              <p:nvPr/>
+            </p:nvSpPr>
+            <p:spPr>
+              <a:xfrm>
+                <a:off x="3871140" y="2710751"/>
+                <a:ext cx="522292" cy="561000"/>
+              </a:xfrm>
+              <a:prstGeom prst="rect">
+                <a:avLst/>
+              </a:prstGeom>
+              <a:solidFill>
+                <a:schemeClr val="accent6">
+                  <a:lumMod val="75000"/>
+                </a:schemeClr>
+              </a:solidFill>
+            </p:spPr>
+            <p:style>
+              <a:lnRef idx="2">
+                <a:schemeClr val="accent1">
+                  <a:shade val="50000"/>
+                </a:schemeClr>
+              </a:lnRef>
+              <a:fillRef idx="1">
+                <a:schemeClr val="accent1"/>
+              </a:fillRef>
+              <a:effectRef idx="0">
+                <a:schemeClr val="accent1"/>
+              </a:effectRef>
+              <a:fontRef idx="minor">
+                <a:schemeClr val="lt1"/>
+              </a:fontRef>
+            </p:style>
+            <p:txBody>
+              <a:bodyPr rtlCol="0" anchor="ctr"/>
+              <a:lstStyle/>
+              <a:p>
+                <a:pPr algn="ctr"/>
+                <a:endParaRPr lang="en-ES"/>
+              </a:p>
+            </p:txBody>
+          </p:sp>
+          <p:sp>
+            <p:nvSpPr>
+              <p:cNvPr id="156" name="Freeform 155">
+                <a:extLst>
+                  <a:ext uri="{FF2B5EF4-FFF2-40B4-BE49-F238E27FC236}">
+                    <a16:creationId xmlns:a16="http://schemas.microsoft.com/office/drawing/2014/main" id="{C63E57CE-2D7F-21DE-ACFB-0975561075D5}"/>
+                  </a:ext>
+                </a:extLst>
+              </p:cNvPr>
+              <p:cNvSpPr/>
+              <p:nvPr/>
+            </p:nvSpPr>
+            <p:spPr>
+              <a:xfrm>
+                <a:off x="3928532" y="2760136"/>
+                <a:ext cx="396240" cy="450427"/>
+              </a:xfrm>
+              <a:custGeom>
+                <a:avLst/>
+                <a:gdLst>
+                  <a:gd name="connsiteX0" fmla="*/ 0 w 396240"/>
+                  <a:gd name="connsiteY0" fmla="*/ 450427 h 450427"/>
+                  <a:gd name="connsiteX1" fmla="*/ 193040 w 396240"/>
+                  <a:gd name="connsiteY1" fmla="*/ 447040 h 450427"/>
+                  <a:gd name="connsiteX2" fmla="*/ 196426 w 396240"/>
+                  <a:gd name="connsiteY2" fmla="*/ 3387 h 450427"/>
+                  <a:gd name="connsiteX3" fmla="*/ 396240 w 396240"/>
+                  <a:gd name="connsiteY3" fmla="*/ 0 h 450427"/>
+                </a:gdLst>
+                <a:ahLst/>
+                <a:cxnLst>
+                  <a:cxn ang="0">
+                    <a:pos x="connsiteX0" y="connsiteY0"/>
+                  </a:cxn>
+                  <a:cxn ang="0">
+                    <a:pos x="connsiteX1" y="connsiteY1"/>
+                  </a:cxn>
+                  <a:cxn ang="0">
+                    <a:pos x="connsiteX2" y="connsiteY2"/>
+                  </a:cxn>
+                  <a:cxn ang="0">
+                    <a:pos x="connsiteX3" y="connsiteY3"/>
+                  </a:cxn>
+                </a:cxnLst>
+                <a:rect l="l" t="t" r="r" b="b"/>
+                <a:pathLst>
+                  <a:path w="396240" h="450427">
+                    <a:moveTo>
+                      <a:pt x="0" y="450427"/>
+                    </a:moveTo>
+                    <a:lnTo>
+                      <a:pt x="193040" y="447040"/>
+                    </a:lnTo>
+                    <a:cubicBezTo>
+                      <a:pt x="194169" y="299156"/>
+                      <a:pt x="195297" y="151271"/>
+                      <a:pt x="196426" y="3387"/>
+                    </a:cubicBezTo>
+                    <a:lnTo>
+                      <a:pt x="396240" y="0"/>
+                    </a:lnTo>
+                  </a:path>
+                </a:pathLst>
+              </a:custGeom>
+              <a:noFill/>
+              <a:ln w="19050">
+                <a:solidFill>
+                  <a:schemeClr val="bg1"/>
+                </a:solidFill>
+              </a:ln>
+            </p:spPr>
+            <p:style>
+              <a:lnRef idx="2">
+                <a:schemeClr val="accent1">
+                  <a:shade val="50000"/>
+                </a:schemeClr>
+              </a:lnRef>
+              <a:fillRef idx="1">
+                <a:schemeClr val="accent1"/>
+              </a:fillRef>
+              <a:effectRef idx="0">
+                <a:schemeClr val="accent1"/>
+              </a:effectRef>
+              <a:fontRef idx="minor">
+                <a:schemeClr val="lt1"/>
+              </a:fontRef>
+            </p:style>
+            <p:txBody>
+              <a:bodyPr rtlCol="0" anchor="ctr"/>
+              <a:lstStyle/>
+              <a:p>
+                <a:pPr algn="ctr"/>
+                <a:endParaRPr lang="en-ES"/>
+              </a:p>
+            </p:txBody>
+          </p:sp>
+        </p:grpSp>
+        <p:sp>
+          <p:nvSpPr>
+            <p:cNvPr id="151" name="TextBox 150">
+              <a:extLst>
+                <a:ext uri="{FF2B5EF4-FFF2-40B4-BE49-F238E27FC236}">
+                  <a16:creationId xmlns:a16="http://schemas.microsoft.com/office/drawing/2014/main" id="{55C8B803-0148-890F-7123-13375D597C62}"/>
+                </a:ext>
+              </a:extLst>
+            </p:cNvPr>
+            <p:cNvSpPr txBox="1"/>
+            <p:nvPr/>
+          </p:nvSpPr>
+          <p:spPr>
+            <a:xfrm>
+              <a:off x="3924745" y="1808456"/>
+              <a:ext cx="300082" cy="369332"/>
+            </a:xfrm>
+            <a:prstGeom prst="rect">
+              <a:avLst/>
+            </a:prstGeom>
+            <a:noFill/>
+          </p:spPr>
+          <p:txBody>
+            <a:bodyPr wrap="none" rtlCol="0">
+              <a:spAutoFit/>
+            </a:bodyPr>
+            <a:lstStyle/>
+            <a:p>
+              <a:r>
+                <a:rPr lang="en-ES" i="1" dirty="0">
+                  <a:latin typeface="Times New Roman" panose="02020603050405020304" pitchFamily="18" charset="0"/>
+                  <a:cs typeface="Times New Roman" panose="02020603050405020304" pitchFamily="18" charset="0"/>
+                </a:rPr>
+                <a:t>o</a:t>
+              </a:r>
+              <a:endParaRPr lang="en-ES" baseline="-25000" dirty="0">
+                <a:latin typeface="Times New Roman" panose="02020603050405020304" pitchFamily="18" charset="0"/>
+                <a:cs typeface="Times New Roman" panose="02020603050405020304" pitchFamily="18" charset="0"/>
+              </a:endParaRPr>
+            </a:p>
+          </p:txBody>
+        </p:sp>
+        <p:sp>
+          <p:nvSpPr>
+            <p:cNvPr id="152" name="TextBox 151">
+              <a:extLst>
+                <a:ext uri="{FF2B5EF4-FFF2-40B4-BE49-F238E27FC236}">
+                  <a16:creationId xmlns:a16="http://schemas.microsoft.com/office/drawing/2014/main" id="{28CF6DF8-9576-0B5A-2490-77FB76643219}"/>
+                </a:ext>
+              </a:extLst>
+            </p:cNvPr>
+            <p:cNvSpPr txBox="1"/>
+            <p:nvPr/>
+          </p:nvSpPr>
+          <p:spPr>
+            <a:xfrm>
+              <a:off x="4658655" y="1796565"/>
+              <a:ext cx="300082" cy="369332"/>
+            </a:xfrm>
+            <a:prstGeom prst="rect">
+              <a:avLst/>
+            </a:prstGeom>
+            <a:noFill/>
+          </p:spPr>
+          <p:txBody>
+            <a:bodyPr wrap="none" rtlCol="0">
+              <a:spAutoFit/>
+            </a:bodyPr>
+            <a:lstStyle/>
+            <a:p>
+              <a:r>
+                <a:rPr lang="en-ES" i="1" dirty="0">
+                  <a:latin typeface="Times New Roman" panose="02020603050405020304" pitchFamily="18" charset="0"/>
+                  <a:cs typeface="Times New Roman" panose="02020603050405020304" pitchFamily="18" charset="0"/>
+                </a:rPr>
+                <a:t>q</a:t>
+              </a:r>
+              <a:endParaRPr lang="en-ES" baseline="-25000" dirty="0">
+                <a:latin typeface="Times New Roman" panose="02020603050405020304" pitchFamily="18" charset="0"/>
+                <a:cs typeface="Times New Roman" panose="02020603050405020304" pitchFamily="18" charset="0"/>
+              </a:endParaRPr>
+            </a:p>
+          </p:txBody>
+        </p:sp>
+        <p:cxnSp>
+          <p:nvCxnSpPr>
+            <p:cNvPr id="153" name="Straight Arrow Connector 152">
+              <a:extLst>
+                <a:ext uri="{FF2B5EF4-FFF2-40B4-BE49-F238E27FC236}">
+                  <a16:creationId xmlns:a16="http://schemas.microsoft.com/office/drawing/2014/main" id="{ADA74143-C298-D147-E67C-0665C6B37170}"/>
+                </a:ext>
+              </a:extLst>
+            </p:cNvPr>
+            <p:cNvCxnSpPr>
+              <a:cxnSpLocks/>
+              <a:stCxn id="155" idx="3"/>
+              <a:endCxn id="154" idx="1"/>
+            </p:cNvCxnSpPr>
+            <p:nvPr/>
+          </p:nvCxnSpPr>
+          <p:spPr>
+            <a:xfrm>
+              <a:off x="5584612" y="2161886"/>
+              <a:ext cx="311877" cy="13816"/>
+            </a:xfrm>
+            <a:prstGeom prst="straightConnector1">
+              <a:avLst/>
+            </a:prstGeom>
+            <a:ln w="15875">
+              <a:tailEnd type="triangle"/>
+            </a:ln>
+          </p:spPr>
+          <p:style>
+            <a:lnRef idx="1">
+              <a:schemeClr val="accent1"/>
+            </a:lnRef>
+            <a:fillRef idx="0">
+              <a:schemeClr val="accent1"/>
+            </a:fillRef>
+            <a:effectRef idx="0">
+              <a:schemeClr val="accent1"/>
+            </a:effectRef>
+            <a:fontRef idx="minor">
+              <a:schemeClr val="tx1"/>
+            </a:fontRef>
+          </p:style>
+        </p:cxnSp>
+        <mc:AlternateContent xmlns:mc="http://schemas.openxmlformats.org/markup-compatibility/2006">
+          <mc:Choice xmlns:a14="http://schemas.microsoft.com/office/drawing/2010/main" Requires="a14">
+            <p:sp>
+              <p:nvSpPr>
+                <p:cNvPr id="154" name="TextBox 153">
+                  <a:extLst>
+                    <a:ext uri="{FF2B5EF4-FFF2-40B4-BE49-F238E27FC236}">
+                      <a16:creationId xmlns:a16="http://schemas.microsoft.com/office/drawing/2014/main" id="{40895510-1202-66DB-C5A5-A2D385602F4C}"/>
+                    </a:ext>
+                  </a:extLst>
+                </p:cNvPr>
+                <p:cNvSpPr txBox="1"/>
+                <p:nvPr/>
+              </p:nvSpPr>
+              <p:spPr>
+                <a:xfrm>
+                  <a:off x="5896489" y="2037202"/>
+                  <a:ext cx="186718" cy="276999"/>
+                </a:xfrm>
+                <a:prstGeom prst="rect">
+                  <a:avLst/>
+                </a:prstGeom>
+                <a:noFill/>
+              </p:spPr>
+              <p:txBody>
+                <a:bodyPr wrap="none" lIns="0" tIns="0" rIns="0" bIns="0" rtlCol="0">
+                  <a:spAutoFit/>
+                </a:bodyPr>
+                <a:lstStyle/>
+                <a:p>
+                  <a14:m>
+                    <m:oMathPara xmlns:m="http://schemas.openxmlformats.org/officeDocument/2006/math">
+                      <m:oMathParaPr>
+                        <m:jc m:val="centerGroup"/>
+                      </m:oMathParaPr>
+                      <m:oMath xmlns:m="http://schemas.openxmlformats.org/officeDocument/2006/math">
+                        <m:acc>
+                          <m:accPr>
+                            <m:chr m:val="̂"/>
+                            <m:ctrlPr>
+                              <a:rPr lang="en-GB" i="1" smtClean="0">
+                                <a:latin typeface="Cambria Math" panose="02040503050406030204" pitchFamily="18" charset="0"/>
+                              </a:rPr>
+                            </m:ctrlPr>
+                          </m:accPr>
+                          <m:e>
+                            <m:r>
+                              <a:rPr lang="es-ES" b="0" i="1" smtClean="0">
+                                <a:latin typeface="Cambria Math" panose="02040503050406030204" pitchFamily="18" charset="0"/>
+                              </a:rPr>
+                              <m:t>𝑦</m:t>
+                            </m:r>
+                          </m:e>
+                        </m:acc>
+                      </m:oMath>
+                    </m:oMathPara>
+                  </a14:m>
+                  <a:endParaRPr lang="en-ES" dirty="0"/>
+                </a:p>
+              </p:txBody>
+            </p:sp>
+          </mc:Choice>
+          <mc:Fallback>
+            <p:sp>
+              <p:nvSpPr>
+                <p:cNvPr id="154" name="TextBox 153">
+                  <a:extLst>
+                    <a:ext uri="{FF2B5EF4-FFF2-40B4-BE49-F238E27FC236}">
+                      <a16:creationId xmlns:a16="http://schemas.microsoft.com/office/drawing/2014/main" id="{40895510-1202-66DB-C5A5-A2D385602F4C}"/>
+                    </a:ext>
+                  </a:extLst>
+                </p:cNvPr>
+                <p:cNvSpPr txBox="1">
+                  <a:spLocks noRot="1" noChangeAspect="1" noMove="1" noResize="1" noEditPoints="1" noAdjustHandles="1" noChangeArrowheads="1" noChangeShapeType="1" noTextEdit="1"/>
+                </p:cNvSpPr>
+                <p:nvPr/>
+              </p:nvSpPr>
+              <p:spPr>
+                <a:xfrm>
+                  <a:off x="5896489" y="2037202"/>
+                  <a:ext cx="186718" cy="276999"/>
+                </a:xfrm>
+                <a:prstGeom prst="rect">
+                  <a:avLst/>
+                </a:prstGeom>
+                <a:blipFill>
+                  <a:blip r:embed="rId2"/>
+                  <a:stretch>
+                    <a:fillRect l="-31250" t="-17391" r="-25000" b="-26087"/>
+                  </a:stretch>
+                </a:blipFill>
+              </p:spPr>
+              <p:txBody>
+                <a:bodyPr/>
+                <a:lstStyle/>
+                <a:p>
+                  <a:r>
+                    <a:rPr lang="en-ES">
+                      <a:noFill/>
+                    </a:rPr>
+                    <a:t> </a:t>
+                  </a:r>
+                </a:p>
+              </p:txBody>
+            </p:sp>
+          </mc:Fallback>
+        </mc:AlternateContent>
+        <p:grpSp>
+          <p:nvGrpSpPr>
+            <p:cNvPr id="160" name="Group 159">
+              <a:extLst>
+                <a:ext uri="{FF2B5EF4-FFF2-40B4-BE49-F238E27FC236}">
+                  <a16:creationId xmlns:a16="http://schemas.microsoft.com/office/drawing/2014/main" id="{AD1B80DC-A573-0859-FE5A-018030B43919}"/>
+                </a:ext>
+              </a:extLst>
+            </p:cNvPr>
+            <p:cNvGrpSpPr/>
+            <p:nvPr/>
+          </p:nvGrpSpPr>
+          <p:grpSpPr>
+            <a:xfrm>
+              <a:off x="2856352" y="1755017"/>
+              <a:ext cx="330967" cy="355496"/>
+              <a:chOff x="2792891" y="3625416"/>
+              <a:chExt cx="658796" cy="598086"/>
+            </a:xfrm>
+          </p:grpSpPr>
+          <p:sp>
+            <p:nvSpPr>
+              <p:cNvPr id="161" name="Rectangle 160">
+                <a:extLst>
+                  <a:ext uri="{FF2B5EF4-FFF2-40B4-BE49-F238E27FC236}">
+                    <a16:creationId xmlns:a16="http://schemas.microsoft.com/office/drawing/2014/main" id="{8BCC049E-DB20-301F-23F3-389836FDB56C}"/>
+                  </a:ext>
+                </a:extLst>
+              </p:cNvPr>
+              <p:cNvSpPr/>
+              <p:nvPr/>
+            </p:nvSpPr>
+            <p:spPr>
+              <a:xfrm>
+                <a:off x="2792891" y="3625416"/>
+                <a:ext cx="658796" cy="598086"/>
+              </a:xfrm>
+              <a:prstGeom prst="rect">
+                <a:avLst/>
+              </a:prstGeom>
+              <a:solidFill>
+                <a:schemeClr val="accent6">
+                  <a:lumMod val="75000"/>
+                </a:schemeClr>
+              </a:solidFill>
+            </p:spPr>
+            <p:style>
+              <a:lnRef idx="2">
+                <a:schemeClr val="accent1">
+                  <a:shade val="50000"/>
+                </a:schemeClr>
+              </a:lnRef>
+              <a:fillRef idx="1">
+                <a:schemeClr val="accent1"/>
+              </a:fillRef>
+              <a:effectRef idx="0">
+                <a:schemeClr val="accent1"/>
+              </a:effectRef>
+              <a:fontRef idx="minor">
+                <a:schemeClr val="lt1"/>
+              </a:fontRef>
+            </p:style>
+            <p:txBody>
+              <a:bodyPr rtlCol="0" anchor="ctr"/>
+              <a:lstStyle/>
+              <a:p>
+                <a:pPr algn="ctr"/>
+                <a:endParaRPr lang="en-ES"/>
+              </a:p>
+            </p:txBody>
+          </p:sp>
+          <p:sp>
+            <p:nvSpPr>
+              <p:cNvPr id="162" name="Freeform 161">
+                <a:extLst>
+                  <a:ext uri="{FF2B5EF4-FFF2-40B4-BE49-F238E27FC236}">
+                    <a16:creationId xmlns:a16="http://schemas.microsoft.com/office/drawing/2014/main" id="{E3B956C3-50C0-EA44-3E88-E815652FBF8C}"/>
+                  </a:ext>
+                </a:extLst>
+              </p:cNvPr>
+              <p:cNvSpPr/>
+              <p:nvPr/>
+            </p:nvSpPr>
+            <p:spPr>
+              <a:xfrm>
+                <a:off x="2872982" y="3680032"/>
+                <a:ext cx="480821" cy="487417"/>
+              </a:xfrm>
+              <a:custGeom>
+                <a:avLst/>
+                <a:gdLst>
+                  <a:gd name="connsiteX0" fmla="*/ 0 w 714703"/>
+                  <a:gd name="connsiteY0" fmla="*/ 420414 h 427514"/>
+                  <a:gd name="connsiteX1" fmla="*/ 304800 w 714703"/>
+                  <a:gd name="connsiteY1" fmla="*/ 378372 h 427514"/>
+                  <a:gd name="connsiteX2" fmla="*/ 493986 w 714703"/>
+                  <a:gd name="connsiteY2" fmla="*/ 52552 h 427514"/>
+                  <a:gd name="connsiteX3" fmla="*/ 714703 w 714703"/>
+                  <a:gd name="connsiteY3" fmla="*/ 0 h 427514"/>
+                  <a:gd name="connsiteX0" fmla="*/ 0 w 731719"/>
+                  <a:gd name="connsiteY0" fmla="*/ 472966 h 474566"/>
+                  <a:gd name="connsiteX1" fmla="*/ 321816 w 731719"/>
+                  <a:gd name="connsiteY1" fmla="*/ 378372 h 474566"/>
+                  <a:gd name="connsiteX2" fmla="*/ 511002 w 731719"/>
+                  <a:gd name="connsiteY2" fmla="*/ 52552 h 474566"/>
+                  <a:gd name="connsiteX3" fmla="*/ 731719 w 731719"/>
+                  <a:gd name="connsiteY3" fmla="*/ 0 h 474566"/>
+                  <a:gd name="connsiteX0" fmla="*/ 0 w 778471"/>
+                  <a:gd name="connsiteY0" fmla="*/ 485800 h 487400"/>
+                  <a:gd name="connsiteX1" fmla="*/ 321816 w 778471"/>
+                  <a:gd name="connsiteY1" fmla="*/ 391206 h 487400"/>
+                  <a:gd name="connsiteX2" fmla="*/ 511002 w 778471"/>
+                  <a:gd name="connsiteY2" fmla="*/ 65386 h 487400"/>
+                  <a:gd name="connsiteX3" fmla="*/ 778471 w 778471"/>
+                  <a:gd name="connsiteY3" fmla="*/ 0 h 487400"/>
+                  <a:gd name="connsiteX0" fmla="*/ 0 w 778471"/>
+                  <a:gd name="connsiteY0" fmla="*/ 485800 h 487239"/>
+                  <a:gd name="connsiteX1" fmla="*/ 321816 w 778471"/>
+                  <a:gd name="connsiteY1" fmla="*/ 391206 h 487239"/>
+                  <a:gd name="connsiteX2" fmla="*/ 459056 w 778471"/>
+                  <a:gd name="connsiteY2" fmla="*/ 97470 h 487239"/>
+                  <a:gd name="connsiteX3" fmla="*/ 778471 w 778471"/>
+                  <a:gd name="connsiteY3" fmla="*/ 0 h 487239"/>
+                  <a:gd name="connsiteX0" fmla="*/ 0 w 778471"/>
+                  <a:gd name="connsiteY0" fmla="*/ 485800 h 487332"/>
+                  <a:gd name="connsiteX1" fmla="*/ 321816 w 778471"/>
+                  <a:gd name="connsiteY1" fmla="*/ 391206 h 487332"/>
+                  <a:gd name="connsiteX2" fmla="*/ 469445 w 778471"/>
+                  <a:gd name="connsiteY2" fmla="*/ 78219 h 487332"/>
+                  <a:gd name="connsiteX3" fmla="*/ 778471 w 778471"/>
+                  <a:gd name="connsiteY3" fmla="*/ 0 h 487332"/>
+                  <a:gd name="connsiteX0" fmla="*/ 0 w 778471"/>
+                  <a:gd name="connsiteY0" fmla="*/ 485800 h 487417"/>
+                  <a:gd name="connsiteX1" fmla="*/ 321816 w 778471"/>
+                  <a:gd name="connsiteY1" fmla="*/ 391206 h 487417"/>
+                  <a:gd name="connsiteX2" fmla="*/ 490223 w 778471"/>
+                  <a:gd name="connsiteY2" fmla="*/ 62177 h 487417"/>
+                  <a:gd name="connsiteX3" fmla="*/ 778471 w 778471"/>
+                  <a:gd name="connsiteY3" fmla="*/ 0 h 487417"/>
+                </a:gdLst>
+                <a:ahLst/>
+                <a:cxnLst>
+                  <a:cxn ang="0">
+                    <a:pos x="connsiteX0" y="connsiteY0"/>
+                  </a:cxn>
+                  <a:cxn ang="0">
+                    <a:pos x="connsiteX1" y="connsiteY1"/>
+                  </a:cxn>
+                  <a:cxn ang="0">
+                    <a:pos x="connsiteX2" y="connsiteY2"/>
+                  </a:cxn>
+                  <a:cxn ang="0">
+                    <a:pos x="connsiteX3" y="connsiteY3"/>
+                  </a:cxn>
+                </a:cxnLst>
+                <a:rect l="l" t="t" r="r" b="b"/>
+                <a:pathLst>
+                  <a:path w="778471" h="487417">
+                    <a:moveTo>
+                      <a:pt x="0" y="485800"/>
+                    </a:moveTo>
+                    <a:cubicBezTo>
+                      <a:pt x="111234" y="495434"/>
+                      <a:pt x="240112" y="461810"/>
+                      <a:pt x="321816" y="391206"/>
+                    </a:cubicBezTo>
+                    <a:cubicBezTo>
+                      <a:pt x="403520" y="320602"/>
+                      <a:pt x="421906" y="125239"/>
+                      <a:pt x="490223" y="62177"/>
+                    </a:cubicBezTo>
+                    <a:cubicBezTo>
+                      <a:pt x="558540" y="-885"/>
+                      <a:pt x="731175" y="10510"/>
+                      <a:pt x="778471" y="0"/>
+                    </a:cubicBezTo>
+                  </a:path>
+                </a:pathLst>
+              </a:custGeom>
+              <a:noFill/>
+              <a:ln w="19050">
+                <a:solidFill>
+                  <a:schemeClr val="bg1"/>
+                </a:solidFill>
+              </a:ln>
+            </p:spPr>
+            <p:style>
+              <a:lnRef idx="2">
+                <a:schemeClr val="accent1">
+                  <a:shade val="50000"/>
+                </a:schemeClr>
+              </a:lnRef>
+              <a:fillRef idx="1">
+                <a:schemeClr val="accent1"/>
+              </a:fillRef>
+              <a:effectRef idx="0">
+                <a:schemeClr val="accent1"/>
+              </a:effectRef>
+              <a:fontRef idx="minor">
+                <a:schemeClr val="lt1"/>
+              </a:fontRef>
+            </p:style>
+            <p:txBody>
+              <a:bodyPr rtlCol="0" anchor="ctr"/>
+              <a:lstStyle/>
+              <a:p>
+                <a:pPr algn="ctr"/>
+                <a:endParaRPr lang="en-ES" dirty="0"/>
+              </a:p>
+            </p:txBody>
+          </p:sp>
+        </p:grpSp>
+        <p:grpSp>
+          <p:nvGrpSpPr>
+            <p:cNvPr id="163" name="Group 162">
+              <a:extLst>
+                <a:ext uri="{FF2B5EF4-FFF2-40B4-BE49-F238E27FC236}">
+                  <a16:creationId xmlns:a16="http://schemas.microsoft.com/office/drawing/2014/main" id="{020D1FA6-EA57-6B0B-5203-897DECF3A6AF}"/>
+                </a:ext>
+              </a:extLst>
+            </p:cNvPr>
+            <p:cNvGrpSpPr/>
+            <p:nvPr/>
+          </p:nvGrpSpPr>
+          <p:grpSpPr>
+            <a:xfrm>
+              <a:off x="2844214" y="2169588"/>
+              <a:ext cx="330967" cy="355496"/>
+              <a:chOff x="2792891" y="3625416"/>
+              <a:chExt cx="658796" cy="598086"/>
+            </a:xfrm>
+          </p:grpSpPr>
+          <p:sp>
+            <p:nvSpPr>
+              <p:cNvPr id="164" name="Rectangle 163">
+                <a:extLst>
+                  <a:ext uri="{FF2B5EF4-FFF2-40B4-BE49-F238E27FC236}">
+                    <a16:creationId xmlns:a16="http://schemas.microsoft.com/office/drawing/2014/main" id="{EB398DBA-352A-142A-7334-E86C4683BD84}"/>
+                  </a:ext>
+                </a:extLst>
+              </p:cNvPr>
+              <p:cNvSpPr/>
+              <p:nvPr/>
+            </p:nvSpPr>
+            <p:spPr>
+              <a:xfrm>
+                <a:off x="2792891" y="3625416"/>
+                <a:ext cx="658796" cy="598086"/>
+              </a:xfrm>
+              <a:prstGeom prst="rect">
+                <a:avLst/>
+              </a:prstGeom>
+              <a:solidFill>
+                <a:schemeClr val="accent6">
+                  <a:lumMod val="75000"/>
+                </a:schemeClr>
+              </a:solidFill>
+            </p:spPr>
+            <p:style>
+              <a:lnRef idx="2">
+                <a:schemeClr val="accent1">
+                  <a:shade val="50000"/>
+                </a:schemeClr>
+              </a:lnRef>
+              <a:fillRef idx="1">
+                <a:schemeClr val="accent1"/>
+              </a:fillRef>
+              <a:effectRef idx="0">
+                <a:schemeClr val="accent1"/>
+              </a:effectRef>
+              <a:fontRef idx="minor">
+                <a:schemeClr val="lt1"/>
+              </a:fontRef>
+            </p:style>
+            <p:txBody>
+              <a:bodyPr rtlCol="0" anchor="ctr"/>
+              <a:lstStyle/>
+              <a:p>
+                <a:pPr algn="ctr"/>
+                <a:endParaRPr lang="en-ES"/>
+              </a:p>
+            </p:txBody>
+          </p:sp>
+          <p:sp>
+            <p:nvSpPr>
+              <p:cNvPr id="165" name="Freeform 164">
+                <a:extLst>
+                  <a:ext uri="{FF2B5EF4-FFF2-40B4-BE49-F238E27FC236}">
+                    <a16:creationId xmlns:a16="http://schemas.microsoft.com/office/drawing/2014/main" id="{C80C2B12-9687-196F-DA86-5336EBB98E2B}"/>
+                  </a:ext>
+                </a:extLst>
+              </p:cNvPr>
+              <p:cNvSpPr/>
+              <p:nvPr/>
+            </p:nvSpPr>
+            <p:spPr>
+              <a:xfrm>
+                <a:off x="2872982" y="3680032"/>
+                <a:ext cx="480821" cy="487417"/>
+              </a:xfrm>
+              <a:custGeom>
+                <a:avLst/>
+                <a:gdLst>
+                  <a:gd name="connsiteX0" fmla="*/ 0 w 714703"/>
+                  <a:gd name="connsiteY0" fmla="*/ 420414 h 427514"/>
+                  <a:gd name="connsiteX1" fmla="*/ 304800 w 714703"/>
+                  <a:gd name="connsiteY1" fmla="*/ 378372 h 427514"/>
+                  <a:gd name="connsiteX2" fmla="*/ 493986 w 714703"/>
+                  <a:gd name="connsiteY2" fmla="*/ 52552 h 427514"/>
+                  <a:gd name="connsiteX3" fmla="*/ 714703 w 714703"/>
+                  <a:gd name="connsiteY3" fmla="*/ 0 h 427514"/>
+                  <a:gd name="connsiteX0" fmla="*/ 0 w 731719"/>
+                  <a:gd name="connsiteY0" fmla="*/ 472966 h 474566"/>
+                  <a:gd name="connsiteX1" fmla="*/ 321816 w 731719"/>
+                  <a:gd name="connsiteY1" fmla="*/ 378372 h 474566"/>
+                  <a:gd name="connsiteX2" fmla="*/ 511002 w 731719"/>
+                  <a:gd name="connsiteY2" fmla="*/ 52552 h 474566"/>
+                  <a:gd name="connsiteX3" fmla="*/ 731719 w 731719"/>
+                  <a:gd name="connsiteY3" fmla="*/ 0 h 474566"/>
+                  <a:gd name="connsiteX0" fmla="*/ 0 w 778471"/>
+                  <a:gd name="connsiteY0" fmla="*/ 485800 h 487400"/>
+                  <a:gd name="connsiteX1" fmla="*/ 321816 w 778471"/>
+                  <a:gd name="connsiteY1" fmla="*/ 391206 h 487400"/>
+                  <a:gd name="connsiteX2" fmla="*/ 511002 w 778471"/>
+                  <a:gd name="connsiteY2" fmla="*/ 65386 h 487400"/>
+                  <a:gd name="connsiteX3" fmla="*/ 778471 w 778471"/>
+                  <a:gd name="connsiteY3" fmla="*/ 0 h 487400"/>
+                  <a:gd name="connsiteX0" fmla="*/ 0 w 778471"/>
+                  <a:gd name="connsiteY0" fmla="*/ 485800 h 487239"/>
+                  <a:gd name="connsiteX1" fmla="*/ 321816 w 778471"/>
+                  <a:gd name="connsiteY1" fmla="*/ 391206 h 487239"/>
+                  <a:gd name="connsiteX2" fmla="*/ 459056 w 778471"/>
+                  <a:gd name="connsiteY2" fmla="*/ 97470 h 487239"/>
+                  <a:gd name="connsiteX3" fmla="*/ 778471 w 778471"/>
+                  <a:gd name="connsiteY3" fmla="*/ 0 h 487239"/>
+                  <a:gd name="connsiteX0" fmla="*/ 0 w 778471"/>
+                  <a:gd name="connsiteY0" fmla="*/ 485800 h 487332"/>
+                  <a:gd name="connsiteX1" fmla="*/ 321816 w 778471"/>
+                  <a:gd name="connsiteY1" fmla="*/ 391206 h 487332"/>
+                  <a:gd name="connsiteX2" fmla="*/ 469445 w 778471"/>
+                  <a:gd name="connsiteY2" fmla="*/ 78219 h 487332"/>
+                  <a:gd name="connsiteX3" fmla="*/ 778471 w 778471"/>
+                  <a:gd name="connsiteY3" fmla="*/ 0 h 487332"/>
+                  <a:gd name="connsiteX0" fmla="*/ 0 w 778471"/>
+                  <a:gd name="connsiteY0" fmla="*/ 485800 h 487417"/>
+                  <a:gd name="connsiteX1" fmla="*/ 321816 w 778471"/>
+                  <a:gd name="connsiteY1" fmla="*/ 391206 h 487417"/>
+                  <a:gd name="connsiteX2" fmla="*/ 490223 w 778471"/>
+                  <a:gd name="connsiteY2" fmla="*/ 62177 h 487417"/>
+                  <a:gd name="connsiteX3" fmla="*/ 778471 w 778471"/>
+                  <a:gd name="connsiteY3" fmla="*/ 0 h 487417"/>
+                </a:gdLst>
+                <a:ahLst/>
+                <a:cxnLst>
+                  <a:cxn ang="0">
+                    <a:pos x="connsiteX0" y="connsiteY0"/>
+                  </a:cxn>
+                  <a:cxn ang="0">
+                    <a:pos x="connsiteX1" y="connsiteY1"/>
+                  </a:cxn>
+                  <a:cxn ang="0">
+                    <a:pos x="connsiteX2" y="connsiteY2"/>
+                  </a:cxn>
+                  <a:cxn ang="0">
+                    <a:pos x="connsiteX3" y="connsiteY3"/>
+                  </a:cxn>
+                </a:cxnLst>
+                <a:rect l="l" t="t" r="r" b="b"/>
+                <a:pathLst>
+                  <a:path w="778471" h="487417">
+                    <a:moveTo>
+                      <a:pt x="0" y="485800"/>
+                    </a:moveTo>
+                    <a:cubicBezTo>
+                      <a:pt x="111234" y="495434"/>
+                      <a:pt x="240112" y="461810"/>
+                      <a:pt x="321816" y="391206"/>
+                    </a:cubicBezTo>
+                    <a:cubicBezTo>
+                      <a:pt x="403520" y="320602"/>
+                      <a:pt x="421906" y="125239"/>
+                      <a:pt x="490223" y="62177"/>
+                    </a:cubicBezTo>
+                    <a:cubicBezTo>
+                      <a:pt x="558540" y="-885"/>
+                      <a:pt x="731175" y="10510"/>
+                      <a:pt x="778471" y="0"/>
+                    </a:cubicBezTo>
+                  </a:path>
+                </a:pathLst>
+              </a:custGeom>
+              <a:noFill/>
+              <a:ln w="19050">
+                <a:solidFill>
+                  <a:schemeClr val="bg1"/>
+                </a:solidFill>
+              </a:ln>
+            </p:spPr>
+            <p:style>
+              <a:lnRef idx="2">
+                <a:schemeClr val="accent1">
+                  <a:shade val="50000"/>
+                </a:schemeClr>
+              </a:lnRef>
+              <a:fillRef idx="1">
+                <a:schemeClr val="accent1"/>
+              </a:fillRef>
+              <a:effectRef idx="0">
+                <a:schemeClr val="accent1"/>
+              </a:effectRef>
+              <a:fontRef idx="minor">
+                <a:schemeClr val="lt1"/>
+              </a:fontRef>
+            </p:style>
+            <p:txBody>
+              <a:bodyPr rtlCol="0" anchor="ctr"/>
+              <a:lstStyle/>
+              <a:p>
+                <a:pPr algn="ctr"/>
+                <a:endParaRPr lang="en-ES" dirty="0"/>
+              </a:p>
+            </p:txBody>
+          </p:sp>
+        </p:grpSp>
+        <p:grpSp>
+          <p:nvGrpSpPr>
+            <p:cNvPr id="166" name="Group 165">
+              <a:extLst>
+                <a:ext uri="{FF2B5EF4-FFF2-40B4-BE49-F238E27FC236}">
+                  <a16:creationId xmlns:a16="http://schemas.microsoft.com/office/drawing/2014/main" id="{1323469E-B9B7-BC54-D60E-F152389EF5A5}"/>
+                </a:ext>
+              </a:extLst>
+            </p:cNvPr>
+            <p:cNvGrpSpPr/>
+            <p:nvPr/>
+          </p:nvGrpSpPr>
+          <p:grpSpPr>
+            <a:xfrm>
+              <a:off x="2844213" y="2876491"/>
+              <a:ext cx="330967" cy="355496"/>
+              <a:chOff x="2792891" y="3625416"/>
+              <a:chExt cx="658796" cy="598086"/>
+            </a:xfrm>
+          </p:grpSpPr>
+          <p:sp>
+            <p:nvSpPr>
+              <p:cNvPr id="167" name="Rectangle 166">
+                <a:extLst>
+                  <a:ext uri="{FF2B5EF4-FFF2-40B4-BE49-F238E27FC236}">
+                    <a16:creationId xmlns:a16="http://schemas.microsoft.com/office/drawing/2014/main" id="{B669B5B3-B141-2149-EB62-6532BE9D4AA1}"/>
+                  </a:ext>
+                </a:extLst>
+              </p:cNvPr>
+              <p:cNvSpPr/>
+              <p:nvPr/>
+            </p:nvSpPr>
+            <p:spPr>
+              <a:xfrm>
+                <a:off x="2792891" y="3625416"/>
+                <a:ext cx="658796" cy="598086"/>
+              </a:xfrm>
+              <a:prstGeom prst="rect">
+                <a:avLst/>
+              </a:prstGeom>
+              <a:solidFill>
+                <a:schemeClr val="accent6">
+                  <a:lumMod val="75000"/>
+                </a:schemeClr>
+              </a:solidFill>
+            </p:spPr>
+            <p:style>
+              <a:lnRef idx="2">
+                <a:schemeClr val="accent1">
+                  <a:shade val="50000"/>
+                </a:schemeClr>
+              </a:lnRef>
+              <a:fillRef idx="1">
+                <a:schemeClr val="accent1"/>
+              </a:fillRef>
+              <a:effectRef idx="0">
+                <a:schemeClr val="accent1"/>
+              </a:effectRef>
+              <a:fontRef idx="minor">
+                <a:schemeClr val="lt1"/>
+              </a:fontRef>
+            </p:style>
+            <p:txBody>
+              <a:bodyPr rtlCol="0" anchor="ctr"/>
+              <a:lstStyle/>
+              <a:p>
+                <a:pPr algn="ctr"/>
+                <a:endParaRPr lang="en-ES"/>
+              </a:p>
+            </p:txBody>
+          </p:sp>
+          <p:sp>
+            <p:nvSpPr>
+              <p:cNvPr id="168" name="Freeform 167">
+                <a:extLst>
+                  <a:ext uri="{FF2B5EF4-FFF2-40B4-BE49-F238E27FC236}">
+                    <a16:creationId xmlns:a16="http://schemas.microsoft.com/office/drawing/2014/main" id="{C679C414-3822-FD39-32F6-D15650CA5830}"/>
+                  </a:ext>
+                </a:extLst>
+              </p:cNvPr>
+              <p:cNvSpPr/>
+              <p:nvPr/>
+            </p:nvSpPr>
+            <p:spPr>
+              <a:xfrm>
+                <a:off x="2872982" y="3680032"/>
+                <a:ext cx="480821" cy="487417"/>
+              </a:xfrm>
+              <a:custGeom>
+                <a:avLst/>
+                <a:gdLst>
+                  <a:gd name="connsiteX0" fmla="*/ 0 w 714703"/>
+                  <a:gd name="connsiteY0" fmla="*/ 420414 h 427514"/>
+                  <a:gd name="connsiteX1" fmla="*/ 304800 w 714703"/>
+                  <a:gd name="connsiteY1" fmla="*/ 378372 h 427514"/>
+                  <a:gd name="connsiteX2" fmla="*/ 493986 w 714703"/>
+                  <a:gd name="connsiteY2" fmla="*/ 52552 h 427514"/>
+                  <a:gd name="connsiteX3" fmla="*/ 714703 w 714703"/>
+                  <a:gd name="connsiteY3" fmla="*/ 0 h 427514"/>
+                  <a:gd name="connsiteX0" fmla="*/ 0 w 731719"/>
+                  <a:gd name="connsiteY0" fmla="*/ 472966 h 474566"/>
+                  <a:gd name="connsiteX1" fmla="*/ 321816 w 731719"/>
+                  <a:gd name="connsiteY1" fmla="*/ 378372 h 474566"/>
+                  <a:gd name="connsiteX2" fmla="*/ 511002 w 731719"/>
+                  <a:gd name="connsiteY2" fmla="*/ 52552 h 474566"/>
+                  <a:gd name="connsiteX3" fmla="*/ 731719 w 731719"/>
+                  <a:gd name="connsiteY3" fmla="*/ 0 h 474566"/>
+                  <a:gd name="connsiteX0" fmla="*/ 0 w 778471"/>
+                  <a:gd name="connsiteY0" fmla="*/ 485800 h 487400"/>
+                  <a:gd name="connsiteX1" fmla="*/ 321816 w 778471"/>
+                  <a:gd name="connsiteY1" fmla="*/ 391206 h 487400"/>
+                  <a:gd name="connsiteX2" fmla="*/ 511002 w 778471"/>
+                  <a:gd name="connsiteY2" fmla="*/ 65386 h 487400"/>
+                  <a:gd name="connsiteX3" fmla="*/ 778471 w 778471"/>
+                  <a:gd name="connsiteY3" fmla="*/ 0 h 487400"/>
+                  <a:gd name="connsiteX0" fmla="*/ 0 w 778471"/>
+                  <a:gd name="connsiteY0" fmla="*/ 485800 h 487239"/>
+                  <a:gd name="connsiteX1" fmla="*/ 321816 w 778471"/>
+                  <a:gd name="connsiteY1" fmla="*/ 391206 h 487239"/>
+                  <a:gd name="connsiteX2" fmla="*/ 459056 w 778471"/>
+                  <a:gd name="connsiteY2" fmla="*/ 97470 h 487239"/>
+                  <a:gd name="connsiteX3" fmla="*/ 778471 w 778471"/>
+                  <a:gd name="connsiteY3" fmla="*/ 0 h 487239"/>
+                  <a:gd name="connsiteX0" fmla="*/ 0 w 778471"/>
+                  <a:gd name="connsiteY0" fmla="*/ 485800 h 487332"/>
+                  <a:gd name="connsiteX1" fmla="*/ 321816 w 778471"/>
+                  <a:gd name="connsiteY1" fmla="*/ 391206 h 487332"/>
+                  <a:gd name="connsiteX2" fmla="*/ 469445 w 778471"/>
+                  <a:gd name="connsiteY2" fmla="*/ 78219 h 487332"/>
+                  <a:gd name="connsiteX3" fmla="*/ 778471 w 778471"/>
+                  <a:gd name="connsiteY3" fmla="*/ 0 h 487332"/>
+                  <a:gd name="connsiteX0" fmla="*/ 0 w 778471"/>
+                  <a:gd name="connsiteY0" fmla="*/ 485800 h 487417"/>
+                  <a:gd name="connsiteX1" fmla="*/ 321816 w 778471"/>
+                  <a:gd name="connsiteY1" fmla="*/ 391206 h 487417"/>
+                  <a:gd name="connsiteX2" fmla="*/ 490223 w 778471"/>
+                  <a:gd name="connsiteY2" fmla="*/ 62177 h 487417"/>
+                  <a:gd name="connsiteX3" fmla="*/ 778471 w 778471"/>
+                  <a:gd name="connsiteY3" fmla="*/ 0 h 487417"/>
+                </a:gdLst>
+                <a:ahLst/>
+                <a:cxnLst>
+                  <a:cxn ang="0">
+                    <a:pos x="connsiteX0" y="connsiteY0"/>
+                  </a:cxn>
+                  <a:cxn ang="0">
+                    <a:pos x="connsiteX1" y="connsiteY1"/>
+                  </a:cxn>
+                  <a:cxn ang="0">
+                    <a:pos x="connsiteX2" y="connsiteY2"/>
+                  </a:cxn>
+                  <a:cxn ang="0">
+                    <a:pos x="connsiteX3" y="connsiteY3"/>
+                  </a:cxn>
+                </a:cxnLst>
+                <a:rect l="l" t="t" r="r" b="b"/>
+                <a:pathLst>
+                  <a:path w="778471" h="487417">
+                    <a:moveTo>
+                      <a:pt x="0" y="485800"/>
+                    </a:moveTo>
+                    <a:cubicBezTo>
+                      <a:pt x="111234" y="495434"/>
+                      <a:pt x="240112" y="461810"/>
+                      <a:pt x="321816" y="391206"/>
+                    </a:cubicBezTo>
+                    <a:cubicBezTo>
+                      <a:pt x="403520" y="320602"/>
+                      <a:pt x="421906" y="125239"/>
+                      <a:pt x="490223" y="62177"/>
+                    </a:cubicBezTo>
+                    <a:cubicBezTo>
+                      <a:pt x="558540" y="-885"/>
+                      <a:pt x="731175" y="10510"/>
+                      <a:pt x="778471" y="0"/>
+                    </a:cubicBezTo>
+                  </a:path>
+                </a:pathLst>
+              </a:custGeom>
+              <a:noFill/>
+              <a:ln w="19050">
+                <a:solidFill>
+                  <a:schemeClr val="bg1"/>
+                </a:solidFill>
+              </a:ln>
+            </p:spPr>
+            <p:style>
+              <a:lnRef idx="2">
+                <a:schemeClr val="accent1">
+                  <a:shade val="50000"/>
+                </a:schemeClr>
+              </a:lnRef>
+              <a:fillRef idx="1">
+                <a:schemeClr val="accent1"/>
+              </a:fillRef>
+              <a:effectRef idx="0">
+                <a:schemeClr val="accent1"/>
+              </a:effectRef>
+              <a:fontRef idx="minor">
+                <a:schemeClr val="lt1"/>
+              </a:fontRef>
+            </p:style>
+            <p:txBody>
+              <a:bodyPr rtlCol="0" anchor="ctr"/>
+              <a:lstStyle/>
+              <a:p>
+                <a:pPr algn="ctr"/>
+                <a:endParaRPr lang="en-ES" dirty="0"/>
+              </a:p>
+            </p:txBody>
+          </p:sp>
+        </p:grpSp>
+        <p:sp>
+          <p:nvSpPr>
+            <p:cNvPr id="176" name="Oval 175">
+              <a:extLst>
+                <a:ext uri="{FF2B5EF4-FFF2-40B4-BE49-F238E27FC236}">
+                  <a16:creationId xmlns:a16="http://schemas.microsoft.com/office/drawing/2014/main" id="{AD2DE014-303E-D70E-6A0A-D647E7997839}"/>
+                </a:ext>
+              </a:extLst>
+            </p:cNvPr>
+            <p:cNvSpPr/>
+            <p:nvPr/>
+          </p:nvSpPr>
+          <p:spPr>
+            <a:xfrm flipV="1">
+              <a:off x="3802136" y="2090996"/>
+              <a:ext cx="87426" cy="129502"/>
+            </a:xfrm>
+            <a:prstGeom prst="ellipse">
+              <a:avLst/>
+            </a:prstGeom>
+          </p:spPr>
+          <p:style>
+            <a:lnRef idx="2">
+              <a:schemeClr val="accent1">
+                <a:shade val="50000"/>
+              </a:schemeClr>
+            </a:lnRef>
+            <a:fillRef idx="1">
+              <a:schemeClr val="accent1"/>
+            </a:fillRef>
+            <a:effectRef idx="0">
+              <a:schemeClr val="accent1"/>
+            </a:effectRef>
+            <a:fontRef idx="minor">
+              <a:schemeClr val="lt1"/>
+            </a:fontRef>
+          </p:style>
+          <p:txBody>
+            <a:bodyPr rtlCol="0" anchor="ctr"/>
+            <a:lstStyle/>
+            <a:p>
+              <a:pPr algn="ctr"/>
+              <a:endParaRPr lang="en-ES"/>
+            </a:p>
+          </p:txBody>
+        </p:sp>
+        <p:sp>
+          <p:nvSpPr>
+            <p:cNvPr id="177" name="Oval 176">
+              <a:extLst>
+                <a:ext uri="{FF2B5EF4-FFF2-40B4-BE49-F238E27FC236}">
+                  <a16:creationId xmlns:a16="http://schemas.microsoft.com/office/drawing/2014/main" id="{164D42A5-7252-5734-E7F8-49FECBADD8EC}"/>
+                </a:ext>
+              </a:extLst>
+            </p:cNvPr>
+            <p:cNvSpPr/>
+            <p:nvPr/>
+          </p:nvSpPr>
+          <p:spPr>
+            <a:xfrm>
+              <a:off x="3691459" y="2026761"/>
+              <a:ext cx="257976" cy="257976"/>
+            </a:xfrm>
+            <a:prstGeom prst="ellipse">
+              <a:avLst/>
+            </a:prstGeom>
+            <a:solidFill>
+              <a:schemeClr val="accent2">
+                <a:lumMod val="75000"/>
+              </a:schemeClr>
+            </a:solidFill>
+          </p:spPr>
+          <p:style>
+            <a:lnRef idx="2">
+              <a:schemeClr val="accent1">
+                <a:shade val="50000"/>
+              </a:schemeClr>
+            </a:lnRef>
+            <a:fillRef idx="1">
+              <a:schemeClr val="accent1"/>
+            </a:fillRef>
+            <a:effectRef idx="0">
+              <a:schemeClr val="accent1"/>
+            </a:effectRef>
+            <a:fontRef idx="minor">
+              <a:schemeClr val="lt1"/>
+            </a:fontRef>
+          </p:style>
+          <p:txBody>
+            <a:bodyPr rtlCol="0" anchor="ctr"/>
+            <a:lstStyle/>
+            <a:p>
+              <a:pPr algn="ctr"/>
+              <a:r>
+                <a:rPr lang="en-ES" sz="2400" dirty="0"/>
+                <a:t>+</a:t>
+              </a:r>
+            </a:p>
+          </p:txBody>
+        </p:sp>
+        <p:grpSp>
+          <p:nvGrpSpPr>
+            <p:cNvPr id="202" name="Group 201">
+              <a:extLst>
+                <a:ext uri="{FF2B5EF4-FFF2-40B4-BE49-F238E27FC236}">
+                  <a16:creationId xmlns:a16="http://schemas.microsoft.com/office/drawing/2014/main" id="{C347E89E-69E7-0A55-E0FB-57D5E9543797}"/>
+                </a:ext>
+              </a:extLst>
+            </p:cNvPr>
+            <p:cNvGrpSpPr/>
+            <p:nvPr/>
+          </p:nvGrpSpPr>
+          <p:grpSpPr>
+            <a:xfrm>
+              <a:off x="4208952" y="1887441"/>
+              <a:ext cx="496348" cy="533132"/>
+              <a:chOff x="2792891" y="3625416"/>
+              <a:chExt cx="658796" cy="598086"/>
+            </a:xfrm>
+          </p:grpSpPr>
+          <p:sp>
+            <p:nvSpPr>
+              <p:cNvPr id="203" name="Rectangle 202">
+                <a:extLst>
+                  <a:ext uri="{FF2B5EF4-FFF2-40B4-BE49-F238E27FC236}">
+                    <a16:creationId xmlns:a16="http://schemas.microsoft.com/office/drawing/2014/main" id="{FC72E219-CEE1-2B1A-62D1-0E7A567FBF5B}"/>
+                  </a:ext>
+                </a:extLst>
+              </p:cNvPr>
+              <p:cNvSpPr/>
+              <p:nvPr/>
+            </p:nvSpPr>
+            <p:spPr>
+              <a:xfrm>
+                <a:off x="2792891" y="3625416"/>
+                <a:ext cx="658796" cy="598086"/>
+              </a:xfrm>
+              <a:prstGeom prst="rect">
+                <a:avLst/>
+              </a:prstGeom>
+              <a:solidFill>
+                <a:schemeClr val="accent6">
+                  <a:lumMod val="75000"/>
+                </a:schemeClr>
+              </a:solidFill>
+            </p:spPr>
+            <p:style>
+              <a:lnRef idx="2">
+                <a:schemeClr val="accent1">
+                  <a:shade val="50000"/>
+                </a:schemeClr>
+              </a:lnRef>
+              <a:fillRef idx="1">
+                <a:schemeClr val="accent1"/>
+              </a:fillRef>
+              <a:effectRef idx="0">
+                <a:schemeClr val="accent1"/>
+              </a:effectRef>
+              <a:fontRef idx="minor">
+                <a:schemeClr val="lt1"/>
+              </a:fontRef>
+            </p:style>
+            <p:txBody>
+              <a:bodyPr rtlCol="0" anchor="ctr"/>
+              <a:lstStyle/>
+              <a:p>
+                <a:pPr algn="ctr"/>
+                <a:endParaRPr lang="en-ES"/>
+              </a:p>
+            </p:txBody>
+          </p:sp>
+          <p:sp>
+            <p:nvSpPr>
+              <p:cNvPr id="204" name="Freeform 203">
+                <a:extLst>
+                  <a:ext uri="{FF2B5EF4-FFF2-40B4-BE49-F238E27FC236}">
+                    <a16:creationId xmlns:a16="http://schemas.microsoft.com/office/drawing/2014/main" id="{E88486EE-B86B-8116-AC67-3FBD15305BE0}"/>
+                  </a:ext>
+                </a:extLst>
+              </p:cNvPr>
+              <p:cNvSpPr/>
+              <p:nvPr/>
+            </p:nvSpPr>
+            <p:spPr>
+              <a:xfrm>
+                <a:off x="2872982" y="3680032"/>
+                <a:ext cx="480821" cy="487417"/>
+              </a:xfrm>
+              <a:custGeom>
+                <a:avLst/>
+                <a:gdLst>
+                  <a:gd name="connsiteX0" fmla="*/ 0 w 714703"/>
+                  <a:gd name="connsiteY0" fmla="*/ 420414 h 427514"/>
+                  <a:gd name="connsiteX1" fmla="*/ 304800 w 714703"/>
+                  <a:gd name="connsiteY1" fmla="*/ 378372 h 427514"/>
+                  <a:gd name="connsiteX2" fmla="*/ 493986 w 714703"/>
+                  <a:gd name="connsiteY2" fmla="*/ 52552 h 427514"/>
+                  <a:gd name="connsiteX3" fmla="*/ 714703 w 714703"/>
+                  <a:gd name="connsiteY3" fmla="*/ 0 h 427514"/>
+                  <a:gd name="connsiteX0" fmla="*/ 0 w 731719"/>
+                  <a:gd name="connsiteY0" fmla="*/ 472966 h 474566"/>
+                  <a:gd name="connsiteX1" fmla="*/ 321816 w 731719"/>
+                  <a:gd name="connsiteY1" fmla="*/ 378372 h 474566"/>
+                  <a:gd name="connsiteX2" fmla="*/ 511002 w 731719"/>
+                  <a:gd name="connsiteY2" fmla="*/ 52552 h 474566"/>
+                  <a:gd name="connsiteX3" fmla="*/ 731719 w 731719"/>
+                  <a:gd name="connsiteY3" fmla="*/ 0 h 474566"/>
+                  <a:gd name="connsiteX0" fmla="*/ 0 w 778471"/>
+                  <a:gd name="connsiteY0" fmla="*/ 485800 h 487400"/>
+                  <a:gd name="connsiteX1" fmla="*/ 321816 w 778471"/>
+                  <a:gd name="connsiteY1" fmla="*/ 391206 h 487400"/>
+                  <a:gd name="connsiteX2" fmla="*/ 511002 w 778471"/>
+                  <a:gd name="connsiteY2" fmla="*/ 65386 h 487400"/>
+                  <a:gd name="connsiteX3" fmla="*/ 778471 w 778471"/>
+                  <a:gd name="connsiteY3" fmla="*/ 0 h 487400"/>
+                  <a:gd name="connsiteX0" fmla="*/ 0 w 778471"/>
+                  <a:gd name="connsiteY0" fmla="*/ 485800 h 487239"/>
+                  <a:gd name="connsiteX1" fmla="*/ 321816 w 778471"/>
+                  <a:gd name="connsiteY1" fmla="*/ 391206 h 487239"/>
+                  <a:gd name="connsiteX2" fmla="*/ 459056 w 778471"/>
+                  <a:gd name="connsiteY2" fmla="*/ 97470 h 487239"/>
+                  <a:gd name="connsiteX3" fmla="*/ 778471 w 778471"/>
+                  <a:gd name="connsiteY3" fmla="*/ 0 h 487239"/>
+                  <a:gd name="connsiteX0" fmla="*/ 0 w 778471"/>
+                  <a:gd name="connsiteY0" fmla="*/ 485800 h 487332"/>
+                  <a:gd name="connsiteX1" fmla="*/ 321816 w 778471"/>
+                  <a:gd name="connsiteY1" fmla="*/ 391206 h 487332"/>
+                  <a:gd name="connsiteX2" fmla="*/ 469445 w 778471"/>
+                  <a:gd name="connsiteY2" fmla="*/ 78219 h 487332"/>
+                  <a:gd name="connsiteX3" fmla="*/ 778471 w 778471"/>
+                  <a:gd name="connsiteY3" fmla="*/ 0 h 487332"/>
+                  <a:gd name="connsiteX0" fmla="*/ 0 w 778471"/>
+                  <a:gd name="connsiteY0" fmla="*/ 485800 h 487417"/>
+                  <a:gd name="connsiteX1" fmla="*/ 321816 w 778471"/>
+                  <a:gd name="connsiteY1" fmla="*/ 391206 h 487417"/>
+                  <a:gd name="connsiteX2" fmla="*/ 490223 w 778471"/>
+                  <a:gd name="connsiteY2" fmla="*/ 62177 h 487417"/>
+                  <a:gd name="connsiteX3" fmla="*/ 778471 w 778471"/>
+                  <a:gd name="connsiteY3" fmla="*/ 0 h 487417"/>
+                </a:gdLst>
+                <a:ahLst/>
+                <a:cxnLst>
+                  <a:cxn ang="0">
+                    <a:pos x="connsiteX0" y="connsiteY0"/>
+                  </a:cxn>
+                  <a:cxn ang="0">
+                    <a:pos x="connsiteX1" y="connsiteY1"/>
+                  </a:cxn>
+                  <a:cxn ang="0">
+                    <a:pos x="connsiteX2" y="connsiteY2"/>
+                  </a:cxn>
+                  <a:cxn ang="0">
+                    <a:pos x="connsiteX3" y="connsiteY3"/>
+                  </a:cxn>
+                </a:cxnLst>
+                <a:rect l="l" t="t" r="r" b="b"/>
+                <a:pathLst>
+                  <a:path w="778471" h="487417">
+                    <a:moveTo>
+                      <a:pt x="0" y="485800"/>
+                    </a:moveTo>
+                    <a:cubicBezTo>
+                      <a:pt x="111234" y="495434"/>
+                      <a:pt x="240112" y="461810"/>
+                      <a:pt x="321816" y="391206"/>
+                    </a:cubicBezTo>
+                    <a:cubicBezTo>
+                      <a:pt x="403520" y="320602"/>
+                      <a:pt x="421906" y="125239"/>
+                      <a:pt x="490223" y="62177"/>
+                    </a:cubicBezTo>
+                    <a:cubicBezTo>
+                      <a:pt x="558540" y="-885"/>
+                      <a:pt x="731175" y="10510"/>
+                      <a:pt x="778471" y="0"/>
+                    </a:cubicBezTo>
+                  </a:path>
+                </a:pathLst>
+              </a:custGeom>
+              <a:noFill/>
+              <a:ln w="19050">
+                <a:solidFill>
+                  <a:schemeClr val="bg1"/>
+                </a:solidFill>
+              </a:ln>
+            </p:spPr>
+            <p:style>
+              <a:lnRef idx="2">
+                <a:schemeClr val="accent1">
+                  <a:shade val="50000"/>
+                </a:schemeClr>
+              </a:lnRef>
+              <a:fillRef idx="1">
+                <a:schemeClr val="accent1"/>
+              </a:fillRef>
+              <a:effectRef idx="0">
+                <a:schemeClr val="accent1"/>
+              </a:effectRef>
+              <a:fontRef idx="minor">
+                <a:schemeClr val="lt1"/>
+              </a:fontRef>
+            </p:style>
+            <p:txBody>
+              <a:bodyPr rtlCol="0" anchor="ctr"/>
+              <a:lstStyle/>
+              <a:p>
+                <a:pPr algn="ctr"/>
+                <a:endParaRPr lang="en-ES" dirty="0"/>
+              </a:p>
+            </p:txBody>
+          </p:sp>
+        </p:grpSp>
+        <p:cxnSp>
+          <p:nvCxnSpPr>
+            <p:cNvPr id="207" name="Straight Arrow Connector 206">
+              <a:extLst>
+                <a:ext uri="{FF2B5EF4-FFF2-40B4-BE49-F238E27FC236}">
+                  <a16:creationId xmlns:a16="http://schemas.microsoft.com/office/drawing/2014/main" id="{FDED1356-AA8E-137C-367B-2A31170625FB}"/>
+                </a:ext>
+              </a:extLst>
+            </p:cNvPr>
+            <p:cNvCxnSpPr>
+              <a:cxnSpLocks/>
+              <a:stCxn id="203" idx="3"/>
+              <a:endCxn id="155" idx="1"/>
+            </p:cNvCxnSpPr>
+            <p:nvPr/>
+          </p:nvCxnSpPr>
+          <p:spPr>
+            <a:xfrm>
+              <a:off x="4705300" y="2154007"/>
+              <a:ext cx="357020" cy="7879"/>
+            </a:xfrm>
+            <a:prstGeom prst="straightConnector1">
+              <a:avLst/>
+            </a:prstGeom>
+            <a:ln w="15875">
+              <a:tailEnd type="triangle"/>
+            </a:ln>
+          </p:spPr>
+          <p:style>
+            <a:lnRef idx="1">
+              <a:schemeClr val="accent1"/>
+            </a:lnRef>
+            <a:fillRef idx="0">
+              <a:schemeClr val="accent1"/>
+            </a:fillRef>
+            <a:effectRef idx="0">
+              <a:schemeClr val="accent1"/>
+            </a:effectRef>
+            <a:fontRef idx="minor">
+              <a:schemeClr val="tx1"/>
+            </a:fontRef>
+          </p:style>
+        </p:cxnSp>
+      </p:grpSp>
+    </p:spTree>
+    <p:extLst>
+      <p:ext uri="{BB962C8B-B14F-4D97-AF65-F5344CB8AC3E}">
+        <p14:creationId xmlns:p14="http://schemas.microsoft.com/office/powerpoint/2010/main" val="2118269667"/>
+      </p:ext>
+    </p:extLst>
+  </p:cSld>
+  <p:clrMapOvr>
+    <a:masterClrMapping/>
+  </p:clrMapOvr>
+</p:sld>
+</file>
+
+<file path=ppt/slides/slide4.xml><?xml version="1.0" encoding="utf-8"?>
+<p:sld xmlns:a="http://schemas.openxmlformats.org/drawingml/2006/main" xmlns:r="http://schemas.openxmlformats.org/officeDocument/2006/relationships" xmlns:p="http://schemas.openxmlformats.org/presentationml/2006/main">
+  <p:cSld>
+    <p:spTree>
+      <p:nvGrpSpPr>
+        <p:cNvPr id="1" name=""/>
+        <p:cNvGrpSpPr/>
+        <p:nvPr/>
+      </p:nvGrpSpPr>
+      <p:grpSpPr>
+        <a:xfrm>
+          <a:off x="0" y="0"/>
+          <a:ext cx="0" cy="0"/>
+          <a:chOff x="0" y="0"/>
+          <a:chExt cx="0" cy="0"/>
+        </a:xfrm>
+      </p:grpSpPr>
+      <p:grpSp>
+        <p:nvGrpSpPr>
           <p:cNvPr id="3" name="Group 2"/>
           <p:cNvGrpSpPr/>
           <p:nvPr/>
